--- a/[FastCampus] 4주차_강의자료_김경원박사.pptx
+++ b/[FastCampus] 4주차_강의자료_김경원박사.pptx
@@ -5,58 +5,45 @@
     <p:sldMasterId id="2147483648" r:id="rId1"/>
   </p:sldMasterIdLst>
   <p:notesMasterIdLst>
-    <p:notesMasterId r:id="rId40"/>
+    <p:notesMasterId r:id="rId27"/>
   </p:notesMasterIdLst>
   <p:handoutMasterIdLst>
-    <p:handoutMasterId r:id="rId41"/>
+    <p:handoutMasterId r:id="rId28"/>
   </p:handoutMasterIdLst>
   <p:sldIdLst>
     <p:sldId id="1063" r:id="rId2"/>
     <p:sldId id="1135" r:id="rId3"/>
-    <p:sldId id="1134" r:id="rId4"/>
-    <p:sldId id="1095" r:id="rId5"/>
-    <p:sldId id="1154" r:id="rId6"/>
-    <p:sldId id="1155" r:id="rId7"/>
-    <p:sldId id="1156" r:id="rId8"/>
-    <p:sldId id="1157" r:id="rId9"/>
-    <p:sldId id="1165" r:id="rId10"/>
-    <p:sldId id="1139" r:id="rId11"/>
-    <p:sldId id="1140" r:id="rId12"/>
-    <p:sldId id="1166" r:id="rId13"/>
-    <p:sldId id="1142" r:id="rId14"/>
-    <p:sldId id="1167" r:id="rId15"/>
-    <p:sldId id="1168" r:id="rId16"/>
-    <p:sldId id="1169" r:id="rId17"/>
-    <p:sldId id="1170" r:id="rId18"/>
-    <p:sldId id="1171" r:id="rId19"/>
-    <p:sldId id="1172" r:id="rId20"/>
-    <p:sldId id="1173" r:id="rId21"/>
-    <p:sldId id="1174" r:id="rId22"/>
-    <p:sldId id="1175" r:id="rId23"/>
-    <p:sldId id="1176" r:id="rId24"/>
-    <p:sldId id="1177" r:id="rId25"/>
-    <p:sldId id="1178" r:id="rId26"/>
-    <p:sldId id="1179" r:id="rId27"/>
-    <p:sldId id="1180" r:id="rId28"/>
-    <p:sldId id="1181" r:id="rId29"/>
-    <p:sldId id="1182" r:id="rId30"/>
-    <p:sldId id="1183" r:id="rId31"/>
-    <p:sldId id="1184" r:id="rId32"/>
-    <p:sldId id="1185" r:id="rId33"/>
-    <p:sldId id="1186" r:id="rId34"/>
-    <p:sldId id="1187" r:id="rId35"/>
-    <p:sldId id="1188" r:id="rId36"/>
-    <p:sldId id="1189" r:id="rId37"/>
-    <p:sldId id="1190" r:id="rId38"/>
-    <p:sldId id="1062" r:id="rId39"/>
+    <p:sldId id="1191" r:id="rId4"/>
+    <p:sldId id="1193" r:id="rId5"/>
+    <p:sldId id="1161" r:id="rId6"/>
+    <p:sldId id="1192" r:id="rId7"/>
+    <p:sldId id="1158" r:id="rId8"/>
+    <p:sldId id="1159" r:id="rId9"/>
+    <p:sldId id="1160" r:id="rId10"/>
+    <p:sldId id="1176" r:id="rId11"/>
+    <p:sldId id="1177" r:id="rId12"/>
+    <p:sldId id="1178" r:id="rId13"/>
+    <p:sldId id="1179" r:id="rId14"/>
+    <p:sldId id="1180" r:id="rId15"/>
+    <p:sldId id="1181" r:id="rId16"/>
+    <p:sldId id="1182" r:id="rId17"/>
+    <p:sldId id="1183" r:id="rId18"/>
+    <p:sldId id="1184" r:id="rId19"/>
+    <p:sldId id="1185" r:id="rId20"/>
+    <p:sldId id="1186" r:id="rId21"/>
+    <p:sldId id="1187" r:id="rId22"/>
+    <p:sldId id="1188" r:id="rId23"/>
+    <p:sldId id="1189" r:id="rId24"/>
+    <p:sldId id="1190" r:id="rId25"/>
+    <p:sldId id="1062" r:id="rId26"/>
   </p:sldIdLst>
   <p:sldSz cx="12160250" cy="6840538"/>
   <p:notesSz cx="9874250" cy="6797675"/>
   <p:embeddedFontLst>
     <p:embeddedFont>
       <p:font typeface="맑은 고딕" panose="020B0503020000020004" pitchFamily="50" charset="-127"/>
-      <p:regular r:id="rId42"/>
-      <p:bold r:id="rId43"/>
+      <p:regular r:id="rId29"/>
+      <p:bold r:id="rId30"/>
     </p:embeddedFont>
   </p:embeddedFontLst>
   <p:defaultTextStyle>
@@ -269,7 +256,7 @@
           <a:p>
             <a:fld id="{FC718EE8-BF93-4A17-BED5-FC99EECA5FC7}" type="datetimeFigureOut">
               <a:rPr lang="ko-KR" altLang="en-US" smtClean="0"/>
-              <a:t>2020-01-04</a:t>
+              <a:t>2020-06-08</a:t>
             </a:fld>
             <a:endParaRPr lang="ko-KR" altLang="en-US"/>
           </a:p>
@@ -434,7 +421,7 @@
           <a:p>
             <a:fld id="{6101F873-BA02-446B-9127-C4DE4310B943}" type="datetimeFigureOut">
               <a:rPr lang="ko-KR" altLang="en-US" smtClean="0"/>
-              <a:t>2020-01-04</a:t>
+              <a:t>2020-06-08</a:t>
             </a:fld>
             <a:endParaRPr lang="ko-KR" altLang="en-US"/>
           </a:p>
@@ -1024,7 +1011,7 @@
           <a:p>
             <a:fld id="{89B5E594-86C5-4F1D-8812-38DF40064943}" type="datetime1">
               <a:rPr lang="ko-KR" altLang="en-US" smtClean="0"/>
-              <a:t>2020-01-04</a:t>
+              <a:t>2020-06-08</a:t>
             </a:fld>
             <a:endParaRPr lang="ko-KR" altLang="en-US"/>
           </a:p>
@@ -1232,7 +1219,7 @@
           <a:p>
             <a:fld id="{05C0B17C-522D-4CD8-8139-01EDEBAB2AF6}" type="datetime1">
               <a:rPr lang="ko-KR" altLang="en-US" smtClean="0"/>
-              <a:t>2020-01-04</a:t>
+              <a:t>2020-06-08</a:t>
             </a:fld>
             <a:endParaRPr lang="ko-KR" altLang="en-US"/>
           </a:p>
@@ -1410,7 +1397,7 @@
           <a:p>
             <a:fld id="{7345261C-38F3-40E7-AAA6-CE27B727AA65}" type="datetime1">
               <a:rPr lang="ko-KR" altLang="en-US" smtClean="0"/>
-              <a:t>2020-01-04</a:t>
+              <a:t>2020-06-08</a:t>
             </a:fld>
             <a:endParaRPr lang="ko-KR" altLang="en-US"/>
           </a:p>
@@ -1578,7 +1565,7 @@
           <a:p>
             <a:fld id="{A8472951-AD8C-47B8-8787-30E2F4BFA1EA}" type="datetime1">
               <a:rPr lang="ko-KR" altLang="en-US" smtClean="0"/>
-              <a:t>2020-01-04</a:t>
+              <a:t>2020-06-08</a:t>
             </a:fld>
             <a:endParaRPr lang="ko-KR" altLang="en-US"/>
           </a:p>
@@ -1833,7 +1820,7 @@
           <a:p>
             <a:fld id="{8BCB1BBF-13D1-46E6-8B8B-C9F26A0BAD91}" type="datetime1">
               <a:rPr lang="ko-KR" altLang="en-US" smtClean="0"/>
-              <a:t>2020-01-04</a:t>
+              <a:t>2020-06-08</a:t>
             </a:fld>
             <a:endParaRPr lang="ko-KR" altLang="en-US"/>
           </a:p>
@@ -2118,7 +2105,7 @@
           <a:p>
             <a:fld id="{B16FDC3D-FD6A-49DF-B101-11717D57279F}" type="datetime1">
               <a:rPr lang="ko-KR" altLang="en-US" smtClean="0"/>
-              <a:t>2020-01-04</a:t>
+              <a:t>2020-06-08</a:t>
             </a:fld>
             <a:endParaRPr lang="ko-KR" altLang="en-US"/>
           </a:p>
@@ -2537,7 +2524,7 @@
           <a:p>
             <a:fld id="{42D411A2-FD90-4A19-98A8-25197A66BC26}" type="datetime1">
               <a:rPr lang="ko-KR" altLang="en-US" smtClean="0"/>
-              <a:t>2020-01-04</a:t>
+              <a:t>2020-06-08</a:t>
             </a:fld>
             <a:endParaRPr lang="ko-KR" altLang="en-US"/>
           </a:p>
@@ -2654,7 +2641,7 @@
           <a:p>
             <a:fld id="{F6E6B532-6471-449A-9A2F-4428556C2F98}" type="datetime1">
               <a:rPr lang="ko-KR" altLang="en-US" smtClean="0"/>
-              <a:t>2020-01-04</a:t>
+              <a:t>2020-06-08</a:t>
             </a:fld>
             <a:endParaRPr lang="ko-KR" altLang="en-US"/>
           </a:p>
@@ -2749,7 +2736,7 @@
           <a:p>
             <a:fld id="{45A9E13B-856D-4562-A86D-A2B6F7BF810F}" type="datetime1">
               <a:rPr lang="ko-KR" altLang="en-US" smtClean="0"/>
-              <a:t>2020-01-04</a:t>
+              <a:t>2020-06-08</a:t>
             </a:fld>
             <a:endParaRPr lang="ko-KR" altLang="en-US"/>
           </a:p>
@@ -3024,7 +3011,7 @@
           <a:p>
             <a:fld id="{A672FB3A-7E9E-4380-9381-6FCA87FBB41A}" type="datetime1">
               <a:rPr lang="ko-KR" altLang="en-US" smtClean="0"/>
-              <a:t>2020-01-04</a:t>
+              <a:t>2020-06-08</a:t>
             </a:fld>
             <a:endParaRPr lang="ko-KR" altLang="en-US"/>
           </a:p>
@@ -3276,7 +3263,7 @@
           <a:p>
             <a:fld id="{3948CCBA-1514-4E9E-888A-807450F810B0}" type="datetime1">
               <a:rPr lang="ko-KR" altLang="en-US" smtClean="0"/>
-              <a:t>2020-01-04</a:t>
+              <a:t>2020-06-08</a:t>
             </a:fld>
             <a:endParaRPr lang="ko-KR" altLang="en-US"/>
           </a:p>
@@ -3489,7 +3476,7 @@
           <a:p>
             <a:fld id="{170EDEE7-370E-499F-B978-ABF387098974}" type="datetime1">
               <a:rPr lang="ko-KR" altLang="en-US" smtClean="0"/>
-              <a:t>2020-01-04</a:t>
+              <a:t>2020-06-08</a:t>
             </a:fld>
             <a:endParaRPr lang="ko-KR" altLang="en-US" dirty="0"/>
           </a:p>
@@ -4098,7 +4085,7 @@
         </p:spPr>
         <p:txBody>
           <a:bodyPr>
-            <a:normAutofit/>
+            <a:normAutofit fontScale="90000"/>
           </a:bodyPr>
           <a:lstStyle/>
           <a:p>
@@ -4127,7 +4114,32 @@
                 <a:latin typeface="Noto Sans CJK KR Black" pitchFamily="34" charset="-127"/>
                 <a:ea typeface="Noto Sans CJK KR Black" pitchFamily="34" charset="-127"/>
               </a:rPr>
-              <a:t>시계열 분석</a:t>
+              <a:t>시계열 </a:t>
+            </a:r>
+            <a:br>
+              <a:rPr lang="en-US" altLang="ko-KR" sz="4400" dirty="0">
+                <a:solidFill>
+                  <a:schemeClr val="tx1">
+                    <a:lumMod val="75000"/>
+                    <a:lumOff val="25000"/>
+                  </a:schemeClr>
+                </a:solidFill>
+                <a:latin typeface="Noto Sans CJK KR Black" pitchFamily="34" charset="-127"/>
+                <a:ea typeface="Noto Sans CJK KR Black" pitchFamily="34" charset="-127"/>
+              </a:rPr>
+            </a:br>
+            <a:r>
+              <a:rPr lang="ko-KR" altLang="en-US" sz="4400" dirty="0">
+                <a:solidFill>
+                  <a:schemeClr val="tx1">
+                    <a:lumMod val="75000"/>
+                    <a:lumOff val="25000"/>
+                  </a:schemeClr>
+                </a:solidFill>
+                <a:latin typeface="Noto Sans CJK KR Black" pitchFamily="34" charset="-127"/>
+                <a:ea typeface="Noto Sans CJK KR Black" pitchFamily="34" charset="-127"/>
+              </a:rPr>
+              <a:t>분석</a:t>
             </a:r>
             <a:endParaRPr lang="ko-KR" altLang="en-US" sz="4400" dirty="0">
               <a:solidFill>
@@ -4159,2701 +4171,6 @@
               <a:rPr lang="ko-KR" altLang="en-US" smtClean="0"/>
               <a:pPr/>
               <a:t>10</a:t>
-            </a:fld>
-            <a:endParaRPr lang="ko-KR" altLang="en-US" dirty="0"/>
-          </a:p>
-        </p:txBody>
-      </p:sp>
-      <p:pic>
-        <p:nvPicPr>
-          <p:cNvPr id="2" name="그림 1">
-            <a:extLst>
-              <a:ext uri="{FF2B5EF4-FFF2-40B4-BE49-F238E27FC236}">
-                <a16:creationId xmlns:a16="http://schemas.microsoft.com/office/drawing/2014/main" id="{B605E817-ECAD-4344-80D5-C72CE1FE7CCD}"/>
-              </a:ext>
-            </a:extLst>
-          </p:cNvPr>
-          <p:cNvPicPr>
-            <a:picLocks noChangeAspect="1"/>
-          </p:cNvPicPr>
-          <p:nvPr/>
-        </p:nvPicPr>
-        <p:blipFill>
-          <a:blip r:embed="rId2"/>
-          <a:stretch>
-            <a:fillRect/>
-          </a:stretch>
-        </p:blipFill>
-        <p:spPr>
-          <a:xfrm>
-            <a:off x="2746374" y="1629148"/>
-            <a:ext cx="6667500" cy="4743450"/>
-          </a:xfrm>
-          <a:prstGeom prst="rect">
-            <a:avLst/>
-          </a:prstGeom>
-        </p:spPr>
-      </p:pic>
-    </p:spTree>
-    <p:extLst>
-      <p:ext uri="{BB962C8B-B14F-4D97-AF65-F5344CB8AC3E}">
-        <p14:creationId xmlns:p14="http://schemas.microsoft.com/office/powerpoint/2010/main" val="2986549760"/>
-      </p:ext>
-    </p:extLst>
-  </p:cSld>
-  <p:clrMapOvr>
-    <a:masterClrMapping/>
-  </p:clrMapOvr>
-</p:sld>
-</file>
-
-<file path=ppt/slides/slide11.xml><?xml version="1.0" encoding="utf-8"?>
-<p:sld xmlns:a="http://schemas.openxmlformats.org/drawingml/2006/main" xmlns:r="http://schemas.openxmlformats.org/officeDocument/2006/relationships" xmlns:p="http://schemas.openxmlformats.org/presentationml/2006/main">
-  <p:cSld>
-    <p:spTree>
-      <p:nvGrpSpPr>
-        <p:cNvPr id="1" name=""/>
-        <p:cNvGrpSpPr/>
-        <p:nvPr/>
-      </p:nvGrpSpPr>
-      <p:grpSpPr>
-        <a:xfrm>
-          <a:off x="0" y="0"/>
-          <a:ext cx="0" cy="0"/>
-          <a:chOff x="0" y="0"/>
-          <a:chExt cx="0" cy="0"/>
-        </a:xfrm>
-      </p:grpSpPr>
-      <p:sp>
-        <p:nvSpPr>
-          <p:cNvPr id="5" name="제목 4"/>
-          <p:cNvSpPr>
-            <a:spLocks noGrp="1"/>
-          </p:cNvSpPr>
-          <p:nvPr>
-            <p:ph type="title"/>
-          </p:nvPr>
-        </p:nvSpPr>
-        <p:spPr>
-          <a:xfrm>
-            <a:off x="608012" y="539949"/>
-            <a:ext cx="10944225" cy="1140090"/>
-          </a:xfrm>
-        </p:spPr>
-        <p:txBody>
-          <a:bodyPr>
-            <a:normAutofit/>
-          </a:bodyPr>
-          <a:lstStyle/>
-          <a:p>
-            <a:pPr algn="l"/>
-            <a:r>
-              <a:rPr lang="en-US" altLang="ko-KR" sz="4400" dirty="0">
-                <a:solidFill>
-                  <a:schemeClr val="tx1">
-                    <a:lumMod val="75000"/>
-                    <a:lumOff val="25000"/>
-                  </a:schemeClr>
-                </a:solidFill>
-                <a:latin typeface="Noto Sans CJK KR Black" pitchFamily="34" charset="-127"/>
-                <a:ea typeface="Noto Sans CJK KR Black" pitchFamily="34" charset="-127"/>
-              </a:rPr>
-              <a:t>4. </a:t>
-            </a:r>
-            <a:r>
-              <a:rPr lang="ko-KR" altLang="en-US" sz="4400" dirty="0">
-                <a:solidFill>
-                  <a:schemeClr val="tx1">
-                    <a:lumMod val="75000"/>
-                    <a:lumOff val="25000"/>
-                  </a:schemeClr>
-                </a:solidFill>
-                <a:latin typeface="Noto Sans CJK KR Black" pitchFamily="34" charset="-127"/>
-                <a:ea typeface="Noto Sans CJK KR Black" pitchFamily="34" charset="-127"/>
-              </a:rPr>
-              <a:t>시계열 분석</a:t>
-            </a:r>
-            <a:endParaRPr lang="ko-KR" altLang="en-US" sz="4400" dirty="0">
-              <a:solidFill>
-                <a:schemeClr val="tx1">
-                  <a:lumMod val="75000"/>
-                  <a:lumOff val="25000"/>
-                </a:schemeClr>
-              </a:solidFill>
-            </a:endParaRPr>
-          </a:p>
-        </p:txBody>
-      </p:sp>
-      <p:sp>
-        <p:nvSpPr>
-          <p:cNvPr id="3" name="슬라이드 번호 개체 틀 2"/>
-          <p:cNvSpPr>
-            <a:spLocks noGrp="1"/>
-          </p:cNvSpPr>
-          <p:nvPr>
-            <p:ph type="sldNum" sz="quarter" idx="12"/>
-          </p:nvPr>
-        </p:nvSpPr>
-        <p:spPr/>
-        <p:txBody>
-          <a:bodyPr/>
-          <a:lstStyle/>
-          <a:p>
-            <a:fld id="{6DDAE2C3-1A0B-474A-8CE8-AE55B8D9D4B1}" type="slidenum">
-              <a:rPr lang="ko-KR" altLang="en-US" smtClean="0"/>
-              <a:pPr/>
-              <a:t>11</a:t>
-            </a:fld>
-            <a:endParaRPr lang="ko-KR" altLang="en-US" dirty="0"/>
-          </a:p>
-        </p:txBody>
-      </p:sp>
-      <p:pic>
-        <p:nvPicPr>
-          <p:cNvPr id="2" name="그림 1">
-            <a:extLst>
-              <a:ext uri="{FF2B5EF4-FFF2-40B4-BE49-F238E27FC236}">
-                <a16:creationId xmlns:a16="http://schemas.microsoft.com/office/drawing/2014/main" id="{7207B6E8-FA76-4A7D-A9D7-D3FA6DB16D74}"/>
-              </a:ext>
-            </a:extLst>
-          </p:cNvPr>
-          <p:cNvPicPr>
-            <a:picLocks noChangeAspect="1"/>
-          </p:cNvPicPr>
-          <p:nvPr/>
-        </p:nvPicPr>
-        <p:blipFill>
-          <a:blip r:embed="rId2"/>
-          <a:stretch>
-            <a:fillRect/>
-          </a:stretch>
-        </p:blipFill>
-        <p:spPr>
-          <a:xfrm>
-            <a:off x="4402306" y="486525"/>
-            <a:ext cx="7629525" cy="6048375"/>
-          </a:xfrm>
-          <a:prstGeom prst="rect">
-            <a:avLst/>
-          </a:prstGeom>
-        </p:spPr>
-      </p:pic>
-    </p:spTree>
-    <p:extLst>
-      <p:ext uri="{BB962C8B-B14F-4D97-AF65-F5344CB8AC3E}">
-        <p14:creationId xmlns:p14="http://schemas.microsoft.com/office/powerpoint/2010/main" val="179954901"/>
-      </p:ext>
-    </p:extLst>
-  </p:cSld>
-  <p:clrMapOvr>
-    <a:masterClrMapping/>
-  </p:clrMapOvr>
-</p:sld>
-</file>
-
-<file path=ppt/slides/slide12.xml><?xml version="1.0" encoding="utf-8"?>
-<p:sld xmlns:a="http://schemas.openxmlformats.org/drawingml/2006/main" xmlns:r="http://schemas.openxmlformats.org/officeDocument/2006/relationships" xmlns:p="http://schemas.openxmlformats.org/presentationml/2006/main">
-  <p:cSld>
-    <p:spTree>
-      <p:nvGrpSpPr>
-        <p:cNvPr id="1" name=""/>
-        <p:cNvGrpSpPr/>
-        <p:nvPr/>
-      </p:nvGrpSpPr>
-      <p:grpSpPr>
-        <a:xfrm>
-          <a:off x="0" y="0"/>
-          <a:ext cx="0" cy="0"/>
-          <a:chOff x="0" y="0"/>
-          <a:chExt cx="0" cy="0"/>
-        </a:xfrm>
-      </p:grpSpPr>
-      <p:sp>
-        <p:nvSpPr>
-          <p:cNvPr id="5" name="제목 4"/>
-          <p:cNvSpPr>
-            <a:spLocks noGrp="1"/>
-          </p:cNvSpPr>
-          <p:nvPr>
-            <p:ph type="title"/>
-          </p:nvPr>
-        </p:nvSpPr>
-        <p:spPr>
-          <a:xfrm>
-            <a:off x="608012" y="539949"/>
-            <a:ext cx="10944225" cy="1140090"/>
-          </a:xfrm>
-        </p:spPr>
-        <p:txBody>
-          <a:bodyPr>
-            <a:normAutofit/>
-          </a:bodyPr>
-          <a:lstStyle/>
-          <a:p>
-            <a:pPr algn="l"/>
-            <a:r>
-              <a:rPr lang="en-US" altLang="ko-KR" sz="4400" dirty="0">
-                <a:solidFill>
-                  <a:schemeClr val="tx1">
-                    <a:lumMod val="75000"/>
-                    <a:lumOff val="25000"/>
-                  </a:schemeClr>
-                </a:solidFill>
-                <a:latin typeface="Noto Sans CJK KR Black" pitchFamily="34" charset="-127"/>
-                <a:ea typeface="Noto Sans CJK KR Black" pitchFamily="34" charset="-127"/>
-              </a:rPr>
-              <a:t>4. </a:t>
-            </a:r>
-            <a:r>
-              <a:rPr lang="ko-KR" altLang="en-US" sz="4400" dirty="0">
-                <a:solidFill>
-                  <a:schemeClr val="tx1">
-                    <a:lumMod val="75000"/>
-                    <a:lumOff val="25000"/>
-                  </a:schemeClr>
-                </a:solidFill>
-                <a:latin typeface="Noto Sans CJK KR Black" pitchFamily="34" charset="-127"/>
-                <a:ea typeface="Noto Sans CJK KR Black" pitchFamily="34" charset="-127"/>
-              </a:rPr>
-              <a:t>시계열 분석</a:t>
-            </a:r>
-            <a:endParaRPr lang="ko-KR" altLang="en-US" sz="4400" dirty="0">
-              <a:solidFill>
-                <a:schemeClr val="tx1">
-                  <a:lumMod val="75000"/>
-                  <a:lumOff val="25000"/>
-                </a:schemeClr>
-              </a:solidFill>
-            </a:endParaRPr>
-          </a:p>
-        </p:txBody>
-      </p:sp>
-      <p:sp>
-        <p:nvSpPr>
-          <p:cNvPr id="3" name="슬라이드 번호 개체 틀 2"/>
-          <p:cNvSpPr>
-            <a:spLocks noGrp="1"/>
-          </p:cNvSpPr>
-          <p:nvPr>
-            <p:ph type="sldNum" sz="quarter" idx="12"/>
-          </p:nvPr>
-        </p:nvSpPr>
-        <p:spPr/>
-        <p:txBody>
-          <a:bodyPr/>
-          <a:lstStyle/>
-          <a:p>
-            <a:fld id="{6DDAE2C3-1A0B-474A-8CE8-AE55B8D9D4B1}" type="slidenum">
-              <a:rPr lang="ko-KR" altLang="en-US" smtClean="0"/>
-              <a:pPr/>
-              <a:t>12</a:t>
-            </a:fld>
-            <a:endParaRPr lang="ko-KR" altLang="en-US" dirty="0"/>
-          </a:p>
-        </p:txBody>
-      </p:sp>
-      <p:pic>
-        <p:nvPicPr>
-          <p:cNvPr id="2" name="그림 1">
-            <a:extLst>
-              <a:ext uri="{FF2B5EF4-FFF2-40B4-BE49-F238E27FC236}">
-                <a16:creationId xmlns:a16="http://schemas.microsoft.com/office/drawing/2014/main" id="{30EFB1B7-2108-47D2-828B-DF347D7D2C41}"/>
-              </a:ext>
-            </a:extLst>
-          </p:cNvPr>
-          <p:cNvPicPr>
-            <a:picLocks noChangeAspect="1"/>
-          </p:cNvPicPr>
-          <p:nvPr/>
-        </p:nvPicPr>
-        <p:blipFill>
-          <a:blip r:embed="rId2"/>
-          <a:stretch>
-            <a:fillRect/>
-          </a:stretch>
-        </p:blipFill>
-        <p:spPr>
-          <a:xfrm>
-            <a:off x="2017711" y="1373188"/>
-            <a:ext cx="8124825" cy="5467350"/>
-          </a:xfrm>
-          <a:prstGeom prst="rect">
-            <a:avLst/>
-          </a:prstGeom>
-        </p:spPr>
-      </p:pic>
-    </p:spTree>
-    <p:extLst>
-      <p:ext uri="{BB962C8B-B14F-4D97-AF65-F5344CB8AC3E}">
-        <p14:creationId xmlns:p14="http://schemas.microsoft.com/office/powerpoint/2010/main" val="2490872025"/>
-      </p:ext>
-    </p:extLst>
-  </p:cSld>
-  <p:clrMapOvr>
-    <a:masterClrMapping/>
-  </p:clrMapOvr>
-</p:sld>
-</file>
-
-<file path=ppt/slides/slide13.xml><?xml version="1.0" encoding="utf-8"?>
-<p:sld xmlns:a="http://schemas.openxmlformats.org/drawingml/2006/main" xmlns:r="http://schemas.openxmlformats.org/officeDocument/2006/relationships" xmlns:p="http://schemas.openxmlformats.org/presentationml/2006/main">
-  <p:cSld>
-    <p:spTree>
-      <p:nvGrpSpPr>
-        <p:cNvPr id="1" name=""/>
-        <p:cNvGrpSpPr/>
-        <p:nvPr/>
-      </p:nvGrpSpPr>
-      <p:grpSpPr>
-        <a:xfrm>
-          <a:off x="0" y="0"/>
-          <a:ext cx="0" cy="0"/>
-          <a:chOff x="0" y="0"/>
-          <a:chExt cx="0" cy="0"/>
-        </a:xfrm>
-      </p:grpSpPr>
-      <p:sp>
-        <p:nvSpPr>
-          <p:cNvPr id="5" name="제목 4"/>
-          <p:cNvSpPr>
-            <a:spLocks noGrp="1"/>
-          </p:cNvSpPr>
-          <p:nvPr>
-            <p:ph type="title"/>
-          </p:nvPr>
-        </p:nvSpPr>
-        <p:spPr>
-          <a:xfrm>
-            <a:off x="608012" y="539949"/>
-            <a:ext cx="10944225" cy="1140090"/>
-          </a:xfrm>
-        </p:spPr>
-        <p:txBody>
-          <a:bodyPr>
-            <a:normAutofit/>
-          </a:bodyPr>
-          <a:lstStyle/>
-          <a:p>
-            <a:pPr algn="l"/>
-            <a:r>
-              <a:rPr lang="en-US" altLang="ko-KR" sz="4400" dirty="0">
-                <a:solidFill>
-                  <a:schemeClr val="tx1">
-                    <a:lumMod val="75000"/>
-                    <a:lumOff val="25000"/>
-                  </a:schemeClr>
-                </a:solidFill>
-                <a:latin typeface="Noto Sans CJK KR Black" pitchFamily="34" charset="-127"/>
-                <a:ea typeface="Noto Sans CJK KR Black" pitchFamily="34" charset="-127"/>
-              </a:rPr>
-              <a:t>4. </a:t>
-            </a:r>
-            <a:r>
-              <a:rPr lang="ko-KR" altLang="en-US" sz="4400" dirty="0">
-                <a:solidFill>
-                  <a:schemeClr val="tx1">
-                    <a:lumMod val="75000"/>
-                    <a:lumOff val="25000"/>
-                  </a:schemeClr>
-                </a:solidFill>
-                <a:latin typeface="Noto Sans CJK KR Black" pitchFamily="34" charset="-127"/>
-                <a:ea typeface="Noto Sans CJK KR Black" pitchFamily="34" charset="-127"/>
-              </a:rPr>
-              <a:t>시계열 분석</a:t>
-            </a:r>
-            <a:endParaRPr lang="ko-KR" altLang="en-US" sz="4400" dirty="0">
-              <a:solidFill>
-                <a:schemeClr val="tx1">
-                  <a:lumMod val="75000"/>
-                  <a:lumOff val="25000"/>
-                </a:schemeClr>
-              </a:solidFill>
-            </a:endParaRPr>
-          </a:p>
-        </p:txBody>
-      </p:sp>
-      <p:sp>
-        <p:nvSpPr>
-          <p:cNvPr id="3" name="슬라이드 번호 개체 틀 2"/>
-          <p:cNvSpPr>
-            <a:spLocks noGrp="1"/>
-          </p:cNvSpPr>
-          <p:nvPr>
-            <p:ph type="sldNum" sz="quarter" idx="12"/>
-          </p:nvPr>
-        </p:nvSpPr>
-        <p:spPr/>
-        <p:txBody>
-          <a:bodyPr/>
-          <a:lstStyle/>
-          <a:p>
-            <a:fld id="{6DDAE2C3-1A0B-474A-8CE8-AE55B8D9D4B1}" type="slidenum">
-              <a:rPr lang="ko-KR" altLang="en-US" smtClean="0"/>
-              <a:pPr/>
-              <a:t>13</a:t>
-            </a:fld>
-            <a:endParaRPr lang="ko-KR" altLang="en-US" dirty="0"/>
-          </a:p>
-        </p:txBody>
-      </p:sp>
-      <p:pic>
-        <p:nvPicPr>
-          <p:cNvPr id="2" name="그림 1">
-            <a:extLst>
-              <a:ext uri="{FF2B5EF4-FFF2-40B4-BE49-F238E27FC236}">
-                <a16:creationId xmlns:a16="http://schemas.microsoft.com/office/drawing/2014/main" id="{548C5F2A-096D-4BE2-A2A3-B822D8648C33}"/>
-              </a:ext>
-            </a:extLst>
-          </p:cNvPr>
-          <p:cNvPicPr>
-            <a:picLocks noChangeAspect="1"/>
-          </p:cNvPicPr>
-          <p:nvPr/>
-        </p:nvPicPr>
-        <p:blipFill>
-          <a:blip r:embed="rId2"/>
-          <a:stretch>
-            <a:fillRect/>
-          </a:stretch>
-        </p:blipFill>
-        <p:spPr>
-          <a:xfrm>
-            <a:off x="3270250" y="2248694"/>
-            <a:ext cx="5619750" cy="2343150"/>
-          </a:xfrm>
-          <a:prstGeom prst="rect">
-            <a:avLst/>
-          </a:prstGeom>
-        </p:spPr>
-      </p:pic>
-    </p:spTree>
-    <p:extLst>
-      <p:ext uri="{BB962C8B-B14F-4D97-AF65-F5344CB8AC3E}">
-        <p14:creationId xmlns:p14="http://schemas.microsoft.com/office/powerpoint/2010/main" val="1312900209"/>
-      </p:ext>
-    </p:extLst>
-  </p:cSld>
-  <p:clrMapOvr>
-    <a:masterClrMapping/>
-  </p:clrMapOvr>
-</p:sld>
-</file>
-
-<file path=ppt/slides/slide14.xml><?xml version="1.0" encoding="utf-8"?>
-<p:sld xmlns:a="http://schemas.openxmlformats.org/drawingml/2006/main" xmlns:r="http://schemas.openxmlformats.org/officeDocument/2006/relationships" xmlns:p="http://schemas.openxmlformats.org/presentationml/2006/main">
-  <p:cSld>
-    <p:spTree>
-      <p:nvGrpSpPr>
-        <p:cNvPr id="1" name=""/>
-        <p:cNvGrpSpPr/>
-        <p:nvPr/>
-      </p:nvGrpSpPr>
-      <p:grpSpPr>
-        <a:xfrm>
-          <a:off x="0" y="0"/>
-          <a:ext cx="0" cy="0"/>
-          <a:chOff x="0" y="0"/>
-          <a:chExt cx="0" cy="0"/>
-        </a:xfrm>
-      </p:grpSpPr>
-      <p:sp>
-        <p:nvSpPr>
-          <p:cNvPr id="5" name="제목 4"/>
-          <p:cNvSpPr>
-            <a:spLocks noGrp="1"/>
-          </p:cNvSpPr>
-          <p:nvPr>
-            <p:ph type="title"/>
-          </p:nvPr>
-        </p:nvSpPr>
-        <p:spPr>
-          <a:xfrm>
-            <a:off x="608012" y="539949"/>
-            <a:ext cx="10944225" cy="1140090"/>
-          </a:xfrm>
-        </p:spPr>
-        <p:txBody>
-          <a:bodyPr>
-            <a:normAutofit/>
-          </a:bodyPr>
-          <a:lstStyle/>
-          <a:p>
-            <a:pPr algn="l"/>
-            <a:r>
-              <a:rPr lang="en-US" altLang="ko-KR" sz="4400" dirty="0">
-                <a:solidFill>
-                  <a:schemeClr val="tx1">
-                    <a:lumMod val="75000"/>
-                    <a:lumOff val="25000"/>
-                  </a:schemeClr>
-                </a:solidFill>
-                <a:latin typeface="Noto Sans CJK KR Black" pitchFamily="34" charset="-127"/>
-                <a:ea typeface="Noto Sans CJK KR Black" pitchFamily="34" charset="-127"/>
-              </a:rPr>
-              <a:t>4. </a:t>
-            </a:r>
-            <a:r>
-              <a:rPr lang="ko-KR" altLang="en-US" sz="4400" dirty="0">
-                <a:solidFill>
-                  <a:schemeClr val="tx1">
-                    <a:lumMod val="75000"/>
-                    <a:lumOff val="25000"/>
-                  </a:schemeClr>
-                </a:solidFill>
-                <a:latin typeface="Noto Sans CJK KR Black" pitchFamily="34" charset="-127"/>
-                <a:ea typeface="Noto Sans CJK KR Black" pitchFamily="34" charset="-127"/>
-              </a:rPr>
-              <a:t>시계열 분석</a:t>
-            </a:r>
-            <a:endParaRPr lang="ko-KR" altLang="en-US" sz="4400" dirty="0">
-              <a:solidFill>
-                <a:schemeClr val="tx1">
-                  <a:lumMod val="75000"/>
-                  <a:lumOff val="25000"/>
-                </a:schemeClr>
-              </a:solidFill>
-            </a:endParaRPr>
-          </a:p>
-        </p:txBody>
-      </p:sp>
-      <p:sp>
-        <p:nvSpPr>
-          <p:cNvPr id="3" name="슬라이드 번호 개체 틀 2"/>
-          <p:cNvSpPr>
-            <a:spLocks noGrp="1"/>
-          </p:cNvSpPr>
-          <p:nvPr>
-            <p:ph type="sldNum" sz="quarter" idx="12"/>
-          </p:nvPr>
-        </p:nvSpPr>
-        <p:spPr/>
-        <p:txBody>
-          <a:bodyPr/>
-          <a:lstStyle/>
-          <a:p>
-            <a:fld id="{6DDAE2C3-1A0B-474A-8CE8-AE55B8D9D4B1}" type="slidenum">
-              <a:rPr lang="ko-KR" altLang="en-US" smtClean="0"/>
-              <a:pPr/>
-              <a:t>14</a:t>
-            </a:fld>
-            <a:endParaRPr lang="ko-KR" altLang="en-US" dirty="0"/>
-          </a:p>
-        </p:txBody>
-      </p:sp>
-      <p:pic>
-        <p:nvPicPr>
-          <p:cNvPr id="2" name="그림 1">
-            <a:extLst>
-              <a:ext uri="{FF2B5EF4-FFF2-40B4-BE49-F238E27FC236}">
-                <a16:creationId xmlns:a16="http://schemas.microsoft.com/office/drawing/2014/main" id="{6F417F2B-D51A-45E4-B360-079364D361B1}"/>
-              </a:ext>
-            </a:extLst>
-          </p:cNvPr>
-          <p:cNvPicPr>
-            <a:picLocks noChangeAspect="1"/>
-          </p:cNvPicPr>
-          <p:nvPr/>
-        </p:nvPicPr>
-        <p:blipFill>
-          <a:blip r:embed="rId2"/>
-          <a:stretch>
-            <a:fillRect/>
-          </a:stretch>
-        </p:blipFill>
-        <p:spPr>
-          <a:xfrm>
-            <a:off x="2179636" y="1968918"/>
-            <a:ext cx="7800975" cy="4114800"/>
-          </a:xfrm>
-          <a:prstGeom prst="rect">
-            <a:avLst/>
-          </a:prstGeom>
-        </p:spPr>
-      </p:pic>
-    </p:spTree>
-    <p:extLst>
-      <p:ext uri="{BB962C8B-B14F-4D97-AF65-F5344CB8AC3E}">
-        <p14:creationId xmlns:p14="http://schemas.microsoft.com/office/powerpoint/2010/main" val="2232289934"/>
-      </p:ext>
-    </p:extLst>
-  </p:cSld>
-  <p:clrMapOvr>
-    <a:masterClrMapping/>
-  </p:clrMapOvr>
-</p:sld>
-</file>
-
-<file path=ppt/slides/slide15.xml><?xml version="1.0" encoding="utf-8"?>
-<p:sld xmlns:a="http://schemas.openxmlformats.org/drawingml/2006/main" xmlns:r="http://schemas.openxmlformats.org/officeDocument/2006/relationships" xmlns:p="http://schemas.openxmlformats.org/presentationml/2006/main">
-  <p:cSld>
-    <p:spTree>
-      <p:nvGrpSpPr>
-        <p:cNvPr id="1" name=""/>
-        <p:cNvGrpSpPr/>
-        <p:nvPr/>
-      </p:nvGrpSpPr>
-      <p:grpSpPr>
-        <a:xfrm>
-          <a:off x="0" y="0"/>
-          <a:ext cx="0" cy="0"/>
-          <a:chOff x="0" y="0"/>
-          <a:chExt cx="0" cy="0"/>
-        </a:xfrm>
-      </p:grpSpPr>
-      <p:sp>
-        <p:nvSpPr>
-          <p:cNvPr id="5" name="제목 4"/>
-          <p:cNvSpPr>
-            <a:spLocks noGrp="1"/>
-          </p:cNvSpPr>
-          <p:nvPr>
-            <p:ph type="title"/>
-          </p:nvPr>
-        </p:nvSpPr>
-        <p:spPr>
-          <a:xfrm>
-            <a:off x="608012" y="539949"/>
-            <a:ext cx="10944225" cy="1140090"/>
-          </a:xfrm>
-        </p:spPr>
-        <p:txBody>
-          <a:bodyPr>
-            <a:normAutofit/>
-          </a:bodyPr>
-          <a:lstStyle/>
-          <a:p>
-            <a:pPr algn="l"/>
-            <a:r>
-              <a:rPr lang="en-US" altLang="ko-KR" sz="4400" dirty="0">
-                <a:solidFill>
-                  <a:schemeClr val="tx1">
-                    <a:lumMod val="75000"/>
-                    <a:lumOff val="25000"/>
-                  </a:schemeClr>
-                </a:solidFill>
-                <a:latin typeface="Noto Sans CJK KR Black" pitchFamily="34" charset="-127"/>
-                <a:ea typeface="Noto Sans CJK KR Black" pitchFamily="34" charset="-127"/>
-              </a:rPr>
-              <a:t>4. </a:t>
-            </a:r>
-            <a:r>
-              <a:rPr lang="ko-KR" altLang="en-US" sz="4400" dirty="0">
-                <a:solidFill>
-                  <a:schemeClr val="tx1">
-                    <a:lumMod val="75000"/>
-                    <a:lumOff val="25000"/>
-                  </a:schemeClr>
-                </a:solidFill>
-                <a:latin typeface="Noto Sans CJK KR Black" pitchFamily="34" charset="-127"/>
-                <a:ea typeface="Noto Sans CJK KR Black" pitchFamily="34" charset="-127"/>
-              </a:rPr>
-              <a:t>시계열 분석</a:t>
-            </a:r>
-            <a:endParaRPr lang="ko-KR" altLang="en-US" sz="4400" dirty="0">
-              <a:solidFill>
-                <a:schemeClr val="tx1">
-                  <a:lumMod val="75000"/>
-                  <a:lumOff val="25000"/>
-                </a:schemeClr>
-              </a:solidFill>
-            </a:endParaRPr>
-          </a:p>
-        </p:txBody>
-      </p:sp>
-      <p:sp>
-        <p:nvSpPr>
-          <p:cNvPr id="3" name="슬라이드 번호 개체 틀 2"/>
-          <p:cNvSpPr>
-            <a:spLocks noGrp="1"/>
-          </p:cNvSpPr>
-          <p:nvPr>
-            <p:ph type="sldNum" sz="quarter" idx="12"/>
-          </p:nvPr>
-        </p:nvSpPr>
-        <p:spPr/>
-        <p:txBody>
-          <a:bodyPr/>
-          <a:lstStyle/>
-          <a:p>
-            <a:fld id="{6DDAE2C3-1A0B-474A-8CE8-AE55B8D9D4B1}" type="slidenum">
-              <a:rPr lang="ko-KR" altLang="en-US" smtClean="0"/>
-              <a:pPr/>
-              <a:t>15</a:t>
-            </a:fld>
-            <a:endParaRPr lang="ko-KR" altLang="en-US" dirty="0"/>
-          </a:p>
-        </p:txBody>
-      </p:sp>
-      <p:pic>
-        <p:nvPicPr>
-          <p:cNvPr id="2" name="그림 1">
-            <a:extLst>
-              <a:ext uri="{FF2B5EF4-FFF2-40B4-BE49-F238E27FC236}">
-                <a16:creationId xmlns:a16="http://schemas.microsoft.com/office/drawing/2014/main" id="{99063E02-5049-488F-B59C-27DDF9D176D2}"/>
-              </a:ext>
-            </a:extLst>
-          </p:cNvPr>
-          <p:cNvPicPr>
-            <a:picLocks noChangeAspect="1"/>
-          </p:cNvPicPr>
-          <p:nvPr/>
-        </p:nvPicPr>
-        <p:blipFill>
-          <a:blip r:embed="rId2"/>
-          <a:stretch>
-            <a:fillRect/>
-          </a:stretch>
-        </p:blipFill>
-        <p:spPr>
-          <a:xfrm>
-            <a:off x="1865311" y="1897481"/>
-            <a:ext cx="8429625" cy="4257675"/>
-          </a:xfrm>
-          <a:prstGeom prst="rect">
-            <a:avLst/>
-          </a:prstGeom>
-        </p:spPr>
-      </p:pic>
-    </p:spTree>
-    <p:extLst>
-      <p:ext uri="{BB962C8B-B14F-4D97-AF65-F5344CB8AC3E}">
-        <p14:creationId xmlns:p14="http://schemas.microsoft.com/office/powerpoint/2010/main" val="3890402221"/>
-      </p:ext>
-    </p:extLst>
-  </p:cSld>
-  <p:clrMapOvr>
-    <a:masterClrMapping/>
-  </p:clrMapOvr>
-</p:sld>
-</file>
-
-<file path=ppt/slides/slide16.xml><?xml version="1.0" encoding="utf-8"?>
-<p:sld xmlns:a="http://schemas.openxmlformats.org/drawingml/2006/main" xmlns:r="http://schemas.openxmlformats.org/officeDocument/2006/relationships" xmlns:p="http://schemas.openxmlformats.org/presentationml/2006/main">
-  <p:cSld>
-    <p:spTree>
-      <p:nvGrpSpPr>
-        <p:cNvPr id="1" name=""/>
-        <p:cNvGrpSpPr/>
-        <p:nvPr/>
-      </p:nvGrpSpPr>
-      <p:grpSpPr>
-        <a:xfrm>
-          <a:off x="0" y="0"/>
-          <a:ext cx="0" cy="0"/>
-          <a:chOff x="0" y="0"/>
-          <a:chExt cx="0" cy="0"/>
-        </a:xfrm>
-      </p:grpSpPr>
-      <p:sp>
-        <p:nvSpPr>
-          <p:cNvPr id="5" name="제목 4"/>
-          <p:cNvSpPr>
-            <a:spLocks noGrp="1"/>
-          </p:cNvSpPr>
-          <p:nvPr>
-            <p:ph type="title"/>
-          </p:nvPr>
-        </p:nvSpPr>
-        <p:spPr>
-          <a:xfrm>
-            <a:off x="608012" y="539949"/>
-            <a:ext cx="10944225" cy="1140090"/>
-          </a:xfrm>
-        </p:spPr>
-        <p:txBody>
-          <a:bodyPr>
-            <a:normAutofit/>
-          </a:bodyPr>
-          <a:lstStyle/>
-          <a:p>
-            <a:pPr algn="l"/>
-            <a:r>
-              <a:rPr lang="en-US" altLang="ko-KR" sz="4400" dirty="0">
-                <a:solidFill>
-                  <a:schemeClr val="tx1">
-                    <a:lumMod val="75000"/>
-                    <a:lumOff val="25000"/>
-                  </a:schemeClr>
-                </a:solidFill>
-                <a:latin typeface="Noto Sans CJK KR Black" pitchFamily="34" charset="-127"/>
-                <a:ea typeface="Noto Sans CJK KR Black" pitchFamily="34" charset="-127"/>
-              </a:rPr>
-              <a:t>4. </a:t>
-            </a:r>
-            <a:r>
-              <a:rPr lang="ko-KR" altLang="en-US" sz="4400" dirty="0">
-                <a:solidFill>
-                  <a:schemeClr val="tx1">
-                    <a:lumMod val="75000"/>
-                    <a:lumOff val="25000"/>
-                  </a:schemeClr>
-                </a:solidFill>
-                <a:latin typeface="Noto Sans CJK KR Black" pitchFamily="34" charset="-127"/>
-                <a:ea typeface="Noto Sans CJK KR Black" pitchFamily="34" charset="-127"/>
-              </a:rPr>
-              <a:t>시계열 분석</a:t>
-            </a:r>
-            <a:endParaRPr lang="ko-KR" altLang="en-US" sz="4400" dirty="0">
-              <a:solidFill>
-                <a:schemeClr val="tx1">
-                  <a:lumMod val="75000"/>
-                  <a:lumOff val="25000"/>
-                </a:schemeClr>
-              </a:solidFill>
-            </a:endParaRPr>
-          </a:p>
-        </p:txBody>
-      </p:sp>
-      <p:sp>
-        <p:nvSpPr>
-          <p:cNvPr id="3" name="슬라이드 번호 개체 틀 2"/>
-          <p:cNvSpPr>
-            <a:spLocks noGrp="1"/>
-          </p:cNvSpPr>
-          <p:nvPr>
-            <p:ph type="sldNum" sz="quarter" idx="12"/>
-          </p:nvPr>
-        </p:nvSpPr>
-        <p:spPr/>
-        <p:txBody>
-          <a:bodyPr/>
-          <a:lstStyle/>
-          <a:p>
-            <a:fld id="{6DDAE2C3-1A0B-474A-8CE8-AE55B8D9D4B1}" type="slidenum">
-              <a:rPr lang="ko-KR" altLang="en-US" smtClean="0"/>
-              <a:pPr/>
-              <a:t>16</a:t>
-            </a:fld>
-            <a:endParaRPr lang="ko-KR" altLang="en-US" dirty="0"/>
-          </a:p>
-        </p:txBody>
-      </p:sp>
-      <p:pic>
-        <p:nvPicPr>
-          <p:cNvPr id="2" name="그림 1">
-            <a:extLst>
-              <a:ext uri="{FF2B5EF4-FFF2-40B4-BE49-F238E27FC236}">
-                <a16:creationId xmlns:a16="http://schemas.microsoft.com/office/drawing/2014/main" id="{EC92A371-C463-4329-94ED-988E6B358375}"/>
-              </a:ext>
-            </a:extLst>
-          </p:cNvPr>
-          <p:cNvPicPr>
-            <a:picLocks noChangeAspect="1"/>
-          </p:cNvPicPr>
-          <p:nvPr/>
-        </p:nvPicPr>
-        <p:blipFill>
-          <a:blip r:embed="rId2"/>
-          <a:stretch>
-            <a:fillRect/>
-          </a:stretch>
-        </p:blipFill>
-        <p:spPr>
-          <a:xfrm>
-            <a:off x="1408111" y="1714328"/>
-            <a:ext cx="9344025" cy="4448175"/>
-          </a:xfrm>
-          <a:prstGeom prst="rect">
-            <a:avLst/>
-          </a:prstGeom>
-        </p:spPr>
-      </p:pic>
-    </p:spTree>
-    <p:extLst>
-      <p:ext uri="{BB962C8B-B14F-4D97-AF65-F5344CB8AC3E}">
-        <p14:creationId xmlns:p14="http://schemas.microsoft.com/office/powerpoint/2010/main" val="938931874"/>
-      </p:ext>
-    </p:extLst>
-  </p:cSld>
-  <p:clrMapOvr>
-    <a:masterClrMapping/>
-  </p:clrMapOvr>
-</p:sld>
-</file>
-
-<file path=ppt/slides/slide17.xml><?xml version="1.0" encoding="utf-8"?>
-<p:sld xmlns:a="http://schemas.openxmlformats.org/drawingml/2006/main" xmlns:r="http://schemas.openxmlformats.org/officeDocument/2006/relationships" xmlns:p="http://schemas.openxmlformats.org/presentationml/2006/main">
-  <p:cSld>
-    <p:spTree>
-      <p:nvGrpSpPr>
-        <p:cNvPr id="1" name=""/>
-        <p:cNvGrpSpPr/>
-        <p:nvPr/>
-      </p:nvGrpSpPr>
-      <p:grpSpPr>
-        <a:xfrm>
-          <a:off x="0" y="0"/>
-          <a:ext cx="0" cy="0"/>
-          <a:chOff x="0" y="0"/>
-          <a:chExt cx="0" cy="0"/>
-        </a:xfrm>
-      </p:grpSpPr>
-      <p:sp>
-        <p:nvSpPr>
-          <p:cNvPr id="5" name="제목 4"/>
-          <p:cNvSpPr>
-            <a:spLocks noGrp="1"/>
-          </p:cNvSpPr>
-          <p:nvPr>
-            <p:ph type="title"/>
-          </p:nvPr>
-        </p:nvSpPr>
-        <p:spPr>
-          <a:xfrm>
-            <a:off x="608012" y="539949"/>
-            <a:ext cx="10944225" cy="1140090"/>
-          </a:xfrm>
-        </p:spPr>
-        <p:txBody>
-          <a:bodyPr>
-            <a:normAutofit/>
-          </a:bodyPr>
-          <a:lstStyle/>
-          <a:p>
-            <a:pPr algn="l"/>
-            <a:r>
-              <a:rPr lang="en-US" altLang="ko-KR" sz="4400" dirty="0">
-                <a:solidFill>
-                  <a:schemeClr val="tx1">
-                    <a:lumMod val="75000"/>
-                    <a:lumOff val="25000"/>
-                  </a:schemeClr>
-                </a:solidFill>
-                <a:latin typeface="Noto Sans CJK KR Black" pitchFamily="34" charset="-127"/>
-                <a:ea typeface="Noto Sans CJK KR Black" pitchFamily="34" charset="-127"/>
-              </a:rPr>
-              <a:t>4. </a:t>
-            </a:r>
-            <a:r>
-              <a:rPr lang="ko-KR" altLang="en-US" sz="4400" dirty="0">
-                <a:solidFill>
-                  <a:schemeClr val="tx1">
-                    <a:lumMod val="75000"/>
-                    <a:lumOff val="25000"/>
-                  </a:schemeClr>
-                </a:solidFill>
-                <a:latin typeface="Noto Sans CJK KR Black" pitchFamily="34" charset="-127"/>
-                <a:ea typeface="Noto Sans CJK KR Black" pitchFamily="34" charset="-127"/>
-              </a:rPr>
-              <a:t>시계열 분석</a:t>
-            </a:r>
-            <a:endParaRPr lang="ko-KR" altLang="en-US" sz="4400" dirty="0">
-              <a:solidFill>
-                <a:schemeClr val="tx1">
-                  <a:lumMod val="75000"/>
-                  <a:lumOff val="25000"/>
-                </a:schemeClr>
-              </a:solidFill>
-            </a:endParaRPr>
-          </a:p>
-        </p:txBody>
-      </p:sp>
-      <p:sp>
-        <p:nvSpPr>
-          <p:cNvPr id="3" name="슬라이드 번호 개체 틀 2"/>
-          <p:cNvSpPr>
-            <a:spLocks noGrp="1"/>
-          </p:cNvSpPr>
-          <p:nvPr>
-            <p:ph type="sldNum" sz="quarter" idx="12"/>
-          </p:nvPr>
-        </p:nvSpPr>
-        <p:spPr/>
-        <p:txBody>
-          <a:bodyPr/>
-          <a:lstStyle/>
-          <a:p>
-            <a:fld id="{6DDAE2C3-1A0B-474A-8CE8-AE55B8D9D4B1}" type="slidenum">
-              <a:rPr lang="ko-KR" altLang="en-US" smtClean="0"/>
-              <a:pPr/>
-              <a:t>17</a:t>
-            </a:fld>
-            <a:endParaRPr lang="ko-KR" altLang="en-US" dirty="0"/>
-          </a:p>
-        </p:txBody>
-      </p:sp>
-      <p:pic>
-        <p:nvPicPr>
-          <p:cNvPr id="2" name="그림 1">
-            <a:extLst>
-              <a:ext uri="{FF2B5EF4-FFF2-40B4-BE49-F238E27FC236}">
-                <a16:creationId xmlns:a16="http://schemas.microsoft.com/office/drawing/2014/main" id="{1C17B174-F616-4DA9-AEEA-E61FB16F6182}"/>
-              </a:ext>
-            </a:extLst>
-          </p:cNvPr>
-          <p:cNvPicPr>
-            <a:picLocks noChangeAspect="1"/>
-          </p:cNvPicPr>
-          <p:nvPr/>
-        </p:nvPicPr>
-        <p:blipFill>
-          <a:blip r:embed="rId2"/>
-          <a:stretch>
-            <a:fillRect/>
-          </a:stretch>
-        </p:blipFill>
-        <p:spPr>
-          <a:xfrm>
-            <a:off x="855661" y="2124125"/>
-            <a:ext cx="10448925" cy="3248025"/>
-          </a:xfrm>
-          <a:prstGeom prst="rect">
-            <a:avLst/>
-          </a:prstGeom>
-        </p:spPr>
-      </p:pic>
-    </p:spTree>
-    <p:extLst>
-      <p:ext uri="{BB962C8B-B14F-4D97-AF65-F5344CB8AC3E}">
-        <p14:creationId xmlns:p14="http://schemas.microsoft.com/office/powerpoint/2010/main" val="904088630"/>
-      </p:ext>
-    </p:extLst>
-  </p:cSld>
-  <p:clrMapOvr>
-    <a:masterClrMapping/>
-  </p:clrMapOvr>
-</p:sld>
-</file>
-
-<file path=ppt/slides/slide18.xml><?xml version="1.0" encoding="utf-8"?>
-<p:sld xmlns:a="http://schemas.openxmlformats.org/drawingml/2006/main" xmlns:r="http://schemas.openxmlformats.org/officeDocument/2006/relationships" xmlns:p="http://schemas.openxmlformats.org/presentationml/2006/main">
-  <p:cSld>
-    <p:spTree>
-      <p:nvGrpSpPr>
-        <p:cNvPr id="1" name=""/>
-        <p:cNvGrpSpPr/>
-        <p:nvPr/>
-      </p:nvGrpSpPr>
-      <p:grpSpPr>
-        <a:xfrm>
-          <a:off x="0" y="0"/>
-          <a:ext cx="0" cy="0"/>
-          <a:chOff x="0" y="0"/>
-          <a:chExt cx="0" cy="0"/>
-        </a:xfrm>
-      </p:grpSpPr>
-      <p:sp>
-        <p:nvSpPr>
-          <p:cNvPr id="5" name="제목 4"/>
-          <p:cNvSpPr>
-            <a:spLocks noGrp="1"/>
-          </p:cNvSpPr>
-          <p:nvPr>
-            <p:ph type="title"/>
-          </p:nvPr>
-        </p:nvSpPr>
-        <p:spPr>
-          <a:xfrm>
-            <a:off x="608012" y="539949"/>
-            <a:ext cx="10944225" cy="1140090"/>
-          </a:xfrm>
-        </p:spPr>
-        <p:txBody>
-          <a:bodyPr>
-            <a:normAutofit/>
-          </a:bodyPr>
-          <a:lstStyle/>
-          <a:p>
-            <a:pPr algn="l"/>
-            <a:r>
-              <a:rPr lang="en-US" altLang="ko-KR" sz="4400" dirty="0">
-                <a:solidFill>
-                  <a:schemeClr val="tx1">
-                    <a:lumMod val="75000"/>
-                    <a:lumOff val="25000"/>
-                  </a:schemeClr>
-                </a:solidFill>
-                <a:latin typeface="Noto Sans CJK KR Black" pitchFamily="34" charset="-127"/>
-                <a:ea typeface="Noto Sans CJK KR Black" pitchFamily="34" charset="-127"/>
-              </a:rPr>
-              <a:t>4. </a:t>
-            </a:r>
-            <a:r>
-              <a:rPr lang="ko-KR" altLang="en-US" sz="4400" dirty="0">
-                <a:solidFill>
-                  <a:schemeClr val="tx1">
-                    <a:lumMod val="75000"/>
-                    <a:lumOff val="25000"/>
-                  </a:schemeClr>
-                </a:solidFill>
-                <a:latin typeface="Noto Sans CJK KR Black" pitchFamily="34" charset="-127"/>
-                <a:ea typeface="Noto Sans CJK KR Black" pitchFamily="34" charset="-127"/>
-              </a:rPr>
-              <a:t>시계열 분석</a:t>
-            </a:r>
-            <a:endParaRPr lang="ko-KR" altLang="en-US" sz="4400" dirty="0">
-              <a:solidFill>
-                <a:schemeClr val="tx1">
-                  <a:lumMod val="75000"/>
-                  <a:lumOff val="25000"/>
-                </a:schemeClr>
-              </a:solidFill>
-            </a:endParaRPr>
-          </a:p>
-        </p:txBody>
-      </p:sp>
-      <p:sp>
-        <p:nvSpPr>
-          <p:cNvPr id="3" name="슬라이드 번호 개체 틀 2"/>
-          <p:cNvSpPr>
-            <a:spLocks noGrp="1"/>
-          </p:cNvSpPr>
-          <p:nvPr>
-            <p:ph type="sldNum" sz="quarter" idx="12"/>
-          </p:nvPr>
-        </p:nvSpPr>
-        <p:spPr/>
-        <p:txBody>
-          <a:bodyPr/>
-          <a:lstStyle/>
-          <a:p>
-            <a:fld id="{6DDAE2C3-1A0B-474A-8CE8-AE55B8D9D4B1}" type="slidenum">
-              <a:rPr lang="ko-KR" altLang="en-US" smtClean="0"/>
-              <a:pPr/>
-              <a:t>18</a:t>
-            </a:fld>
-            <a:endParaRPr lang="ko-KR" altLang="en-US" dirty="0"/>
-          </a:p>
-        </p:txBody>
-      </p:sp>
-      <p:pic>
-        <p:nvPicPr>
-          <p:cNvPr id="2" name="그림 1">
-            <a:extLst>
-              <a:ext uri="{FF2B5EF4-FFF2-40B4-BE49-F238E27FC236}">
-                <a16:creationId xmlns:a16="http://schemas.microsoft.com/office/drawing/2014/main" id="{04B73BA0-9F90-404F-B23B-46879C1EF744}"/>
-              </a:ext>
-            </a:extLst>
-          </p:cNvPr>
-          <p:cNvPicPr>
-            <a:picLocks noChangeAspect="1"/>
-          </p:cNvPicPr>
-          <p:nvPr/>
-        </p:nvPicPr>
-        <p:blipFill>
-          <a:blip r:embed="rId2"/>
-          <a:stretch>
-            <a:fillRect/>
-          </a:stretch>
-        </p:blipFill>
-        <p:spPr>
-          <a:xfrm>
-            <a:off x="2189161" y="2102268"/>
-            <a:ext cx="7781925" cy="3848100"/>
-          </a:xfrm>
-          <a:prstGeom prst="rect">
-            <a:avLst/>
-          </a:prstGeom>
-        </p:spPr>
-      </p:pic>
-    </p:spTree>
-    <p:extLst>
-      <p:ext uri="{BB962C8B-B14F-4D97-AF65-F5344CB8AC3E}">
-        <p14:creationId xmlns:p14="http://schemas.microsoft.com/office/powerpoint/2010/main" val="1352971187"/>
-      </p:ext>
-    </p:extLst>
-  </p:cSld>
-  <p:clrMapOvr>
-    <a:masterClrMapping/>
-  </p:clrMapOvr>
-</p:sld>
-</file>
-
-<file path=ppt/slides/slide19.xml><?xml version="1.0" encoding="utf-8"?>
-<p:sld xmlns:a="http://schemas.openxmlformats.org/drawingml/2006/main" xmlns:r="http://schemas.openxmlformats.org/officeDocument/2006/relationships" xmlns:p="http://schemas.openxmlformats.org/presentationml/2006/main">
-  <p:cSld>
-    <p:spTree>
-      <p:nvGrpSpPr>
-        <p:cNvPr id="1" name=""/>
-        <p:cNvGrpSpPr/>
-        <p:nvPr/>
-      </p:nvGrpSpPr>
-      <p:grpSpPr>
-        <a:xfrm>
-          <a:off x="0" y="0"/>
-          <a:ext cx="0" cy="0"/>
-          <a:chOff x="0" y="0"/>
-          <a:chExt cx="0" cy="0"/>
-        </a:xfrm>
-      </p:grpSpPr>
-      <p:sp>
-        <p:nvSpPr>
-          <p:cNvPr id="5" name="제목 4"/>
-          <p:cNvSpPr>
-            <a:spLocks noGrp="1"/>
-          </p:cNvSpPr>
-          <p:nvPr>
-            <p:ph type="title"/>
-          </p:nvPr>
-        </p:nvSpPr>
-        <p:spPr>
-          <a:xfrm>
-            <a:off x="608012" y="539949"/>
-            <a:ext cx="10944225" cy="1140090"/>
-          </a:xfrm>
-        </p:spPr>
-        <p:txBody>
-          <a:bodyPr>
-            <a:normAutofit fontScale="90000"/>
-          </a:bodyPr>
-          <a:lstStyle/>
-          <a:p>
-            <a:pPr algn="l"/>
-            <a:r>
-              <a:rPr lang="en-US" altLang="ko-KR" sz="4400" dirty="0">
-                <a:solidFill>
-                  <a:schemeClr val="tx1">
-                    <a:lumMod val="75000"/>
-                    <a:lumOff val="25000"/>
-                  </a:schemeClr>
-                </a:solidFill>
-                <a:latin typeface="Noto Sans CJK KR Black" pitchFamily="34" charset="-127"/>
-                <a:ea typeface="Noto Sans CJK KR Black" pitchFamily="34" charset="-127"/>
-              </a:rPr>
-              <a:t>4. </a:t>
-            </a:r>
-            <a:r>
-              <a:rPr lang="ko-KR" altLang="en-US" sz="4400" dirty="0">
-                <a:solidFill>
-                  <a:schemeClr val="tx1">
-                    <a:lumMod val="75000"/>
-                    <a:lumOff val="25000"/>
-                  </a:schemeClr>
-                </a:solidFill>
-                <a:latin typeface="Noto Sans CJK KR Black" pitchFamily="34" charset="-127"/>
-                <a:ea typeface="Noto Sans CJK KR Black" pitchFamily="34" charset="-127"/>
-              </a:rPr>
-              <a:t>시계열 </a:t>
-            </a:r>
-            <a:br>
-              <a:rPr lang="en-US" altLang="ko-KR" sz="4400" dirty="0">
-                <a:solidFill>
-                  <a:schemeClr val="tx1">
-                    <a:lumMod val="75000"/>
-                    <a:lumOff val="25000"/>
-                  </a:schemeClr>
-                </a:solidFill>
-                <a:latin typeface="Noto Sans CJK KR Black" pitchFamily="34" charset="-127"/>
-                <a:ea typeface="Noto Sans CJK KR Black" pitchFamily="34" charset="-127"/>
-              </a:rPr>
-            </a:br>
-            <a:r>
-              <a:rPr lang="ko-KR" altLang="en-US" sz="4400" dirty="0">
-                <a:solidFill>
-                  <a:schemeClr val="tx1">
-                    <a:lumMod val="75000"/>
-                    <a:lumOff val="25000"/>
-                  </a:schemeClr>
-                </a:solidFill>
-                <a:latin typeface="Noto Sans CJK KR Black" pitchFamily="34" charset="-127"/>
-                <a:ea typeface="Noto Sans CJK KR Black" pitchFamily="34" charset="-127"/>
-              </a:rPr>
-              <a:t>분석</a:t>
-            </a:r>
-            <a:endParaRPr lang="ko-KR" altLang="en-US" sz="4400" dirty="0">
-              <a:solidFill>
-                <a:schemeClr val="tx1">
-                  <a:lumMod val="75000"/>
-                  <a:lumOff val="25000"/>
-                </a:schemeClr>
-              </a:solidFill>
-            </a:endParaRPr>
-          </a:p>
-        </p:txBody>
-      </p:sp>
-      <p:sp>
-        <p:nvSpPr>
-          <p:cNvPr id="3" name="슬라이드 번호 개체 틀 2"/>
-          <p:cNvSpPr>
-            <a:spLocks noGrp="1"/>
-          </p:cNvSpPr>
-          <p:nvPr>
-            <p:ph type="sldNum" sz="quarter" idx="12"/>
-          </p:nvPr>
-        </p:nvSpPr>
-        <p:spPr/>
-        <p:txBody>
-          <a:bodyPr/>
-          <a:lstStyle/>
-          <a:p>
-            <a:fld id="{6DDAE2C3-1A0B-474A-8CE8-AE55B8D9D4B1}" type="slidenum">
-              <a:rPr lang="ko-KR" altLang="en-US" smtClean="0"/>
-              <a:pPr/>
-              <a:t>19</a:t>
-            </a:fld>
-            <a:endParaRPr lang="ko-KR" altLang="en-US" dirty="0"/>
-          </a:p>
-        </p:txBody>
-      </p:sp>
-      <p:pic>
-        <p:nvPicPr>
-          <p:cNvPr id="2" name="그림 1">
-            <a:extLst>
-              <a:ext uri="{FF2B5EF4-FFF2-40B4-BE49-F238E27FC236}">
-                <a16:creationId xmlns:a16="http://schemas.microsoft.com/office/drawing/2014/main" id="{99148C75-91DD-4204-B799-C6B3B44C0440}"/>
-              </a:ext>
-            </a:extLst>
-          </p:cNvPr>
-          <p:cNvPicPr>
-            <a:picLocks noChangeAspect="1"/>
-          </p:cNvPicPr>
-          <p:nvPr/>
-        </p:nvPicPr>
-        <p:blipFill>
-          <a:blip r:embed="rId2"/>
-          <a:stretch>
-            <a:fillRect/>
-          </a:stretch>
-        </p:blipFill>
-        <p:spPr>
-          <a:xfrm>
-            <a:off x="3467015" y="0"/>
-            <a:ext cx="8668374" cy="6840538"/>
-          </a:xfrm>
-          <a:prstGeom prst="rect">
-            <a:avLst/>
-          </a:prstGeom>
-        </p:spPr>
-      </p:pic>
-    </p:spTree>
-    <p:extLst>
-      <p:ext uri="{BB962C8B-B14F-4D97-AF65-F5344CB8AC3E}">
-        <p14:creationId xmlns:p14="http://schemas.microsoft.com/office/powerpoint/2010/main" val="3860360619"/>
-      </p:ext>
-    </p:extLst>
-  </p:cSld>
-  <p:clrMapOvr>
-    <a:masterClrMapping/>
-  </p:clrMapOvr>
-</p:sld>
-</file>
-
-<file path=ppt/slides/slide2.xml><?xml version="1.0" encoding="utf-8"?>
-<p:sld xmlns:a="http://schemas.openxmlformats.org/drawingml/2006/main" xmlns:r="http://schemas.openxmlformats.org/officeDocument/2006/relationships" xmlns:p="http://schemas.openxmlformats.org/presentationml/2006/main">
-  <p:cSld>
-    <p:bg>
-      <p:bgPr>
-        <a:solidFill>
-          <a:schemeClr val="bg1">
-            <a:lumMod val="65000"/>
-          </a:schemeClr>
-        </a:solidFill>
-        <a:effectLst/>
-      </p:bgPr>
-    </p:bg>
-    <p:spTree>
-      <p:nvGrpSpPr>
-        <p:cNvPr id="1" name=""/>
-        <p:cNvGrpSpPr/>
-        <p:nvPr/>
-      </p:nvGrpSpPr>
-      <p:grpSpPr>
-        <a:xfrm>
-          <a:off x="0" y="0"/>
-          <a:ext cx="0" cy="0"/>
-          <a:chOff x="0" y="0"/>
-          <a:chExt cx="0" cy="0"/>
-        </a:xfrm>
-      </p:grpSpPr>
-      <p:sp>
-        <p:nvSpPr>
-          <p:cNvPr id="4" name="슬라이드 번호 개체 틀 3"/>
-          <p:cNvSpPr>
-            <a:spLocks noGrp="1"/>
-          </p:cNvSpPr>
-          <p:nvPr>
-            <p:ph type="sldNum" sz="quarter" idx="12"/>
-          </p:nvPr>
-        </p:nvSpPr>
-        <p:spPr/>
-        <p:txBody>
-          <a:bodyPr/>
-          <a:lstStyle/>
-          <a:p>
-            <a:pPr marL="0" marR="0" lvl="0" indent="0" algn="r" defTabSz="1107796" rtl="0" eaLnBrk="1" fontAlgn="auto" latinLnBrk="1" hangingPunct="1">
-              <a:lnSpc>
-                <a:spcPct val="100000"/>
-              </a:lnSpc>
-              <a:spcBef>
-                <a:spcPts val="0"/>
-              </a:spcBef>
-              <a:spcAft>
-                <a:spcPts val="0"/>
-              </a:spcAft>
-              <a:buClrTx/>
-              <a:buSzTx/>
-              <a:buFontTx/>
-              <a:buNone/>
-              <a:tabLst/>
-              <a:defRPr/>
-            </a:pPr>
-            <a:fld id="{6DDAE2C3-1A0B-474A-8CE8-AE55B8D9D4B1}" type="slidenum">
-              <a:rPr kumimoji="0" lang="ko-KR" altLang="en-US" sz="900" b="0" i="0" u="none" strike="noStrike" kern="1200" cap="none" spc="0" normalizeH="0" baseline="0" noProof="0" smtClean="0">
-                <a:ln>
-                  <a:noFill/>
-                </a:ln>
-                <a:solidFill>
-                  <a:prstClr val="black">
-                    <a:tint val="75000"/>
-                  </a:prstClr>
-                </a:solidFill>
-                <a:effectLst/>
-                <a:uLnTx/>
-                <a:uFillTx/>
-                <a:ea typeface="Noto Sans CJK KR Bold" panose="020B0800000000000000" pitchFamily="34" charset="-127"/>
-                <a:cs typeface="+mn-cs"/>
-              </a:rPr>
-              <a:pPr marL="0" marR="0" lvl="0" indent="0" algn="r" defTabSz="1107796" rtl="0" eaLnBrk="1" fontAlgn="auto" latinLnBrk="1" hangingPunct="1">
-                <a:lnSpc>
-                  <a:spcPct val="100000"/>
-                </a:lnSpc>
-                <a:spcBef>
-                  <a:spcPts val="0"/>
-                </a:spcBef>
-                <a:spcAft>
-                  <a:spcPts val="0"/>
-                </a:spcAft>
-                <a:buClrTx/>
-                <a:buSzTx/>
-                <a:buFontTx/>
-                <a:buNone/>
-                <a:tabLst/>
-                <a:defRPr/>
-              </a:pPr>
-              <a:t>2</a:t>
-            </a:fld>
-            <a:endParaRPr kumimoji="0" lang="ko-KR" altLang="en-US" sz="900" b="0" i="0" u="none" strike="noStrike" kern="1200" cap="none" spc="0" normalizeH="0" baseline="0" noProof="0" dirty="0">
-              <a:ln>
-                <a:noFill/>
-              </a:ln>
-              <a:solidFill>
-                <a:prstClr val="black">
-                  <a:tint val="75000"/>
-                </a:prstClr>
-              </a:solidFill>
-              <a:effectLst/>
-              <a:uLnTx/>
-              <a:uFillTx/>
-              <a:ea typeface="Noto Sans CJK KR Bold" panose="020B0800000000000000" pitchFamily="34" charset="-127"/>
-              <a:cs typeface="+mn-cs"/>
-            </a:endParaRPr>
-          </a:p>
-        </p:txBody>
-      </p:sp>
-      <p:sp>
-        <p:nvSpPr>
-          <p:cNvPr id="11" name="TextBox 10"/>
-          <p:cNvSpPr txBox="1"/>
-          <p:nvPr/>
-        </p:nvSpPr>
-        <p:spPr>
-          <a:xfrm>
-            <a:off x="542135" y="855851"/>
-            <a:ext cx="11298630" cy="2708434"/>
-          </a:xfrm>
-          <a:prstGeom prst="rect">
-            <a:avLst/>
-          </a:prstGeom>
-          <a:noFill/>
-        </p:spPr>
-        <p:txBody>
-          <a:bodyPr wrap="square" lIns="0" tIns="0" rIns="0" bIns="0" rtlCol="0" anchor="t">
-            <a:spAutoFit/>
-          </a:bodyPr>
-          <a:lstStyle/>
-          <a:p>
-            <a:pPr marL="0" marR="0" lvl="0" indent="0" algn="l" defTabSz="1107796" rtl="0" eaLnBrk="1" fontAlgn="auto" latinLnBrk="1" hangingPunct="1">
-              <a:lnSpc>
-                <a:spcPct val="100000"/>
-              </a:lnSpc>
-              <a:spcBef>
-                <a:spcPts val="0"/>
-              </a:spcBef>
-              <a:spcAft>
-                <a:spcPts val="0"/>
-              </a:spcAft>
-              <a:buClrTx/>
-              <a:buSzTx/>
-              <a:buFontTx/>
-              <a:buNone/>
-              <a:tabLst/>
-              <a:defRPr/>
-            </a:pPr>
-            <a:r>
-              <a:rPr kumimoji="0" lang="en-US" altLang="ko-KR" sz="4400" b="0" i="0" u="none" strike="noStrike" kern="1200" cap="none" spc="0" normalizeH="0" baseline="0" noProof="0" dirty="0">
-                <a:ln>
-                  <a:noFill/>
-                </a:ln>
-                <a:solidFill>
-                  <a:prstClr val="white"/>
-                </a:solidFill>
-                <a:effectLst/>
-                <a:uLnTx/>
-                <a:uFillTx/>
-                <a:latin typeface="Noto Sans CJK KR Black" panose="020B0A00000000000000" pitchFamily="34" charset="-127"/>
-                <a:ea typeface="Noto Sans CJK KR Black" panose="020B0A00000000000000" pitchFamily="34" charset="-127"/>
-                <a:cs typeface="+mn-cs"/>
-              </a:rPr>
-              <a:t>3</a:t>
-            </a:r>
-            <a:r>
-              <a:rPr kumimoji="0" lang="ko-KR" altLang="en-US" sz="4400" b="0" i="0" u="none" strike="noStrike" kern="1200" cap="none" spc="0" normalizeH="0" baseline="0" noProof="0" dirty="0">
-                <a:ln>
-                  <a:noFill/>
-                </a:ln>
-                <a:solidFill>
-                  <a:prstClr val="white"/>
-                </a:solidFill>
-                <a:effectLst/>
-                <a:uLnTx/>
-                <a:uFillTx/>
-                <a:latin typeface="Noto Sans CJK KR Black" panose="020B0A00000000000000" pitchFamily="34" charset="-127"/>
-                <a:ea typeface="Noto Sans CJK KR Black" panose="020B0A00000000000000" pitchFamily="34" charset="-127"/>
-                <a:cs typeface="+mn-cs"/>
-              </a:rPr>
-              <a:t>주차 </a:t>
-            </a:r>
-            <a:endParaRPr kumimoji="0" lang="en-US" altLang="ko-KR" sz="4400" b="0" i="0" u="none" strike="noStrike" kern="1200" cap="none" spc="0" normalizeH="0" baseline="0" noProof="0" dirty="0">
-              <a:ln>
-                <a:noFill/>
-              </a:ln>
-              <a:solidFill>
-                <a:prstClr val="white"/>
-              </a:solidFill>
-              <a:effectLst/>
-              <a:uLnTx/>
-              <a:uFillTx/>
-              <a:latin typeface="Noto Sans CJK KR Black" panose="020B0A00000000000000" pitchFamily="34" charset="-127"/>
-              <a:ea typeface="Noto Sans CJK KR Black" panose="020B0A00000000000000" pitchFamily="34" charset="-127"/>
-              <a:cs typeface="+mn-cs"/>
-            </a:endParaRPr>
-          </a:p>
-          <a:p>
-            <a:pPr marL="0" marR="0" lvl="0" indent="0" algn="l" defTabSz="1107796" rtl="0" eaLnBrk="1" fontAlgn="auto" latinLnBrk="1" hangingPunct="1">
-              <a:lnSpc>
-                <a:spcPct val="100000"/>
-              </a:lnSpc>
-              <a:spcBef>
-                <a:spcPts val="0"/>
-              </a:spcBef>
-              <a:spcAft>
-                <a:spcPts val="0"/>
-              </a:spcAft>
-              <a:buClrTx/>
-              <a:buSzTx/>
-              <a:buFontTx/>
-              <a:buNone/>
-              <a:tabLst/>
-              <a:defRPr/>
-            </a:pPr>
-            <a:r>
-              <a:rPr kumimoji="0" lang="ko-KR" altLang="en-US" sz="4400" b="0" i="0" u="none" strike="noStrike" kern="1200" cap="none" spc="0" normalizeH="0" baseline="0" noProof="0" dirty="0">
-                <a:ln>
-                  <a:noFill/>
-                </a:ln>
-                <a:solidFill>
-                  <a:prstClr val="white"/>
-                </a:solidFill>
-                <a:effectLst/>
-                <a:uLnTx/>
-                <a:uFillTx/>
-                <a:latin typeface="Noto Sans CJK KR Black" panose="020B0A00000000000000" pitchFamily="34" charset="-127"/>
-                <a:ea typeface="Noto Sans CJK KR Black" panose="020B0A00000000000000" pitchFamily="34" charset="-127"/>
-                <a:cs typeface="+mn-cs"/>
-              </a:rPr>
-              <a:t>강의의 목적</a:t>
-            </a:r>
-            <a:endParaRPr kumimoji="0" lang="en-US" altLang="ko-KR" sz="4400" b="0" i="0" u="none" strike="noStrike" kern="1200" cap="none" spc="0" normalizeH="0" baseline="0" noProof="0" dirty="0">
-              <a:ln>
-                <a:noFill/>
-              </a:ln>
-              <a:solidFill>
-                <a:prstClr val="white"/>
-              </a:solidFill>
-              <a:effectLst/>
-              <a:uLnTx/>
-              <a:uFillTx/>
-              <a:latin typeface="Noto Sans CJK KR Black" panose="020B0A00000000000000" pitchFamily="34" charset="-127"/>
-              <a:ea typeface="Noto Sans CJK KR Black" panose="020B0A00000000000000" pitchFamily="34" charset="-127"/>
-              <a:cs typeface="+mn-cs"/>
-            </a:endParaRPr>
-          </a:p>
-          <a:p>
-            <a:pPr marL="0" marR="0" lvl="0" indent="0" algn="l" defTabSz="1107796" rtl="0" eaLnBrk="1" fontAlgn="auto" latinLnBrk="1" hangingPunct="1">
-              <a:lnSpc>
-                <a:spcPct val="100000"/>
-              </a:lnSpc>
-              <a:spcBef>
-                <a:spcPts val="0"/>
-              </a:spcBef>
-              <a:spcAft>
-                <a:spcPts val="0"/>
-              </a:spcAft>
-              <a:buClrTx/>
-              <a:buSzTx/>
-              <a:buFontTx/>
-              <a:buNone/>
-              <a:tabLst/>
-              <a:defRPr/>
-            </a:pPr>
-            <a:endParaRPr kumimoji="0" lang="en-US" altLang="ko-KR" sz="4400" b="0" i="0" u="none" strike="noStrike" kern="1200" cap="none" spc="0" normalizeH="0" baseline="0" noProof="0" dirty="0">
-              <a:ln>
-                <a:noFill/>
-              </a:ln>
-              <a:solidFill>
-                <a:prstClr val="white"/>
-              </a:solidFill>
-              <a:effectLst/>
-              <a:uLnTx/>
-              <a:uFillTx/>
-              <a:latin typeface="Noto Sans CJK KR Black" panose="020B0A00000000000000" pitchFamily="34" charset="-127"/>
-              <a:ea typeface="Noto Sans CJK KR Black" panose="020B0A00000000000000" pitchFamily="34" charset="-127"/>
-              <a:cs typeface="+mn-cs"/>
-            </a:endParaRPr>
-          </a:p>
-          <a:p>
-            <a:pPr marL="0" marR="0" lvl="0" indent="0" algn="l" defTabSz="1107796" rtl="0" eaLnBrk="1" fontAlgn="auto" latinLnBrk="1" hangingPunct="1">
-              <a:lnSpc>
-                <a:spcPct val="100000"/>
-              </a:lnSpc>
-              <a:spcBef>
-                <a:spcPts val="0"/>
-              </a:spcBef>
-              <a:spcAft>
-                <a:spcPts val="0"/>
-              </a:spcAft>
-              <a:buClrTx/>
-              <a:buSzTx/>
-              <a:buFontTx/>
-              <a:buNone/>
-              <a:tabLst/>
-              <a:defRPr/>
-            </a:pPr>
-            <a:endParaRPr kumimoji="0" lang="en-US" altLang="ko-KR" sz="4400" b="0" i="0" u="none" strike="noStrike" kern="1200" cap="none" spc="0" normalizeH="0" baseline="0" noProof="0" dirty="0">
-              <a:ln>
-                <a:noFill/>
-              </a:ln>
-              <a:solidFill>
-                <a:prstClr val="white"/>
-              </a:solidFill>
-              <a:effectLst/>
-              <a:uLnTx/>
-              <a:uFillTx/>
-              <a:latin typeface="Noto Sans CJK KR Black" panose="020B0A00000000000000" pitchFamily="34" charset="-127"/>
-              <a:ea typeface="Noto Sans CJK KR Black" panose="020B0A00000000000000" pitchFamily="34" charset="-127"/>
-              <a:cs typeface="+mn-cs"/>
-            </a:endParaRPr>
-          </a:p>
-        </p:txBody>
-      </p:sp>
-      <p:sp>
-        <p:nvSpPr>
-          <p:cNvPr id="12" name="TextBox 11"/>
-          <p:cNvSpPr txBox="1"/>
-          <p:nvPr/>
-        </p:nvSpPr>
-        <p:spPr>
-          <a:xfrm>
-            <a:off x="4783981" y="611957"/>
-            <a:ext cx="7056784" cy="216726"/>
-          </a:xfrm>
-          <a:prstGeom prst="rect">
-            <a:avLst/>
-          </a:prstGeom>
-          <a:noFill/>
-        </p:spPr>
-        <p:txBody>
-          <a:bodyPr wrap="square" lIns="0" tIns="0" rIns="0" bIns="0" rtlCol="0" anchor="t">
-            <a:spAutoFit/>
-          </a:bodyPr>
-          <a:lstStyle/>
-          <a:p>
-            <a:pPr marL="0" marR="0" lvl="0" indent="0" algn="l" defTabSz="1107796" rtl="0" eaLnBrk="1" fontAlgn="auto" latinLnBrk="1" hangingPunct="1">
-              <a:lnSpc>
-                <a:spcPct val="150000"/>
-              </a:lnSpc>
-              <a:spcBef>
-                <a:spcPts val="0"/>
-              </a:spcBef>
-              <a:spcAft>
-                <a:spcPts val="0"/>
-              </a:spcAft>
-              <a:buClrTx/>
-              <a:buSzTx/>
-              <a:buFontTx/>
-              <a:buNone/>
-              <a:tabLst/>
-              <a:defRPr/>
-            </a:pPr>
-            <a:endParaRPr kumimoji="0" lang="en-US" altLang="ko-KR" sz="1050" b="0" i="0" u="none" strike="noStrike" kern="1200" cap="none" spc="0" normalizeH="0" baseline="0" noProof="0" dirty="0">
-              <a:ln>
-                <a:noFill/>
-              </a:ln>
-              <a:solidFill>
-                <a:prstClr val="white"/>
-              </a:solidFill>
-              <a:effectLst/>
-              <a:uLnTx/>
-              <a:uFillTx/>
-              <a:latin typeface="Noto Sans CJK KR Medium" panose="020B0600000000000000" pitchFamily="34" charset="-127"/>
-              <a:ea typeface="Noto Sans CJK KR Medium" panose="020B0600000000000000" pitchFamily="34" charset="-127"/>
-              <a:cs typeface="+mn-cs"/>
-            </a:endParaRPr>
-          </a:p>
-        </p:txBody>
-      </p:sp>
-      <p:pic>
-        <p:nvPicPr>
-          <p:cNvPr id="6" name="그림 5">
-            <a:extLst>
-              <a:ext uri="{FF2B5EF4-FFF2-40B4-BE49-F238E27FC236}">
-                <a16:creationId xmlns:a16="http://schemas.microsoft.com/office/drawing/2014/main" id="{DB5EDEC6-8B0A-462F-8B63-AB96D03FE054}"/>
-              </a:ext>
-            </a:extLst>
-          </p:cNvPr>
-          <p:cNvPicPr>
-            <a:picLocks noChangeAspect="1"/>
-          </p:cNvPicPr>
-          <p:nvPr/>
-        </p:nvPicPr>
-        <p:blipFill>
-          <a:blip r:embed="rId3">
-            <a:extLst>
-              <a:ext uri="{28A0092B-C50C-407E-A947-70E740481C1C}">
-                <a14:useLocalDpi xmlns:a14="http://schemas.microsoft.com/office/drawing/2010/main" val="0"/>
-              </a:ext>
-            </a:extLst>
-          </a:blip>
-          <a:stretch>
-            <a:fillRect/>
-          </a:stretch>
-        </p:blipFill>
-        <p:spPr>
-          <a:xfrm>
-            <a:off x="4604447" y="36115"/>
-            <a:ext cx="7555803" cy="6840538"/>
-          </a:xfrm>
-          <a:prstGeom prst="rect">
-            <a:avLst/>
-          </a:prstGeom>
-        </p:spPr>
-      </p:pic>
-      <p:sp>
-        <p:nvSpPr>
-          <p:cNvPr id="2" name="TextBox 1">
-            <a:extLst>
-              <a:ext uri="{FF2B5EF4-FFF2-40B4-BE49-F238E27FC236}">
-                <a16:creationId xmlns:a16="http://schemas.microsoft.com/office/drawing/2014/main" id="{8060EEAE-53E1-49A6-9042-250FCF40B0FE}"/>
-              </a:ext>
-            </a:extLst>
-          </p:cNvPr>
-          <p:cNvSpPr txBox="1"/>
-          <p:nvPr/>
-        </p:nvSpPr>
-        <p:spPr>
-          <a:xfrm>
-            <a:off x="8312373" y="3348261"/>
-            <a:ext cx="3685698" cy="3477875"/>
-          </a:xfrm>
-          <a:prstGeom prst="rect">
-            <a:avLst/>
-          </a:prstGeom>
-          <a:noFill/>
-          <a:ln w="38100">
-            <a:solidFill>
-              <a:srgbClr val="FF0000"/>
-            </a:solidFill>
-          </a:ln>
-        </p:spPr>
-        <p:txBody>
-          <a:bodyPr wrap="square" rtlCol="0">
-            <a:spAutoFit/>
-          </a:bodyPr>
-          <a:lstStyle/>
-          <a:p>
-            <a:pPr marL="0" marR="0" lvl="0" indent="0" algn="l" defTabSz="1107796" rtl="0" eaLnBrk="1" fontAlgn="auto" latinLnBrk="1" hangingPunct="1">
-              <a:lnSpc>
-                <a:spcPct val="100000"/>
-              </a:lnSpc>
-              <a:spcBef>
-                <a:spcPts val="0"/>
-              </a:spcBef>
-              <a:spcAft>
-                <a:spcPts val="0"/>
-              </a:spcAft>
-              <a:buClrTx/>
-              <a:buSzTx/>
-              <a:buFontTx/>
-              <a:buNone/>
-              <a:tabLst/>
-              <a:defRPr/>
-            </a:pPr>
-            <a:endParaRPr kumimoji="0" lang="en-US" altLang="ko-KR" sz="2200" b="0" i="0" u="none" strike="noStrike" kern="1200" cap="none" spc="0" normalizeH="0" baseline="0" noProof="0" dirty="0">
-              <a:ln>
-                <a:noFill/>
-              </a:ln>
-              <a:solidFill>
-                <a:prstClr val="black"/>
-              </a:solidFill>
-              <a:effectLst/>
-              <a:uLnTx/>
-              <a:uFillTx/>
-              <a:latin typeface="맑은 고딕"/>
-              <a:ea typeface="맑은 고딕" panose="020B0503020000020004" pitchFamily="50" charset="-127"/>
-              <a:cs typeface="+mn-cs"/>
-            </a:endParaRPr>
-          </a:p>
-          <a:p>
-            <a:pPr marL="0" marR="0" lvl="0" indent="0" algn="l" defTabSz="1107796" rtl="0" eaLnBrk="1" fontAlgn="auto" latinLnBrk="1" hangingPunct="1">
-              <a:lnSpc>
-                <a:spcPct val="100000"/>
-              </a:lnSpc>
-              <a:spcBef>
-                <a:spcPts val="0"/>
-              </a:spcBef>
-              <a:spcAft>
-                <a:spcPts val="0"/>
-              </a:spcAft>
-              <a:buClrTx/>
-              <a:buSzTx/>
-              <a:buFontTx/>
-              <a:buNone/>
-              <a:tabLst/>
-              <a:defRPr/>
-            </a:pPr>
-            <a:endParaRPr kumimoji="0" lang="en-US" altLang="ko-KR" sz="2200" b="0" i="0" u="none" strike="noStrike" kern="1200" cap="none" spc="0" normalizeH="0" baseline="0" noProof="0" dirty="0">
-              <a:ln>
-                <a:noFill/>
-              </a:ln>
-              <a:solidFill>
-                <a:prstClr val="black"/>
-              </a:solidFill>
-              <a:effectLst/>
-              <a:uLnTx/>
-              <a:uFillTx/>
-              <a:latin typeface="맑은 고딕"/>
-              <a:ea typeface="맑은 고딕" panose="020B0503020000020004" pitchFamily="50" charset="-127"/>
-              <a:cs typeface="+mn-cs"/>
-            </a:endParaRPr>
-          </a:p>
-          <a:p>
-            <a:pPr marL="0" marR="0" lvl="0" indent="0" algn="l" defTabSz="1107796" rtl="0" eaLnBrk="1" fontAlgn="auto" latinLnBrk="1" hangingPunct="1">
-              <a:lnSpc>
-                <a:spcPct val="100000"/>
-              </a:lnSpc>
-              <a:spcBef>
-                <a:spcPts val="0"/>
-              </a:spcBef>
-              <a:spcAft>
-                <a:spcPts val="0"/>
-              </a:spcAft>
-              <a:buClrTx/>
-              <a:buSzTx/>
-              <a:buFontTx/>
-              <a:buNone/>
-              <a:tabLst/>
-              <a:defRPr/>
-            </a:pPr>
-            <a:endParaRPr lang="en-US" altLang="ko-KR" dirty="0">
-              <a:solidFill>
-                <a:prstClr val="black"/>
-              </a:solidFill>
-              <a:latin typeface="맑은 고딕"/>
-              <a:ea typeface="맑은 고딕" panose="020B0503020000020004" pitchFamily="50" charset="-127"/>
-            </a:endParaRPr>
-          </a:p>
-          <a:p>
-            <a:pPr marL="0" marR="0" lvl="0" indent="0" algn="l" defTabSz="1107796" rtl="0" eaLnBrk="1" fontAlgn="auto" latinLnBrk="1" hangingPunct="1">
-              <a:lnSpc>
-                <a:spcPct val="100000"/>
-              </a:lnSpc>
-              <a:spcBef>
-                <a:spcPts val="0"/>
-              </a:spcBef>
-              <a:spcAft>
-                <a:spcPts val="0"/>
-              </a:spcAft>
-              <a:buClrTx/>
-              <a:buSzTx/>
-              <a:buFontTx/>
-              <a:buNone/>
-              <a:tabLst/>
-              <a:defRPr/>
-            </a:pPr>
-            <a:endParaRPr kumimoji="0" lang="en-US" altLang="ko-KR" sz="2200" b="0" i="0" u="none" strike="noStrike" kern="1200" cap="none" spc="0" normalizeH="0" baseline="0" noProof="0" dirty="0">
-              <a:ln>
-                <a:noFill/>
-              </a:ln>
-              <a:solidFill>
-                <a:prstClr val="black"/>
-              </a:solidFill>
-              <a:effectLst/>
-              <a:uLnTx/>
-              <a:uFillTx/>
-              <a:latin typeface="맑은 고딕"/>
-              <a:ea typeface="맑은 고딕" panose="020B0503020000020004" pitchFamily="50" charset="-127"/>
-              <a:cs typeface="+mn-cs"/>
-            </a:endParaRPr>
-          </a:p>
-          <a:p>
-            <a:pPr marL="0" marR="0" lvl="0" indent="0" algn="l" defTabSz="1107796" rtl="0" eaLnBrk="1" fontAlgn="auto" latinLnBrk="1" hangingPunct="1">
-              <a:lnSpc>
-                <a:spcPct val="100000"/>
-              </a:lnSpc>
-              <a:spcBef>
-                <a:spcPts val="0"/>
-              </a:spcBef>
-              <a:spcAft>
-                <a:spcPts val="0"/>
-              </a:spcAft>
-              <a:buClrTx/>
-              <a:buSzTx/>
-              <a:buFontTx/>
-              <a:buNone/>
-              <a:tabLst/>
-              <a:defRPr/>
-            </a:pPr>
-            <a:endParaRPr lang="en-US" altLang="ko-KR" dirty="0">
-              <a:solidFill>
-                <a:prstClr val="black"/>
-              </a:solidFill>
-              <a:latin typeface="맑은 고딕"/>
-              <a:ea typeface="맑은 고딕" panose="020B0503020000020004" pitchFamily="50" charset="-127"/>
-            </a:endParaRPr>
-          </a:p>
-          <a:p>
-            <a:pPr marL="0" marR="0" lvl="0" indent="0" algn="l" defTabSz="1107796" rtl="0" eaLnBrk="1" fontAlgn="auto" latinLnBrk="1" hangingPunct="1">
-              <a:lnSpc>
-                <a:spcPct val="100000"/>
-              </a:lnSpc>
-              <a:spcBef>
-                <a:spcPts val="0"/>
-              </a:spcBef>
-              <a:spcAft>
-                <a:spcPts val="0"/>
-              </a:spcAft>
-              <a:buClrTx/>
-              <a:buSzTx/>
-              <a:buFontTx/>
-              <a:buNone/>
-              <a:tabLst/>
-              <a:defRPr/>
-            </a:pPr>
-            <a:endParaRPr kumimoji="0" lang="en-US" altLang="ko-KR" sz="2200" b="0" i="0" u="none" strike="noStrike" kern="1200" cap="none" spc="0" normalizeH="0" baseline="0" noProof="0" dirty="0">
-              <a:ln>
-                <a:noFill/>
-              </a:ln>
-              <a:solidFill>
-                <a:prstClr val="black"/>
-              </a:solidFill>
-              <a:effectLst/>
-              <a:uLnTx/>
-              <a:uFillTx/>
-              <a:latin typeface="맑은 고딕"/>
-              <a:ea typeface="맑은 고딕" panose="020B0503020000020004" pitchFamily="50" charset="-127"/>
-              <a:cs typeface="+mn-cs"/>
-            </a:endParaRPr>
-          </a:p>
-          <a:p>
-            <a:pPr marL="0" marR="0" lvl="0" indent="0" algn="l" defTabSz="1107796" rtl="0" eaLnBrk="1" fontAlgn="auto" latinLnBrk="1" hangingPunct="1">
-              <a:lnSpc>
-                <a:spcPct val="100000"/>
-              </a:lnSpc>
-              <a:spcBef>
-                <a:spcPts val="0"/>
-              </a:spcBef>
-              <a:spcAft>
-                <a:spcPts val="0"/>
-              </a:spcAft>
-              <a:buClrTx/>
-              <a:buSzTx/>
-              <a:buFontTx/>
-              <a:buNone/>
-              <a:tabLst/>
-              <a:defRPr/>
-            </a:pPr>
-            <a:endParaRPr kumimoji="0" lang="en-US" altLang="ko-KR" sz="2200" b="0" i="0" u="none" strike="noStrike" kern="1200" cap="none" spc="0" normalizeH="0" baseline="0" noProof="0" dirty="0">
-              <a:ln>
-                <a:noFill/>
-              </a:ln>
-              <a:solidFill>
-                <a:prstClr val="black"/>
-              </a:solidFill>
-              <a:effectLst/>
-              <a:uLnTx/>
-              <a:uFillTx/>
-              <a:latin typeface="맑은 고딕"/>
-              <a:ea typeface="맑은 고딕" panose="020B0503020000020004" pitchFamily="50" charset="-127"/>
-              <a:cs typeface="+mn-cs"/>
-            </a:endParaRPr>
-          </a:p>
-          <a:p>
-            <a:pPr marL="0" marR="0" lvl="0" indent="0" algn="l" defTabSz="1107796" rtl="0" eaLnBrk="1" fontAlgn="auto" latinLnBrk="1" hangingPunct="1">
-              <a:lnSpc>
-                <a:spcPct val="100000"/>
-              </a:lnSpc>
-              <a:spcBef>
-                <a:spcPts val="0"/>
-              </a:spcBef>
-              <a:spcAft>
-                <a:spcPts val="0"/>
-              </a:spcAft>
-              <a:buClrTx/>
-              <a:buSzTx/>
-              <a:buFontTx/>
-              <a:buNone/>
-              <a:tabLst/>
-              <a:defRPr/>
-            </a:pPr>
-            <a:endParaRPr kumimoji="0" lang="en-US" altLang="ko-KR" sz="2200" b="0" i="0" u="none" strike="noStrike" kern="1200" cap="none" spc="0" normalizeH="0" baseline="0" noProof="0" dirty="0">
-              <a:ln>
-                <a:noFill/>
-              </a:ln>
-              <a:solidFill>
-                <a:prstClr val="black"/>
-              </a:solidFill>
-              <a:effectLst/>
-              <a:uLnTx/>
-              <a:uFillTx/>
-              <a:latin typeface="맑은 고딕"/>
-              <a:ea typeface="맑은 고딕" panose="020B0503020000020004" pitchFamily="50" charset="-127"/>
-              <a:cs typeface="+mn-cs"/>
-            </a:endParaRPr>
-          </a:p>
-          <a:p>
-            <a:pPr marL="0" marR="0" lvl="0" indent="0" algn="l" defTabSz="1107796" rtl="0" eaLnBrk="1" fontAlgn="auto" latinLnBrk="1" hangingPunct="1">
-              <a:lnSpc>
-                <a:spcPct val="100000"/>
-              </a:lnSpc>
-              <a:spcBef>
-                <a:spcPts val="0"/>
-              </a:spcBef>
-              <a:spcAft>
-                <a:spcPts val="0"/>
-              </a:spcAft>
-              <a:buClrTx/>
-              <a:buSzTx/>
-              <a:buFontTx/>
-              <a:buNone/>
-              <a:tabLst/>
-              <a:defRPr/>
-            </a:pPr>
-            <a:endParaRPr kumimoji="0" lang="en-US" altLang="ko-KR" sz="2200" b="0" i="0" u="none" strike="noStrike" kern="1200" cap="none" spc="0" normalizeH="0" baseline="0" noProof="0" dirty="0">
-              <a:ln>
-                <a:noFill/>
-              </a:ln>
-              <a:solidFill>
-                <a:prstClr val="black"/>
-              </a:solidFill>
-              <a:effectLst/>
-              <a:uLnTx/>
-              <a:uFillTx/>
-              <a:latin typeface="맑은 고딕"/>
-              <a:ea typeface="맑은 고딕" panose="020B0503020000020004" pitchFamily="50" charset="-127"/>
-              <a:cs typeface="+mn-cs"/>
-            </a:endParaRPr>
-          </a:p>
-          <a:p>
-            <a:pPr marL="0" marR="0" lvl="0" indent="0" algn="l" defTabSz="1107796" rtl="0" eaLnBrk="1" fontAlgn="auto" latinLnBrk="1" hangingPunct="1">
-              <a:lnSpc>
-                <a:spcPct val="100000"/>
-              </a:lnSpc>
-              <a:spcBef>
-                <a:spcPts val="0"/>
-              </a:spcBef>
-              <a:spcAft>
-                <a:spcPts val="0"/>
-              </a:spcAft>
-              <a:buClrTx/>
-              <a:buSzTx/>
-              <a:buFontTx/>
-              <a:buNone/>
-              <a:tabLst/>
-              <a:defRPr/>
-            </a:pPr>
-            <a:endParaRPr kumimoji="0" lang="ko-KR" altLang="en-US" sz="2200" b="0" i="0" u="none" strike="noStrike" kern="1200" cap="none" spc="0" normalizeH="0" baseline="0" noProof="0" dirty="0">
-              <a:ln>
-                <a:noFill/>
-              </a:ln>
-              <a:solidFill>
-                <a:prstClr val="black"/>
-              </a:solidFill>
-              <a:effectLst/>
-              <a:uLnTx/>
-              <a:uFillTx/>
-              <a:latin typeface="맑은 고딕"/>
-              <a:ea typeface="맑은 고딕" panose="020B0503020000020004" pitchFamily="50" charset="-127"/>
-              <a:cs typeface="+mn-cs"/>
-            </a:endParaRPr>
-          </a:p>
-        </p:txBody>
-      </p:sp>
-    </p:spTree>
-    <p:extLst>
-      <p:ext uri="{BB962C8B-B14F-4D97-AF65-F5344CB8AC3E}">
-        <p14:creationId xmlns:p14="http://schemas.microsoft.com/office/powerpoint/2010/main" val="3071079874"/>
-      </p:ext>
-    </p:extLst>
-  </p:cSld>
-  <p:clrMapOvr>
-    <a:masterClrMapping/>
-  </p:clrMapOvr>
-</p:sld>
-</file>
-
-<file path=ppt/slides/slide20.xml><?xml version="1.0" encoding="utf-8"?>
-<p:sld xmlns:a="http://schemas.openxmlformats.org/drawingml/2006/main" xmlns:r="http://schemas.openxmlformats.org/officeDocument/2006/relationships" xmlns:p="http://schemas.openxmlformats.org/presentationml/2006/main">
-  <p:cSld>
-    <p:spTree>
-      <p:nvGrpSpPr>
-        <p:cNvPr id="1" name=""/>
-        <p:cNvGrpSpPr/>
-        <p:nvPr/>
-      </p:nvGrpSpPr>
-      <p:grpSpPr>
-        <a:xfrm>
-          <a:off x="0" y="0"/>
-          <a:ext cx="0" cy="0"/>
-          <a:chOff x="0" y="0"/>
-          <a:chExt cx="0" cy="0"/>
-        </a:xfrm>
-      </p:grpSpPr>
-      <p:sp>
-        <p:nvSpPr>
-          <p:cNvPr id="5" name="제목 4"/>
-          <p:cNvSpPr>
-            <a:spLocks noGrp="1"/>
-          </p:cNvSpPr>
-          <p:nvPr>
-            <p:ph type="title"/>
-          </p:nvPr>
-        </p:nvSpPr>
-        <p:spPr>
-          <a:xfrm>
-            <a:off x="608012" y="539949"/>
-            <a:ext cx="10944225" cy="1140090"/>
-          </a:xfrm>
-        </p:spPr>
-        <p:txBody>
-          <a:bodyPr>
-            <a:normAutofit/>
-          </a:bodyPr>
-          <a:lstStyle/>
-          <a:p>
-            <a:pPr algn="l"/>
-            <a:r>
-              <a:rPr lang="en-US" altLang="ko-KR" sz="4400" dirty="0">
-                <a:solidFill>
-                  <a:schemeClr val="tx1">
-                    <a:lumMod val="75000"/>
-                    <a:lumOff val="25000"/>
-                  </a:schemeClr>
-                </a:solidFill>
-                <a:latin typeface="Noto Sans CJK KR Black" pitchFamily="34" charset="-127"/>
-                <a:ea typeface="Noto Sans CJK KR Black" pitchFamily="34" charset="-127"/>
-              </a:rPr>
-              <a:t>4. </a:t>
-            </a:r>
-            <a:r>
-              <a:rPr lang="ko-KR" altLang="en-US" sz="4400" dirty="0">
-                <a:solidFill>
-                  <a:schemeClr val="tx1">
-                    <a:lumMod val="75000"/>
-                    <a:lumOff val="25000"/>
-                  </a:schemeClr>
-                </a:solidFill>
-                <a:latin typeface="Noto Sans CJK KR Black" pitchFamily="34" charset="-127"/>
-                <a:ea typeface="Noto Sans CJK KR Black" pitchFamily="34" charset="-127"/>
-              </a:rPr>
-              <a:t>시계열 분석</a:t>
-            </a:r>
-            <a:endParaRPr lang="ko-KR" altLang="en-US" sz="4400" dirty="0">
-              <a:solidFill>
-                <a:schemeClr val="tx1">
-                  <a:lumMod val="75000"/>
-                  <a:lumOff val="25000"/>
-                </a:schemeClr>
-              </a:solidFill>
-            </a:endParaRPr>
-          </a:p>
-        </p:txBody>
-      </p:sp>
-      <p:sp>
-        <p:nvSpPr>
-          <p:cNvPr id="3" name="슬라이드 번호 개체 틀 2"/>
-          <p:cNvSpPr>
-            <a:spLocks noGrp="1"/>
-          </p:cNvSpPr>
-          <p:nvPr>
-            <p:ph type="sldNum" sz="quarter" idx="12"/>
-          </p:nvPr>
-        </p:nvSpPr>
-        <p:spPr/>
-        <p:txBody>
-          <a:bodyPr/>
-          <a:lstStyle/>
-          <a:p>
-            <a:fld id="{6DDAE2C3-1A0B-474A-8CE8-AE55B8D9D4B1}" type="slidenum">
-              <a:rPr lang="ko-KR" altLang="en-US" smtClean="0"/>
-              <a:pPr/>
-              <a:t>20</a:t>
-            </a:fld>
-            <a:endParaRPr lang="ko-KR" altLang="en-US" dirty="0"/>
-          </a:p>
-        </p:txBody>
-      </p:sp>
-      <p:pic>
-        <p:nvPicPr>
-          <p:cNvPr id="2" name="그림 1">
-            <a:extLst>
-              <a:ext uri="{FF2B5EF4-FFF2-40B4-BE49-F238E27FC236}">
-                <a16:creationId xmlns:a16="http://schemas.microsoft.com/office/drawing/2014/main" id="{34A5DA4E-871E-41B3-A8CE-A7AA6FD352AB}"/>
-              </a:ext>
-            </a:extLst>
-          </p:cNvPr>
-          <p:cNvPicPr>
-            <a:picLocks noChangeAspect="1"/>
-          </p:cNvPicPr>
-          <p:nvPr/>
-        </p:nvPicPr>
-        <p:blipFill>
-          <a:blip r:embed="rId2"/>
-          <a:stretch>
-            <a:fillRect/>
-          </a:stretch>
-        </p:blipFill>
-        <p:spPr>
-          <a:xfrm>
-            <a:off x="4927997" y="0"/>
-            <a:ext cx="6427351" cy="6840538"/>
-          </a:xfrm>
-          <a:prstGeom prst="rect">
-            <a:avLst/>
-          </a:prstGeom>
-        </p:spPr>
-      </p:pic>
-    </p:spTree>
-    <p:extLst>
-      <p:ext uri="{BB962C8B-B14F-4D97-AF65-F5344CB8AC3E}">
-        <p14:creationId xmlns:p14="http://schemas.microsoft.com/office/powerpoint/2010/main" val="3432158559"/>
-      </p:ext>
-    </p:extLst>
-  </p:cSld>
-  <p:clrMapOvr>
-    <a:masterClrMapping/>
-  </p:clrMapOvr>
-</p:sld>
-</file>
-
-<file path=ppt/slides/slide21.xml><?xml version="1.0" encoding="utf-8"?>
-<p:sld xmlns:a="http://schemas.openxmlformats.org/drawingml/2006/main" xmlns:r="http://schemas.openxmlformats.org/officeDocument/2006/relationships" xmlns:p="http://schemas.openxmlformats.org/presentationml/2006/main">
-  <p:cSld>
-    <p:spTree>
-      <p:nvGrpSpPr>
-        <p:cNvPr id="1" name=""/>
-        <p:cNvGrpSpPr/>
-        <p:nvPr/>
-      </p:nvGrpSpPr>
-      <p:grpSpPr>
-        <a:xfrm>
-          <a:off x="0" y="0"/>
-          <a:ext cx="0" cy="0"/>
-          <a:chOff x="0" y="0"/>
-          <a:chExt cx="0" cy="0"/>
-        </a:xfrm>
-      </p:grpSpPr>
-      <p:sp>
-        <p:nvSpPr>
-          <p:cNvPr id="5" name="제목 4"/>
-          <p:cNvSpPr>
-            <a:spLocks noGrp="1"/>
-          </p:cNvSpPr>
-          <p:nvPr>
-            <p:ph type="title"/>
-          </p:nvPr>
-        </p:nvSpPr>
-        <p:spPr>
-          <a:xfrm>
-            <a:off x="608012" y="539949"/>
-            <a:ext cx="10944225" cy="1140090"/>
-          </a:xfrm>
-        </p:spPr>
-        <p:txBody>
-          <a:bodyPr>
-            <a:normAutofit/>
-          </a:bodyPr>
-          <a:lstStyle/>
-          <a:p>
-            <a:pPr algn="l"/>
-            <a:r>
-              <a:rPr lang="en-US" altLang="ko-KR" sz="4400" dirty="0">
-                <a:solidFill>
-                  <a:schemeClr val="tx1">
-                    <a:lumMod val="75000"/>
-                    <a:lumOff val="25000"/>
-                  </a:schemeClr>
-                </a:solidFill>
-                <a:latin typeface="Noto Sans CJK KR Black" pitchFamily="34" charset="-127"/>
-                <a:ea typeface="Noto Sans CJK KR Black" pitchFamily="34" charset="-127"/>
-              </a:rPr>
-              <a:t>4. </a:t>
-            </a:r>
-            <a:r>
-              <a:rPr lang="ko-KR" altLang="en-US" sz="4400" dirty="0">
-                <a:solidFill>
-                  <a:schemeClr val="tx1">
-                    <a:lumMod val="75000"/>
-                    <a:lumOff val="25000"/>
-                  </a:schemeClr>
-                </a:solidFill>
-                <a:latin typeface="Noto Sans CJK KR Black" pitchFamily="34" charset="-127"/>
-                <a:ea typeface="Noto Sans CJK KR Black" pitchFamily="34" charset="-127"/>
-              </a:rPr>
-              <a:t>시계열 분석</a:t>
-            </a:r>
-            <a:endParaRPr lang="ko-KR" altLang="en-US" sz="4400" dirty="0">
-              <a:solidFill>
-                <a:schemeClr val="tx1">
-                  <a:lumMod val="75000"/>
-                  <a:lumOff val="25000"/>
-                </a:schemeClr>
-              </a:solidFill>
-            </a:endParaRPr>
-          </a:p>
-        </p:txBody>
-      </p:sp>
-      <p:sp>
-        <p:nvSpPr>
-          <p:cNvPr id="3" name="슬라이드 번호 개체 틀 2"/>
-          <p:cNvSpPr>
-            <a:spLocks noGrp="1"/>
-          </p:cNvSpPr>
-          <p:nvPr>
-            <p:ph type="sldNum" sz="quarter" idx="12"/>
-          </p:nvPr>
-        </p:nvSpPr>
-        <p:spPr/>
-        <p:txBody>
-          <a:bodyPr/>
-          <a:lstStyle/>
-          <a:p>
-            <a:fld id="{6DDAE2C3-1A0B-474A-8CE8-AE55B8D9D4B1}" type="slidenum">
-              <a:rPr lang="ko-KR" altLang="en-US" smtClean="0"/>
-              <a:pPr/>
-              <a:t>21</a:t>
-            </a:fld>
-            <a:endParaRPr lang="ko-KR" altLang="en-US" dirty="0"/>
-          </a:p>
-        </p:txBody>
-      </p:sp>
-      <p:pic>
-        <p:nvPicPr>
-          <p:cNvPr id="2" name="그림 1">
-            <a:extLst>
-              <a:ext uri="{FF2B5EF4-FFF2-40B4-BE49-F238E27FC236}">
-                <a16:creationId xmlns:a16="http://schemas.microsoft.com/office/drawing/2014/main" id="{703430C8-967B-4E2A-9241-DAA01E782D3C}"/>
-              </a:ext>
-            </a:extLst>
-          </p:cNvPr>
-          <p:cNvPicPr>
-            <a:picLocks noChangeAspect="1"/>
-          </p:cNvPicPr>
-          <p:nvPr/>
-        </p:nvPicPr>
-        <p:blipFill>
-          <a:blip r:embed="rId2"/>
-          <a:stretch>
-            <a:fillRect/>
-          </a:stretch>
-        </p:blipFill>
-        <p:spPr>
-          <a:xfrm>
-            <a:off x="5072013" y="0"/>
-            <a:ext cx="5924875" cy="6840538"/>
-          </a:xfrm>
-          <a:prstGeom prst="rect">
-            <a:avLst/>
-          </a:prstGeom>
-        </p:spPr>
-      </p:pic>
-    </p:spTree>
-    <p:extLst>
-      <p:ext uri="{BB962C8B-B14F-4D97-AF65-F5344CB8AC3E}">
-        <p14:creationId xmlns:p14="http://schemas.microsoft.com/office/powerpoint/2010/main" val="1646313147"/>
-      </p:ext>
-    </p:extLst>
-  </p:cSld>
-  <p:clrMapOvr>
-    <a:masterClrMapping/>
-  </p:clrMapOvr>
-</p:sld>
-</file>
-
-<file path=ppt/slides/slide22.xml><?xml version="1.0" encoding="utf-8"?>
-<p:sld xmlns:a="http://schemas.openxmlformats.org/drawingml/2006/main" xmlns:r="http://schemas.openxmlformats.org/officeDocument/2006/relationships" xmlns:p="http://schemas.openxmlformats.org/presentationml/2006/main">
-  <p:cSld>
-    <p:spTree>
-      <p:nvGrpSpPr>
-        <p:cNvPr id="1" name=""/>
-        <p:cNvGrpSpPr/>
-        <p:nvPr/>
-      </p:nvGrpSpPr>
-      <p:grpSpPr>
-        <a:xfrm>
-          <a:off x="0" y="0"/>
-          <a:ext cx="0" cy="0"/>
-          <a:chOff x="0" y="0"/>
-          <a:chExt cx="0" cy="0"/>
-        </a:xfrm>
-      </p:grpSpPr>
-      <p:sp>
-        <p:nvSpPr>
-          <p:cNvPr id="5" name="제목 4"/>
-          <p:cNvSpPr>
-            <a:spLocks noGrp="1"/>
-          </p:cNvSpPr>
-          <p:nvPr>
-            <p:ph type="title"/>
-          </p:nvPr>
-        </p:nvSpPr>
-        <p:spPr>
-          <a:xfrm>
-            <a:off x="608012" y="539949"/>
-            <a:ext cx="10944225" cy="1140090"/>
-          </a:xfrm>
-        </p:spPr>
-        <p:txBody>
-          <a:bodyPr>
-            <a:normAutofit/>
-          </a:bodyPr>
-          <a:lstStyle/>
-          <a:p>
-            <a:pPr algn="l"/>
-            <a:r>
-              <a:rPr lang="en-US" altLang="ko-KR" sz="4400" dirty="0">
-                <a:solidFill>
-                  <a:schemeClr val="tx1">
-                    <a:lumMod val="75000"/>
-                    <a:lumOff val="25000"/>
-                  </a:schemeClr>
-                </a:solidFill>
-                <a:latin typeface="Noto Sans CJK KR Black" pitchFamily="34" charset="-127"/>
-                <a:ea typeface="Noto Sans CJK KR Black" pitchFamily="34" charset="-127"/>
-              </a:rPr>
-              <a:t>4. </a:t>
-            </a:r>
-            <a:r>
-              <a:rPr lang="ko-KR" altLang="en-US" sz="4400" dirty="0">
-                <a:solidFill>
-                  <a:schemeClr val="tx1">
-                    <a:lumMod val="75000"/>
-                    <a:lumOff val="25000"/>
-                  </a:schemeClr>
-                </a:solidFill>
-                <a:latin typeface="Noto Sans CJK KR Black" pitchFamily="34" charset="-127"/>
-                <a:ea typeface="Noto Sans CJK KR Black" pitchFamily="34" charset="-127"/>
-              </a:rPr>
-              <a:t>시계열 분석</a:t>
-            </a:r>
-            <a:endParaRPr lang="ko-KR" altLang="en-US" sz="4400" dirty="0">
-              <a:solidFill>
-                <a:schemeClr val="tx1">
-                  <a:lumMod val="75000"/>
-                  <a:lumOff val="25000"/>
-                </a:schemeClr>
-              </a:solidFill>
-            </a:endParaRPr>
-          </a:p>
-        </p:txBody>
-      </p:sp>
-      <p:sp>
-        <p:nvSpPr>
-          <p:cNvPr id="3" name="슬라이드 번호 개체 틀 2"/>
-          <p:cNvSpPr>
-            <a:spLocks noGrp="1"/>
-          </p:cNvSpPr>
-          <p:nvPr>
-            <p:ph type="sldNum" sz="quarter" idx="12"/>
-          </p:nvPr>
-        </p:nvSpPr>
-        <p:spPr/>
-        <p:txBody>
-          <a:bodyPr/>
-          <a:lstStyle/>
-          <a:p>
-            <a:fld id="{6DDAE2C3-1A0B-474A-8CE8-AE55B8D9D4B1}" type="slidenum">
-              <a:rPr lang="ko-KR" altLang="en-US" smtClean="0"/>
-              <a:pPr/>
-              <a:t>22</a:t>
-            </a:fld>
-            <a:endParaRPr lang="ko-KR" altLang="en-US" dirty="0"/>
-          </a:p>
-        </p:txBody>
-      </p:sp>
-      <p:pic>
-        <p:nvPicPr>
-          <p:cNvPr id="2" name="그림 1">
-            <a:extLst>
-              <a:ext uri="{FF2B5EF4-FFF2-40B4-BE49-F238E27FC236}">
-                <a16:creationId xmlns:a16="http://schemas.microsoft.com/office/drawing/2014/main" id="{DE96D5FE-D89A-4012-B71A-8B51385FA252}"/>
-              </a:ext>
-            </a:extLst>
-          </p:cNvPr>
-          <p:cNvPicPr>
-            <a:picLocks noChangeAspect="1"/>
-          </p:cNvPicPr>
-          <p:nvPr/>
-        </p:nvPicPr>
-        <p:blipFill>
-          <a:blip r:embed="rId2"/>
-          <a:stretch>
-            <a:fillRect/>
-          </a:stretch>
-        </p:blipFill>
-        <p:spPr>
-          <a:xfrm>
-            <a:off x="1817686" y="1753272"/>
-            <a:ext cx="8524875" cy="4572000"/>
-          </a:xfrm>
-          <a:prstGeom prst="rect">
-            <a:avLst/>
-          </a:prstGeom>
-        </p:spPr>
-      </p:pic>
-    </p:spTree>
-    <p:extLst>
-      <p:ext uri="{BB962C8B-B14F-4D97-AF65-F5344CB8AC3E}">
-        <p14:creationId xmlns:p14="http://schemas.microsoft.com/office/powerpoint/2010/main" val="2225332343"/>
-      </p:ext>
-    </p:extLst>
-  </p:cSld>
-  <p:clrMapOvr>
-    <a:masterClrMapping/>
-  </p:clrMapOvr>
-</p:sld>
-</file>
-
-<file path=ppt/slides/slide23.xml><?xml version="1.0" encoding="utf-8"?>
-<p:sld xmlns:a="http://schemas.openxmlformats.org/drawingml/2006/main" xmlns:r="http://schemas.openxmlformats.org/officeDocument/2006/relationships" xmlns:p="http://schemas.openxmlformats.org/presentationml/2006/main">
-  <p:cSld>
-    <p:spTree>
-      <p:nvGrpSpPr>
-        <p:cNvPr id="1" name=""/>
-        <p:cNvGrpSpPr/>
-        <p:nvPr/>
-      </p:nvGrpSpPr>
-      <p:grpSpPr>
-        <a:xfrm>
-          <a:off x="0" y="0"/>
-          <a:ext cx="0" cy="0"/>
-          <a:chOff x="0" y="0"/>
-          <a:chExt cx="0" cy="0"/>
-        </a:xfrm>
-      </p:grpSpPr>
-      <p:sp>
-        <p:nvSpPr>
-          <p:cNvPr id="5" name="제목 4"/>
-          <p:cNvSpPr>
-            <a:spLocks noGrp="1"/>
-          </p:cNvSpPr>
-          <p:nvPr>
-            <p:ph type="title"/>
-          </p:nvPr>
-        </p:nvSpPr>
-        <p:spPr>
-          <a:xfrm>
-            <a:off x="608012" y="539949"/>
-            <a:ext cx="10944225" cy="1140090"/>
-          </a:xfrm>
-        </p:spPr>
-        <p:txBody>
-          <a:bodyPr>
-            <a:normAutofit fontScale="90000"/>
-          </a:bodyPr>
-          <a:lstStyle/>
-          <a:p>
-            <a:pPr algn="l"/>
-            <a:r>
-              <a:rPr lang="en-US" altLang="ko-KR" sz="4400" dirty="0">
-                <a:solidFill>
-                  <a:schemeClr val="tx1">
-                    <a:lumMod val="75000"/>
-                    <a:lumOff val="25000"/>
-                  </a:schemeClr>
-                </a:solidFill>
-                <a:latin typeface="Noto Sans CJK KR Black" pitchFamily="34" charset="-127"/>
-                <a:ea typeface="Noto Sans CJK KR Black" pitchFamily="34" charset="-127"/>
-              </a:rPr>
-              <a:t>4. </a:t>
-            </a:r>
-            <a:r>
-              <a:rPr lang="ko-KR" altLang="en-US" sz="4400" dirty="0">
-                <a:solidFill>
-                  <a:schemeClr val="tx1">
-                    <a:lumMod val="75000"/>
-                    <a:lumOff val="25000"/>
-                  </a:schemeClr>
-                </a:solidFill>
-                <a:latin typeface="Noto Sans CJK KR Black" pitchFamily="34" charset="-127"/>
-                <a:ea typeface="Noto Sans CJK KR Black" pitchFamily="34" charset="-127"/>
-              </a:rPr>
-              <a:t>시계열 </a:t>
-            </a:r>
-            <a:br>
-              <a:rPr lang="en-US" altLang="ko-KR" sz="4400" dirty="0">
-                <a:solidFill>
-                  <a:schemeClr val="tx1">
-                    <a:lumMod val="75000"/>
-                    <a:lumOff val="25000"/>
-                  </a:schemeClr>
-                </a:solidFill>
-                <a:latin typeface="Noto Sans CJK KR Black" pitchFamily="34" charset="-127"/>
-                <a:ea typeface="Noto Sans CJK KR Black" pitchFamily="34" charset="-127"/>
-              </a:rPr>
-            </a:br>
-            <a:r>
-              <a:rPr lang="ko-KR" altLang="en-US" sz="4400" dirty="0">
-                <a:solidFill>
-                  <a:schemeClr val="tx1">
-                    <a:lumMod val="75000"/>
-                    <a:lumOff val="25000"/>
-                  </a:schemeClr>
-                </a:solidFill>
-                <a:latin typeface="Noto Sans CJK KR Black" pitchFamily="34" charset="-127"/>
-                <a:ea typeface="Noto Sans CJK KR Black" pitchFamily="34" charset="-127"/>
-              </a:rPr>
-              <a:t>분석</a:t>
-            </a:r>
-            <a:endParaRPr lang="ko-KR" altLang="en-US" sz="4400" dirty="0">
-              <a:solidFill>
-                <a:schemeClr val="tx1">
-                  <a:lumMod val="75000"/>
-                  <a:lumOff val="25000"/>
-                </a:schemeClr>
-              </a:solidFill>
-            </a:endParaRPr>
-          </a:p>
-        </p:txBody>
-      </p:sp>
-      <p:sp>
-        <p:nvSpPr>
-          <p:cNvPr id="3" name="슬라이드 번호 개체 틀 2"/>
-          <p:cNvSpPr>
-            <a:spLocks noGrp="1"/>
-          </p:cNvSpPr>
-          <p:nvPr>
-            <p:ph type="sldNum" sz="quarter" idx="12"/>
-          </p:nvPr>
-        </p:nvSpPr>
-        <p:spPr/>
-        <p:txBody>
-          <a:bodyPr/>
-          <a:lstStyle/>
-          <a:p>
-            <a:fld id="{6DDAE2C3-1A0B-474A-8CE8-AE55B8D9D4B1}" type="slidenum">
-              <a:rPr lang="ko-KR" altLang="en-US" smtClean="0"/>
-              <a:pPr/>
-              <a:t>23</a:t>
             </a:fld>
             <a:endParaRPr lang="ko-KR" altLang="en-US" dirty="0"/>
           </a:p>
@@ -6902,7 +4219,7 @@
 </p:sld>
 </file>
 
-<file path=ppt/slides/slide24.xml><?xml version="1.0" encoding="utf-8"?>
+<file path=ppt/slides/slide11.xml><?xml version="1.0" encoding="utf-8"?>
 <p:sld xmlns:a="http://schemas.openxmlformats.org/drawingml/2006/main" xmlns:r="http://schemas.openxmlformats.org/officeDocument/2006/relationships" xmlns:p="http://schemas.openxmlformats.org/presentationml/2006/main">
   <p:cSld>
     <p:spTree>
@@ -6997,7 +4314,7 @@
             <a:fld id="{6DDAE2C3-1A0B-474A-8CE8-AE55B8D9D4B1}" type="slidenum">
               <a:rPr lang="ko-KR" altLang="en-US" smtClean="0"/>
               <a:pPr/>
-              <a:t>24</a:t>
+              <a:t>11</a:t>
             </a:fld>
             <a:endParaRPr lang="ko-KR" altLang="en-US" dirty="0"/>
           </a:p>
@@ -7046,7 +4363,7 @@
 </p:sld>
 </file>
 
-<file path=ppt/slides/slide25.xml><?xml version="1.0" encoding="utf-8"?>
+<file path=ppt/slides/slide12.xml><?xml version="1.0" encoding="utf-8"?>
 <p:sld xmlns:a="http://schemas.openxmlformats.org/drawingml/2006/main" xmlns:r="http://schemas.openxmlformats.org/officeDocument/2006/relationships" xmlns:p="http://schemas.openxmlformats.org/presentationml/2006/main">
   <p:cSld>
     <p:spTree>
@@ -7141,7 +4458,7 @@
             <a:fld id="{6DDAE2C3-1A0B-474A-8CE8-AE55B8D9D4B1}" type="slidenum">
               <a:rPr lang="ko-KR" altLang="en-US" smtClean="0"/>
               <a:pPr/>
-              <a:t>25</a:t>
+              <a:t>12</a:t>
             </a:fld>
             <a:endParaRPr lang="ko-KR" altLang="en-US" dirty="0"/>
           </a:p>
@@ -7190,7 +4507,7 @@
 </p:sld>
 </file>
 
-<file path=ppt/slides/slide26.xml><?xml version="1.0" encoding="utf-8"?>
+<file path=ppt/slides/slide13.xml><?xml version="1.0" encoding="utf-8"?>
 <p:sld xmlns:a="http://schemas.openxmlformats.org/drawingml/2006/main" xmlns:r="http://schemas.openxmlformats.org/officeDocument/2006/relationships" xmlns:p="http://schemas.openxmlformats.org/presentationml/2006/main">
   <p:cSld>
     <p:spTree>
@@ -7285,7 +4602,7 @@
             <a:fld id="{6DDAE2C3-1A0B-474A-8CE8-AE55B8D9D4B1}" type="slidenum">
               <a:rPr lang="ko-KR" altLang="en-US" smtClean="0"/>
               <a:pPr/>
-              <a:t>26</a:t>
+              <a:t>13</a:t>
             </a:fld>
             <a:endParaRPr lang="ko-KR" altLang="en-US" dirty="0"/>
           </a:p>
@@ -7334,7 +4651,7 @@
 </p:sld>
 </file>
 
-<file path=ppt/slides/slide27.xml><?xml version="1.0" encoding="utf-8"?>
+<file path=ppt/slides/slide14.xml><?xml version="1.0" encoding="utf-8"?>
 <p:sld xmlns:a="http://schemas.openxmlformats.org/drawingml/2006/main" xmlns:r="http://schemas.openxmlformats.org/officeDocument/2006/relationships" xmlns:p="http://schemas.openxmlformats.org/presentationml/2006/main">
   <p:cSld>
     <p:spTree>
@@ -7454,7 +4771,7 @@
             <a:fld id="{6DDAE2C3-1A0B-474A-8CE8-AE55B8D9D4B1}" type="slidenum">
               <a:rPr lang="ko-KR" altLang="en-US" smtClean="0"/>
               <a:pPr/>
-              <a:t>27</a:t>
+              <a:t>14</a:t>
             </a:fld>
             <a:endParaRPr lang="ko-KR" altLang="en-US" dirty="0"/>
           </a:p>
@@ -7503,7 +4820,7 @@
 </p:sld>
 </file>
 
-<file path=ppt/slides/slide28.xml><?xml version="1.0" encoding="utf-8"?>
+<file path=ppt/slides/slide15.xml><?xml version="1.0" encoding="utf-8"?>
 <p:sld xmlns:a="http://schemas.openxmlformats.org/drawingml/2006/main" xmlns:r="http://schemas.openxmlformats.org/officeDocument/2006/relationships" xmlns:p="http://schemas.openxmlformats.org/presentationml/2006/main">
   <p:cSld>
     <p:spTree>
@@ -7623,7 +4940,7 @@
             <a:fld id="{6DDAE2C3-1A0B-474A-8CE8-AE55B8D9D4B1}" type="slidenum">
               <a:rPr lang="ko-KR" altLang="en-US" smtClean="0"/>
               <a:pPr/>
-              <a:t>28</a:t>
+              <a:t>15</a:t>
             </a:fld>
             <a:endParaRPr lang="ko-KR" altLang="en-US" dirty="0"/>
           </a:p>
@@ -7672,7 +4989,7 @@
 </p:sld>
 </file>
 
-<file path=ppt/slides/slide29.xml><?xml version="1.0" encoding="utf-8"?>
+<file path=ppt/slides/slide16.xml><?xml version="1.0" encoding="utf-8"?>
 <p:sld xmlns:a="http://schemas.openxmlformats.org/drawingml/2006/main" xmlns:r="http://schemas.openxmlformats.org/officeDocument/2006/relationships" xmlns:p="http://schemas.openxmlformats.org/presentationml/2006/main">
   <p:cSld>
     <p:spTree>
@@ -7767,7 +5084,7 @@
             <a:fld id="{6DDAE2C3-1A0B-474A-8CE8-AE55B8D9D4B1}" type="slidenum">
               <a:rPr lang="ko-KR" altLang="en-US" smtClean="0"/>
               <a:pPr/>
-              <a:t>29</a:t>
+              <a:t>16</a:t>
             </a:fld>
             <a:endParaRPr lang="ko-KR" altLang="en-US" dirty="0"/>
           </a:p>
@@ -7816,7 +5133,7 @@
 </p:sld>
 </file>
 
-<file path=ppt/slides/slide3.xml><?xml version="1.0" encoding="utf-8"?>
+<file path=ppt/slides/slide17.xml><?xml version="1.0" encoding="utf-8"?>
 <p:sld xmlns:a="http://schemas.openxmlformats.org/drawingml/2006/main" xmlns:r="http://schemas.openxmlformats.org/officeDocument/2006/relationships" xmlns:p="http://schemas.openxmlformats.org/presentationml/2006/main">
   <p:cSld>
     <p:spTree>
@@ -7851,7 +5168,7 @@
         </p:spPr>
         <p:txBody>
           <a:bodyPr>
-            <a:normAutofit fontScale="90000"/>
+            <a:normAutofit/>
           </a:bodyPr>
           <a:lstStyle/>
           <a:p>
@@ -7880,32 +5197,7 @@
                 <a:latin typeface="Noto Sans CJK KR Black" pitchFamily="34" charset="-127"/>
                 <a:ea typeface="Noto Sans CJK KR Black" pitchFamily="34" charset="-127"/>
               </a:rPr>
-              <a:t>시계열 </a:t>
-            </a:r>
-            <a:br>
-              <a:rPr lang="en-US" altLang="ko-KR" sz="4400" dirty="0">
-                <a:solidFill>
-                  <a:schemeClr val="tx1">
-                    <a:lumMod val="75000"/>
-                    <a:lumOff val="25000"/>
-                  </a:schemeClr>
-                </a:solidFill>
-                <a:latin typeface="Noto Sans CJK KR Black" pitchFamily="34" charset="-127"/>
-                <a:ea typeface="Noto Sans CJK KR Black" pitchFamily="34" charset="-127"/>
-              </a:rPr>
-            </a:br>
-            <a:r>
-              <a:rPr lang="ko-KR" altLang="en-US" sz="4400" dirty="0">
-                <a:solidFill>
-                  <a:schemeClr val="tx1">
-                    <a:lumMod val="75000"/>
-                    <a:lumOff val="25000"/>
-                  </a:schemeClr>
-                </a:solidFill>
-                <a:latin typeface="Noto Sans CJK KR Black" pitchFamily="34" charset="-127"/>
-                <a:ea typeface="Noto Sans CJK KR Black" pitchFamily="34" charset="-127"/>
-              </a:rPr>
-              <a:t>분석</a:t>
+              <a:t>시계열 분석</a:t>
             </a:r>
             <a:endParaRPr lang="ko-KR" altLang="en-US" sz="4400" dirty="0">
               <a:solidFill>
@@ -7936,151 +5228,7 @@
             <a:fld id="{6DDAE2C3-1A0B-474A-8CE8-AE55B8D9D4B1}" type="slidenum">
               <a:rPr lang="ko-KR" altLang="en-US" smtClean="0"/>
               <a:pPr/>
-              <a:t>3</a:t>
-            </a:fld>
-            <a:endParaRPr lang="ko-KR" altLang="en-US" dirty="0"/>
-          </a:p>
-        </p:txBody>
-      </p:sp>
-      <p:pic>
-        <p:nvPicPr>
-          <p:cNvPr id="2" name="그림 1">
-            <a:extLst>
-              <a:ext uri="{FF2B5EF4-FFF2-40B4-BE49-F238E27FC236}">
-                <a16:creationId xmlns:a16="http://schemas.microsoft.com/office/drawing/2014/main" id="{16C19AC7-BAA3-4F16-90E6-D8B648F2EA49}"/>
-              </a:ext>
-            </a:extLst>
-          </p:cNvPr>
-          <p:cNvPicPr>
-            <a:picLocks noChangeAspect="1"/>
-          </p:cNvPicPr>
-          <p:nvPr/>
-        </p:nvPicPr>
-        <p:blipFill>
-          <a:blip r:embed="rId2"/>
-          <a:stretch>
-            <a:fillRect/>
-          </a:stretch>
-        </p:blipFill>
-        <p:spPr>
-          <a:xfrm>
-            <a:off x="3997071" y="630793"/>
-            <a:ext cx="8001000" cy="5753100"/>
-          </a:xfrm>
-          <a:prstGeom prst="rect">
-            <a:avLst/>
-          </a:prstGeom>
-        </p:spPr>
-      </p:pic>
-    </p:spTree>
-    <p:extLst>
-      <p:ext uri="{BB962C8B-B14F-4D97-AF65-F5344CB8AC3E}">
-        <p14:creationId xmlns:p14="http://schemas.microsoft.com/office/powerpoint/2010/main" val="2046635771"/>
-      </p:ext>
-    </p:extLst>
-  </p:cSld>
-  <p:clrMapOvr>
-    <a:masterClrMapping/>
-  </p:clrMapOvr>
-</p:sld>
-</file>
-
-<file path=ppt/slides/slide30.xml><?xml version="1.0" encoding="utf-8"?>
-<p:sld xmlns:a="http://schemas.openxmlformats.org/drawingml/2006/main" xmlns:r="http://schemas.openxmlformats.org/officeDocument/2006/relationships" xmlns:p="http://schemas.openxmlformats.org/presentationml/2006/main">
-  <p:cSld>
-    <p:spTree>
-      <p:nvGrpSpPr>
-        <p:cNvPr id="1" name=""/>
-        <p:cNvGrpSpPr/>
-        <p:nvPr/>
-      </p:nvGrpSpPr>
-      <p:grpSpPr>
-        <a:xfrm>
-          <a:off x="0" y="0"/>
-          <a:ext cx="0" cy="0"/>
-          <a:chOff x="0" y="0"/>
-          <a:chExt cx="0" cy="0"/>
-        </a:xfrm>
-      </p:grpSpPr>
-      <p:sp>
-        <p:nvSpPr>
-          <p:cNvPr id="5" name="제목 4"/>
-          <p:cNvSpPr>
-            <a:spLocks noGrp="1"/>
-          </p:cNvSpPr>
-          <p:nvPr>
-            <p:ph type="title"/>
-          </p:nvPr>
-        </p:nvSpPr>
-        <p:spPr>
-          <a:xfrm>
-            <a:off x="608012" y="539949"/>
-            <a:ext cx="10944225" cy="1140090"/>
-          </a:xfrm>
-        </p:spPr>
-        <p:txBody>
-          <a:bodyPr>
-            <a:normAutofit/>
-          </a:bodyPr>
-          <a:lstStyle/>
-          <a:p>
-            <a:pPr algn="l"/>
-            <a:r>
-              <a:rPr lang="en-US" altLang="ko-KR" sz="4400" dirty="0">
-                <a:solidFill>
-                  <a:schemeClr val="tx1">
-                    <a:lumMod val="75000"/>
-                    <a:lumOff val="25000"/>
-                  </a:schemeClr>
-                </a:solidFill>
-                <a:latin typeface="Noto Sans CJK KR Black" pitchFamily="34" charset="-127"/>
-                <a:ea typeface="Noto Sans CJK KR Black" pitchFamily="34" charset="-127"/>
-              </a:rPr>
-              <a:t>4. </a:t>
-            </a:r>
-            <a:r>
-              <a:rPr lang="ko-KR" altLang="en-US" sz="4400" dirty="0">
-                <a:solidFill>
-                  <a:schemeClr val="tx1">
-                    <a:lumMod val="75000"/>
-                    <a:lumOff val="25000"/>
-                  </a:schemeClr>
-                </a:solidFill>
-                <a:latin typeface="Noto Sans CJK KR Black" pitchFamily="34" charset="-127"/>
-                <a:ea typeface="Noto Sans CJK KR Black" pitchFamily="34" charset="-127"/>
-              </a:rPr>
-              <a:t>시계열 분석</a:t>
-            </a:r>
-            <a:endParaRPr lang="ko-KR" altLang="en-US" sz="4400" dirty="0">
-              <a:solidFill>
-                <a:schemeClr val="tx1">
-                  <a:lumMod val="75000"/>
-                  <a:lumOff val="25000"/>
-                </a:schemeClr>
-              </a:solidFill>
-            </a:endParaRPr>
-          </a:p>
-        </p:txBody>
-      </p:sp>
-      <p:sp>
-        <p:nvSpPr>
-          <p:cNvPr id="3" name="슬라이드 번호 개체 틀 2"/>
-          <p:cNvSpPr>
-            <a:spLocks noGrp="1"/>
-          </p:cNvSpPr>
-          <p:nvPr>
-            <p:ph type="sldNum" sz="quarter" idx="12"/>
-          </p:nvPr>
-        </p:nvSpPr>
-        <p:spPr/>
-        <p:txBody>
-          <a:bodyPr/>
-          <a:lstStyle/>
-          <a:p>
-            <a:fld id="{6DDAE2C3-1A0B-474A-8CE8-AE55B8D9D4B1}" type="slidenum">
-              <a:rPr lang="ko-KR" altLang="en-US" smtClean="0"/>
-              <a:pPr/>
-              <a:t>30</a:t>
+              <a:t>17</a:t>
             </a:fld>
             <a:endParaRPr lang="ko-KR" altLang="en-US" dirty="0"/>
           </a:p>
@@ -8129,7 +5277,7 @@
 </p:sld>
 </file>
 
-<file path=ppt/slides/slide31.xml><?xml version="1.0" encoding="utf-8"?>
+<file path=ppt/slides/slide18.xml><?xml version="1.0" encoding="utf-8"?>
 <p:sld xmlns:a="http://schemas.openxmlformats.org/drawingml/2006/main" xmlns:r="http://schemas.openxmlformats.org/officeDocument/2006/relationships" xmlns:p="http://schemas.openxmlformats.org/presentationml/2006/main">
   <p:cSld>
     <p:spTree>
@@ -8224,7 +5372,7 @@
             <a:fld id="{6DDAE2C3-1A0B-474A-8CE8-AE55B8D9D4B1}" type="slidenum">
               <a:rPr lang="ko-KR" altLang="en-US" smtClean="0"/>
               <a:pPr/>
-              <a:t>31</a:t>
+              <a:t>18</a:t>
             </a:fld>
             <a:endParaRPr lang="ko-KR" altLang="en-US" dirty="0"/>
           </a:p>
@@ -8273,7 +5421,7 @@
 </p:sld>
 </file>
 
-<file path=ppt/slides/slide32.xml><?xml version="1.0" encoding="utf-8"?>
+<file path=ppt/slides/slide19.xml><?xml version="1.0" encoding="utf-8"?>
 <p:sld xmlns:a="http://schemas.openxmlformats.org/drawingml/2006/main" xmlns:r="http://schemas.openxmlformats.org/officeDocument/2006/relationships" xmlns:p="http://schemas.openxmlformats.org/presentationml/2006/main">
   <p:cSld>
     <p:spTree>
@@ -8368,7 +5516,7 @@
             <a:fld id="{6DDAE2C3-1A0B-474A-8CE8-AE55B8D9D4B1}" type="slidenum">
               <a:rPr lang="ko-KR" altLang="en-US" smtClean="0"/>
               <a:pPr/>
-              <a:t>32</a:t>
+              <a:t>19</a:t>
             </a:fld>
             <a:endParaRPr lang="ko-KR" altLang="en-US" dirty="0"/>
           </a:p>
@@ -8417,7 +5565,649 @@
 </p:sld>
 </file>
 
-<file path=ppt/slides/slide33.xml><?xml version="1.0" encoding="utf-8"?>
+<file path=ppt/slides/slide2.xml><?xml version="1.0" encoding="utf-8"?>
+<p:sld xmlns:a="http://schemas.openxmlformats.org/drawingml/2006/main" xmlns:r="http://schemas.openxmlformats.org/officeDocument/2006/relationships" xmlns:p="http://schemas.openxmlformats.org/presentationml/2006/main">
+  <p:cSld>
+    <p:bg>
+      <p:bgPr>
+        <a:solidFill>
+          <a:schemeClr val="bg1">
+            <a:lumMod val="65000"/>
+          </a:schemeClr>
+        </a:solidFill>
+        <a:effectLst/>
+      </p:bgPr>
+    </p:bg>
+    <p:spTree>
+      <p:nvGrpSpPr>
+        <p:cNvPr id="1" name=""/>
+        <p:cNvGrpSpPr/>
+        <p:nvPr/>
+      </p:nvGrpSpPr>
+      <p:grpSpPr>
+        <a:xfrm>
+          <a:off x="0" y="0"/>
+          <a:ext cx="0" cy="0"/>
+          <a:chOff x="0" y="0"/>
+          <a:chExt cx="0" cy="0"/>
+        </a:xfrm>
+      </p:grpSpPr>
+      <p:pic>
+        <p:nvPicPr>
+          <p:cNvPr id="3" name="그림 2">
+            <a:extLst>
+              <a:ext uri="{FF2B5EF4-FFF2-40B4-BE49-F238E27FC236}">
+                <a16:creationId xmlns:a16="http://schemas.microsoft.com/office/drawing/2014/main" id="{E6834077-1BEE-4C6D-BFC7-0BDA407D7206}"/>
+              </a:ext>
+            </a:extLst>
+          </p:cNvPr>
+          <p:cNvPicPr>
+            <a:picLocks noChangeAspect="1"/>
+          </p:cNvPicPr>
+          <p:nvPr/>
+        </p:nvPicPr>
+        <p:blipFill>
+          <a:blip r:embed="rId3"/>
+          <a:stretch>
+            <a:fillRect/>
+          </a:stretch>
+        </p:blipFill>
+        <p:spPr>
+          <a:xfrm>
+            <a:off x="4435475" y="19844"/>
+            <a:ext cx="7724775" cy="6800850"/>
+          </a:xfrm>
+          <a:prstGeom prst="rect">
+            <a:avLst/>
+          </a:prstGeom>
+        </p:spPr>
+      </p:pic>
+      <p:sp>
+        <p:nvSpPr>
+          <p:cNvPr id="4" name="슬라이드 번호 개체 틀 3"/>
+          <p:cNvSpPr>
+            <a:spLocks noGrp="1"/>
+          </p:cNvSpPr>
+          <p:nvPr>
+            <p:ph type="sldNum" sz="quarter" idx="12"/>
+          </p:nvPr>
+        </p:nvSpPr>
+        <p:spPr/>
+        <p:txBody>
+          <a:bodyPr/>
+          <a:lstStyle/>
+          <a:p>
+            <a:pPr marL="0" marR="0" lvl="0" indent="0" algn="r" defTabSz="1107796" rtl="0" eaLnBrk="1" fontAlgn="auto" latinLnBrk="1" hangingPunct="1">
+              <a:lnSpc>
+                <a:spcPct val="100000"/>
+              </a:lnSpc>
+              <a:spcBef>
+                <a:spcPts val="0"/>
+              </a:spcBef>
+              <a:spcAft>
+                <a:spcPts val="0"/>
+              </a:spcAft>
+              <a:buClrTx/>
+              <a:buSzTx/>
+              <a:buFontTx/>
+              <a:buNone/>
+              <a:tabLst/>
+              <a:defRPr/>
+            </a:pPr>
+            <a:fld id="{6DDAE2C3-1A0B-474A-8CE8-AE55B8D9D4B1}" type="slidenum">
+              <a:rPr kumimoji="0" lang="ko-KR" altLang="en-US" sz="900" b="0" i="0" u="none" strike="noStrike" kern="1200" cap="none" spc="0" normalizeH="0" baseline="0" noProof="0" smtClean="0">
+                <a:ln>
+                  <a:noFill/>
+                </a:ln>
+                <a:solidFill>
+                  <a:prstClr val="black">
+                    <a:tint val="75000"/>
+                  </a:prstClr>
+                </a:solidFill>
+                <a:effectLst/>
+                <a:uLnTx/>
+                <a:uFillTx/>
+                <a:ea typeface="Noto Sans CJK KR Bold" panose="020B0800000000000000" pitchFamily="34" charset="-127"/>
+                <a:cs typeface="+mn-cs"/>
+              </a:rPr>
+              <a:pPr marL="0" marR="0" lvl="0" indent="0" algn="r" defTabSz="1107796" rtl="0" eaLnBrk="1" fontAlgn="auto" latinLnBrk="1" hangingPunct="1">
+                <a:lnSpc>
+                  <a:spcPct val="100000"/>
+                </a:lnSpc>
+                <a:spcBef>
+                  <a:spcPts val="0"/>
+                </a:spcBef>
+                <a:spcAft>
+                  <a:spcPts val="0"/>
+                </a:spcAft>
+                <a:buClrTx/>
+                <a:buSzTx/>
+                <a:buFontTx/>
+                <a:buNone/>
+                <a:tabLst/>
+                <a:defRPr/>
+              </a:pPr>
+              <a:t>2</a:t>
+            </a:fld>
+            <a:endParaRPr kumimoji="0" lang="ko-KR" altLang="en-US" sz="900" b="0" i="0" u="none" strike="noStrike" kern="1200" cap="none" spc="0" normalizeH="0" baseline="0" noProof="0" dirty="0">
+              <a:ln>
+                <a:noFill/>
+              </a:ln>
+              <a:solidFill>
+                <a:prstClr val="black">
+                  <a:tint val="75000"/>
+                </a:prstClr>
+              </a:solidFill>
+              <a:effectLst/>
+              <a:uLnTx/>
+              <a:uFillTx/>
+              <a:ea typeface="Noto Sans CJK KR Bold" panose="020B0800000000000000" pitchFamily="34" charset="-127"/>
+              <a:cs typeface="+mn-cs"/>
+            </a:endParaRPr>
+          </a:p>
+        </p:txBody>
+      </p:sp>
+      <p:sp>
+        <p:nvSpPr>
+          <p:cNvPr id="11" name="TextBox 10"/>
+          <p:cNvSpPr txBox="1"/>
+          <p:nvPr/>
+        </p:nvSpPr>
+        <p:spPr>
+          <a:xfrm>
+            <a:off x="542135" y="855851"/>
+            <a:ext cx="11298630" cy="2708434"/>
+          </a:xfrm>
+          <a:prstGeom prst="rect">
+            <a:avLst/>
+          </a:prstGeom>
+          <a:noFill/>
+        </p:spPr>
+        <p:txBody>
+          <a:bodyPr wrap="square" lIns="0" tIns="0" rIns="0" bIns="0" rtlCol="0" anchor="t">
+            <a:spAutoFit/>
+          </a:bodyPr>
+          <a:lstStyle/>
+          <a:p>
+            <a:pPr marL="0" marR="0" lvl="0" indent="0" algn="l" defTabSz="1107796" rtl="0" eaLnBrk="1" fontAlgn="auto" latinLnBrk="1" hangingPunct="1">
+              <a:lnSpc>
+                <a:spcPct val="100000"/>
+              </a:lnSpc>
+              <a:spcBef>
+                <a:spcPts val="0"/>
+              </a:spcBef>
+              <a:spcAft>
+                <a:spcPts val="0"/>
+              </a:spcAft>
+              <a:buClrTx/>
+              <a:buSzTx/>
+              <a:buFontTx/>
+              <a:buNone/>
+              <a:tabLst/>
+              <a:defRPr/>
+            </a:pPr>
+            <a:r>
+              <a:rPr lang="en-US" altLang="ko-KR" sz="4400" dirty="0">
+                <a:solidFill>
+                  <a:prstClr val="white"/>
+                </a:solidFill>
+                <a:latin typeface="Noto Sans CJK KR Black" panose="020B0A00000000000000" pitchFamily="34" charset="-127"/>
+                <a:ea typeface="Noto Sans CJK KR Black" panose="020B0A00000000000000" pitchFamily="34" charset="-127"/>
+              </a:rPr>
+              <a:t>4</a:t>
+            </a:r>
+            <a:r>
+              <a:rPr kumimoji="0" lang="ko-KR" altLang="en-US" sz="4400" b="0" i="0" u="none" strike="noStrike" kern="1200" cap="none" spc="0" normalizeH="0" baseline="0" noProof="0" dirty="0">
+                <a:ln>
+                  <a:noFill/>
+                </a:ln>
+                <a:solidFill>
+                  <a:prstClr val="white"/>
+                </a:solidFill>
+                <a:effectLst/>
+                <a:uLnTx/>
+                <a:uFillTx/>
+                <a:latin typeface="Noto Sans CJK KR Black" panose="020B0A00000000000000" pitchFamily="34" charset="-127"/>
+                <a:ea typeface="Noto Sans CJK KR Black" panose="020B0A00000000000000" pitchFamily="34" charset="-127"/>
+                <a:cs typeface="+mn-cs"/>
+              </a:rPr>
+              <a:t>주차 </a:t>
+            </a:r>
+            <a:endParaRPr kumimoji="0" lang="en-US" altLang="ko-KR" sz="4400" b="0" i="0" u="none" strike="noStrike" kern="1200" cap="none" spc="0" normalizeH="0" baseline="0" noProof="0" dirty="0">
+              <a:ln>
+                <a:noFill/>
+              </a:ln>
+              <a:solidFill>
+                <a:prstClr val="white"/>
+              </a:solidFill>
+              <a:effectLst/>
+              <a:uLnTx/>
+              <a:uFillTx/>
+              <a:latin typeface="Noto Sans CJK KR Black" panose="020B0A00000000000000" pitchFamily="34" charset="-127"/>
+              <a:ea typeface="Noto Sans CJK KR Black" panose="020B0A00000000000000" pitchFamily="34" charset="-127"/>
+              <a:cs typeface="+mn-cs"/>
+            </a:endParaRPr>
+          </a:p>
+          <a:p>
+            <a:pPr marL="0" marR="0" lvl="0" indent="0" algn="l" defTabSz="1107796" rtl="0" eaLnBrk="1" fontAlgn="auto" latinLnBrk="1" hangingPunct="1">
+              <a:lnSpc>
+                <a:spcPct val="100000"/>
+              </a:lnSpc>
+              <a:spcBef>
+                <a:spcPts val="0"/>
+              </a:spcBef>
+              <a:spcAft>
+                <a:spcPts val="0"/>
+              </a:spcAft>
+              <a:buClrTx/>
+              <a:buSzTx/>
+              <a:buFontTx/>
+              <a:buNone/>
+              <a:tabLst/>
+              <a:defRPr/>
+            </a:pPr>
+            <a:r>
+              <a:rPr kumimoji="0" lang="ko-KR" altLang="en-US" sz="4400" b="0" i="0" u="none" strike="noStrike" kern="1200" cap="none" spc="0" normalizeH="0" baseline="0" noProof="0" dirty="0">
+                <a:ln>
+                  <a:noFill/>
+                </a:ln>
+                <a:solidFill>
+                  <a:prstClr val="white"/>
+                </a:solidFill>
+                <a:effectLst/>
+                <a:uLnTx/>
+                <a:uFillTx/>
+                <a:latin typeface="Noto Sans CJK KR Black" panose="020B0A00000000000000" pitchFamily="34" charset="-127"/>
+                <a:ea typeface="Noto Sans CJK KR Black" panose="020B0A00000000000000" pitchFamily="34" charset="-127"/>
+                <a:cs typeface="+mn-cs"/>
+              </a:rPr>
+              <a:t>강의의 목적</a:t>
+            </a:r>
+            <a:endParaRPr kumimoji="0" lang="en-US" altLang="ko-KR" sz="4400" b="0" i="0" u="none" strike="noStrike" kern="1200" cap="none" spc="0" normalizeH="0" baseline="0" noProof="0" dirty="0">
+              <a:ln>
+                <a:noFill/>
+              </a:ln>
+              <a:solidFill>
+                <a:prstClr val="white"/>
+              </a:solidFill>
+              <a:effectLst/>
+              <a:uLnTx/>
+              <a:uFillTx/>
+              <a:latin typeface="Noto Sans CJK KR Black" panose="020B0A00000000000000" pitchFamily="34" charset="-127"/>
+              <a:ea typeface="Noto Sans CJK KR Black" panose="020B0A00000000000000" pitchFamily="34" charset="-127"/>
+              <a:cs typeface="+mn-cs"/>
+            </a:endParaRPr>
+          </a:p>
+          <a:p>
+            <a:pPr marL="0" marR="0" lvl="0" indent="0" algn="l" defTabSz="1107796" rtl="0" eaLnBrk="1" fontAlgn="auto" latinLnBrk="1" hangingPunct="1">
+              <a:lnSpc>
+                <a:spcPct val="100000"/>
+              </a:lnSpc>
+              <a:spcBef>
+                <a:spcPts val="0"/>
+              </a:spcBef>
+              <a:spcAft>
+                <a:spcPts val="0"/>
+              </a:spcAft>
+              <a:buClrTx/>
+              <a:buSzTx/>
+              <a:buFontTx/>
+              <a:buNone/>
+              <a:tabLst/>
+              <a:defRPr/>
+            </a:pPr>
+            <a:endParaRPr kumimoji="0" lang="en-US" altLang="ko-KR" sz="4400" b="0" i="0" u="none" strike="noStrike" kern="1200" cap="none" spc="0" normalizeH="0" baseline="0" noProof="0" dirty="0">
+              <a:ln>
+                <a:noFill/>
+              </a:ln>
+              <a:solidFill>
+                <a:prstClr val="white"/>
+              </a:solidFill>
+              <a:effectLst/>
+              <a:uLnTx/>
+              <a:uFillTx/>
+              <a:latin typeface="Noto Sans CJK KR Black" panose="020B0A00000000000000" pitchFamily="34" charset="-127"/>
+              <a:ea typeface="Noto Sans CJK KR Black" panose="020B0A00000000000000" pitchFamily="34" charset="-127"/>
+              <a:cs typeface="+mn-cs"/>
+            </a:endParaRPr>
+          </a:p>
+          <a:p>
+            <a:pPr marL="0" marR="0" lvl="0" indent="0" algn="l" defTabSz="1107796" rtl="0" eaLnBrk="1" fontAlgn="auto" latinLnBrk="1" hangingPunct="1">
+              <a:lnSpc>
+                <a:spcPct val="100000"/>
+              </a:lnSpc>
+              <a:spcBef>
+                <a:spcPts val="0"/>
+              </a:spcBef>
+              <a:spcAft>
+                <a:spcPts val="0"/>
+              </a:spcAft>
+              <a:buClrTx/>
+              <a:buSzTx/>
+              <a:buFontTx/>
+              <a:buNone/>
+              <a:tabLst/>
+              <a:defRPr/>
+            </a:pPr>
+            <a:endParaRPr kumimoji="0" lang="en-US" altLang="ko-KR" sz="4400" b="0" i="0" u="none" strike="noStrike" kern="1200" cap="none" spc="0" normalizeH="0" baseline="0" noProof="0" dirty="0">
+              <a:ln>
+                <a:noFill/>
+              </a:ln>
+              <a:solidFill>
+                <a:prstClr val="white"/>
+              </a:solidFill>
+              <a:effectLst/>
+              <a:uLnTx/>
+              <a:uFillTx/>
+              <a:latin typeface="Noto Sans CJK KR Black" panose="020B0A00000000000000" pitchFamily="34" charset="-127"/>
+              <a:ea typeface="Noto Sans CJK KR Black" panose="020B0A00000000000000" pitchFamily="34" charset="-127"/>
+              <a:cs typeface="+mn-cs"/>
+            </a:endParaRPr>
+          </a:p>
+        </p:txBody>
+      </p:sp>
+      <p:sp>
+        <p:nvSpPr>
+          <p:cNvPr id="12" name="TextBox 11"/>
+          <p:cNvSpPr txBox="1"/>
+          <p:nvPr/>
+        </p:nvSpPr>
+        <p:spPr>
+          <a:xfrm>
+            <a:off x="4783981" y="611957"/>
+            <a:ext cx="7056784" cy="216726"/>
+          </a:xfrm>
+          <a:prstGeom prst="rect">
+            <a:avLst/>
+          </a:prstGeom>
+          <a:noFill/>
+        </p:spPr>
+        <p:txBody>
+          <a:bodyPr wrap="square" lIns="0" tIns="0" rIns="0" bIns="0" rtlCol="0" anchor="t">
+            <a:spAutoFit/>
+          </a:bodyPr>
+          <a:lstStyle/>
+          <a:p>
+            <a:pPr marL="0" marR="0" lvl="0" indent="0" algn="l" defTabSz="1107796" rtl="0" eaLnBrk="1" fontAlgn="auto" latinLnBrk="1" hangingPunct="1">
+              <a:lnSpc>
+                <a:spcPct val="150000"/>
+              </a:lnSpc>
+              <a:spcBef>
+                <a:spcPts val="0"/>
+              </a:spcBef>
+              <a:spcAft>
+                <a:spcPts val="0"/>
+              </a:spcAft>
+              <a:buClrTx/>
+              <a:buSzTx/>
+              <a:buFontTx/>
+              <a:buNone/>
+              <a:tabLst/>
+              <a:defRPr/>
+            </a:pPr>
+            <a:endParaRPr kumimoji="0" lang="en-US" altLang="ko-KR" sz="1050" b="0" i="0" u="none" strike="noStrike" kern="1200" cap="none" spc="0" normalizeH="0" baseline="0" noProof="0" dirty="0">
+              <a:ln>
+                <a:noFill/>
+              </a:ln>
+              <a:solidFill>
+                <a:prstClr val="white"/>
+              </a:solidFill>
+              <a:effectLst/>
+              <a:uLnTx/>
+              <a:uFillTx/>
+              <a:latin typeface="Noto Sans CJK KR Medium" panose="020B0600000000000000" pitchFamily="34" charset="-127"/>
+              <a:ea typeface="Noto Sans CJK KR Medium" panose="020B0600000000000000" pitchFamily="34" charset="-127"/>
+              <a:cs typeface="+mn-cs"/>
+            </a:endParaRPr>
+          </a:p>
+        </p:txBody>
+      </p:sp>
+      <p:sp>
+        <p:nvSpPr>
+          <p:cNvPr id="2" name="TextBox 1">
+            <a:extLst>
+              <a:ext uri="{FF2B5EF4-FFF2-40B4-BE49-F238E27FC236}">
+                <a16:creationId xmlns:a16="http://schemas.microsoft.com/office/drawing/2014/main" id="{8060EEAE-53E1-49A6-9042-250FCF40B0FE}"/>
+              </a:ext>
+            </a:extLst>
+          </p:cNvPr>
+          <p:cNvSpPr txBox="1"/>
+          <p:nvPr/>
+        </p:nvSpPr>
+        <p:spPr>
+          <a:xfrm>
+            <a:off x="4420964" y="4613135"/>
+            <a:ext cx="3876898" cy="2123658"/>
+          </a:xfrm>
+          <a:prstGeom prst="rect">
+            <a:avLst/>
+          </a:prstGeom>
+          <a:noFill/>
+          <a:ln w="38100">
+            <a:solidFill>
+              <a:srgbClr val="FF0000"/>
+            </a:solidFill>
+          </a:ln>
+        </p:spPr>
+        <p:txBody>
+          <a:bodyPr wrap="square" rtlCol="0">
+            <a:spAutoFit/>
+          </a:bodyPr>
+          <a:lstStyle/>
+          <a:p>
+            <a:pPr marL="0" marR="0" lvl="0" indent="0" algn="l" defTabSz="1107796" rtl="0" eaLnBrk="1" fontAlgn="auto" latinLnBrk="1" hangingPunct="1">
+              <a:lnSpc>
+                <a:spcPct val="100000"/>
+              </a:lnSpc>
+              <a:spcBef>
+                <a:spcPts val="0"/>
+              </a:spcBef>
+              <a:spcAft>
+                <a:spcPts val="0"/>
+              </a:spcAft>
+              <a:buClrTx/>
+              <a:buSzTx/>
+              <a:buFontTx/>
+              <a:buNone/>
+              <a:tabLst/>
+              <a:defRPr/>
+            </a:pPr>
+            <a:endParaRPr kumimoji="0" lang="en-US" altLang="ko-KR" sz="2200" b="0" i="0" u="none" strike="noStrike" kern="1200" cap="none" spc="0" normalizeH="0" baseline="0" noProof="0" dirty="0">
+              <a:ln>
+                <a:noFill/>
+              </a:ln>
+              <a:solidFill>
+                <a:prstClr val="black"/>
+              </a:solidFill>
+              <a:effectLst/>
+              <a:uLnTx/>
+              <a:uFillTx/>
+              <a:latin typeface="맑은 고딕"/>
+              <a:ea typeface="맑은 고딕" panose="020B0503020000020004" pitchFamily="50" charset="-127"/>
+              <a:cs typeface="+mn-cs"/>
+            </a:endParaRPr>
+          </a:p>
+          <a:p>
+            <a:pPr marL="0" marR="0" lvl="0" indent="0" algn="l" defTabSz="1107796" rtl="0" eaLnBrk="1" fontAlgn="auto" latinLnBrk="1" hangingPunct="1">
+              <a:lnSpc>
+                <a:spcPct val="100000"/>
+              </a:lnSpc>
+              <a:spcBef>
+                <a:spcPts val="0"/>
+              </a:spcBef>
+              <a:spcAft>
+                <a:spcPts val="0"/>
+              </a:spcAft>
+              <a:buClrTx/>
+              <a:buSzTx/>
+              <a:buFontTx/>
+              <a:buNone/>
+              <a:tabLst/>
+              <a:defRPr/>
+            </a:pPr>
+            <a:endParaRPr kumimoji="0" lang="en-US" altLang="ko-KR" sz="2200" b="0" i="0" u="none" strike="noStrike" kern="1200" cap="none" spc="0" normalizeH="0" baseline="0" noProof="0" dirty="0">
+              <a:ln>
+                <a:noFill/>
+              </a:ln>
+              <a:solidFill>
+                <a:prstClr val="black"/>
+              </a:solidFill>
+              <a:effectLst/>
+              <a:uLnTx/>
+              <a:uFillTx/>
+              <a:latin typeface="맑은 고딕"/>
+              <a:ea typeface="맑은 고딕" panose="020B0503020000020004" pitchFamily="50" charset="-127"/>
+              <a:cs typeface="+mn-cs"/>
+            </a:endParaRPr>
+          </a:p>
+          <a:p>
+            <a:pPr marL="0" marR="0" lvl="0" indent="0" algn="l" defTabSz="1107796" rtl="0" eaLnBrk="1" fontAlgn="auto" latinLnBrk="1" hangingPunct="1">
+              <a:lnSpc>
+                <a:spcPct val="100000"/>
+              </a:lnSpc>
+              <a:spcBef>
+                <a:spcPts val="0"/>
+              </a:spcBef>
+              <a:spcAft>
+                <a:spcPts val="0"/>
+              </a:spcAft>
+              <a:buClrTx/>
+              <a:buSzTx/>
+              <a:buFontTx/>
+              <a:buNone/>
+              <a:tabLst/>
+              <a:defRPr/>
+            </a:pPr>
+            <a:endParaRPr kumimoji="0" lang="en-US" altLang="ko-KR" sz="2200" b="0" i="0" u="none" strike="noStrike" kern="1200" cap="none" spc="0" normalizeH="0" baseline="0" noProof="0" dirty="0">
+              <a:ln>
+                <a:noFill/>
+              </a:ln>
+              <a:solidFill>
+                <a:prstClr val="black"/>
+              </a:solidFill>
+              <a:effectLst/>
+              <a:uLnTx/>
+              <a:uFillTx/>
+              <a:latin typeface="맑은 고딕"/>
+              <a:ea typeface="맑은 고딕" panose="020B0503020000020004" pitchFamily="50" charset="-127"/>
+              <a:cs typeface="+mn-cs"/>
+            </a:endParaRPr>
+          </a:p>
+          <a:p>
+            <a:pPr marL="0" marR="0" lvl="0" indent="0" algn="l" defTabSz="1107796" rtl="0" eaLnBrk="1" fontAlgn="auto" latinLnBrk="1" hangingPunct="1">
+              <a:lnSpc>
+                <a:spcPct val="100000"/>
+              </a:lnSpc>
+              <a:spcBef>
+                <a:spcPts val="0"/>
+              </a:spcBef>
+              <a:spcAft>
+                <a:spcPts val="0"/>
+              </a:spcAft>
+              <a:buClrTx/>
+              <a:buSzTx/>
+              <a:buFontTx/>
+              <a:buNone/>
+              <a:tabLst/>
+              <a:defRPr/>
+            </a:pPr>
+            <a:endParaRPr kumimoji="0" lang="en-US" altLang="ko-KR" sz="2200" b="0" i="0" u="none" strike="noStrike" kern="1200" cap="none" spc="0" normalizeH="0" baseline="0" noProof="0" dirty="0">
+              <a:ln>
+                <a:noFill/>
+              </a:ln>
+              <a:solidFill>
+                <a:prstClr val="black"/>
+              </a:solidFill>
+              <a:effectLst/>
+              <a:uLnTx/>
+              <a:uFillTx/>
+              <a:latin typeface="맑은 고딕"/>
+              <a:ea typeface="맑은 고딕" panose="020B0503020000020004" pitchFamily="50" charset="-127"/>
+              <a:cs typeface="+mn-cs"/>
+            </a:endParaRPr>
+          </a:p>
+          <a:p>
+            <a:pPr marL="0" marR="0" lvl="0" indent="0" algn="l" defTabSz="1107796" rtl="0" eaLnBrk="1" fontAlgn="auto" latinLnBrk="1" hangingPunct="1">
+              <a:lnSpc>
+                <a:spcPct val="100000"/>
+              </a:lnSpc>
+              <a:spcBef>
+                <a:spcPts val="0"/>
+              </a:spcBef>
+              <a:spcAft>
+                <a:spcPts val="0"/>
+              </a:spcAft>
+              <a:buClrTx/>
+              <a:buSzTx/>
+              <a:buFontTx/>
+              <a:buNone/>
+              <a:tabLst/>
+              <a:defRPr/>
+            </a:pPr>
+            <a:endParaRPr kumimoji="0" lang="en-US" altLang="ko-KR" sz="2200" b="0" i="0" u="none" strike="noStrike" kern="1200" cap="none" spc="0" normalizeH="0" baseline="0" noProof="0" dirty="0">
+              <a:ln>
+                <a:noFill/>
+              </a:ln>
+              <a:solidFill>
+                <a:prstClr val="black"/>
+              </a:solidFill>
+              <a:effectLst/>
+              <a:uLnTx/>
+              <a:uFillTx/>
+              <a:latin typeface="맑은 고딕"/>
+              <a:ea typeface="맑은 고딕" panose="020B0503020000020004" pitchFamily="50" charset="-127"/>
+              <a:cs typeface="+mn-cs"/>
+            </a:endParaRPr>
+          </a:p>
+          <a:p>
+            <a:pPr marL="0" marR="0" lvl="0" indent="0" algn="l" defTabSz="1107796" rtl="0" eaLnBrk="1" fontAlgn="auto" latinLnBrk="1" hangingPunct="1">
+              <a:lnSpc>
+                <a:spcPct val="100000"/>
+              </a:lnSpc>
+              <a:spcBef>
+                <a:spcPts val="0"/>
+              </a:spcBef>
+              <a:spcAft>
+                <a:spcPts val="0"/>
+              </a:spcAft>
+              <a:buClrTx/>
+              <a:buSzTx/>
+              <a:buFontTx/>
+              <a:buNone/>
+              <a:tabLst/>
+              <a:defRPr/>
+            </a:pPr>
+            <a:endParaRPr kumimoji="0" lang="ko-KR" altLang="en-US" sz="2200" b="0" i="0" u="none" strike="noStrike" kern="1200" cap="none" spc="0" normalizeH="0" baseline="0" noProof="0" dirty="0">
+              <a:ln>
+                <a:noFill/>
+              </a:ln>
+              <a:solidFill>
+                <a:prstClr val="black"/>
+              </a:solidFill>
+              <a:effectLst/>
+              <a:uLnTx/>
+              <a:uFillTx/>
+              <a:latin typeface="맑은 고딕"/>
+              <a:ea typeface="맑은 고딕" panose="020B0503020000020004" pitchFamily="50" charset="-127"/>
+              <a:cs typeface="+mn-cs"/>
+            </a:endParaRPr>
+          </a:p>
+        </p:txBody>
+      </p:sp>
+    </p:spTree>
+    <p:extLst>
+      <p:ext uri="{BB962C8B-B14F-4D97-AF65-F5344CB8AC3E}">
+        <p14:creationId xmlns:p14="http://schemas.microsoft.com/office/powerpoint/2010/main" val="3071079874"/>
+      </p:ext>
+    </p:extLst>
+  </p:cSld>
+  <p:clrMapOvr>
+    <a:masterClrMapping/>
+  </p:clrMapOvr>
+</p:sld>
+</file>
+
+<file path=ppt/slides/slide20.xml><?xml version="1.0" encoding="utf-8"?>
 <p:sld xmlns:a="http://schemas.openxmlformats.org/drawingml/2006/main" xmlns:r="http://schemas.openxmlformats.org/officeDocument/2006/relationships" xmlns:p="http://schemas.openxmlformats.org/presentationml/2006/main">
   <p:cSld>
     <p:spTree>
@@ -8512,7 +6302,7 @@
             <a:fld id="{6DDAE2C3-1A0B-474A-8CE8-AE55B8D9D4B1}" type="slidenum">
               <a:rPr lang="ko-KR" altLang="en-US" smtClean="0"/>
               <a:pPr/>
-              <a:t>33</a:t>
+              <a:t>20</a:t>
             </a:fld>
             <a:endParaRPr lang="ko-KR" altLang="en-US" dirty="0"/>
           </a:p>
@@ -8561,7 +6351,7 @@
 </p:sld>
 </file>
 
-<file path=ppt/slides/slide34.xml><?xml version="1.0" encoding="utf-8"?>
+<file path=ppt/slides/slide21.xml><?xml version="1.0" encoding="utf-8"?>
 <p:sld xmlns:a="http://schemas.openxmlformats.org/drawingml/2006/main" xmlns:r="http://schemas.openxmlformats.org/officeDocument/2006/relationships" xmlns:p="http://schemas.openxmlformats.org/presentationml/2006/main">
   <p:cSld>
     <p:spTree>
@@ -8656,7 +6446,7 @@
             <a:fld id="{6DDAE2C3-1A0B-474A-8CE8-AE55B8D9D4B1}" type="slidenum">
               <a:rPr lang="ko-KR" altLang="en-US" smtClean="0"/>
               <a:pPr/>
-              <a:t>34</a:t>
+              <a:t>21</a:t>
             </a:fld>
             <a:endParaRPr lang="ko-KR" altLang="en-US" dirty="0"/>
           </a:p>
@@ -8705,7 +6495,7 @@
 </p:sld>
 </file>
 
-<file path=ppt/slides/slide35.xml><?xml version="1.0" encoding="utf-8"?>
+<file path=ppt/slides/slide22.xml><?xml version="1.0" encoding="utf-8"?>
 <p:sld xmlns:a="http://schemas.openxmlformats.org/drawingml/2006/main" xmlns:r="http://schemas.openxmlformats.org/officeDocument/2006/relationships" xmlns:p="http://schemas.openxmlformats.org/presentationml/2006/main">
   <p:cSld>
     <p:spTree>
@@ -8800,7 +6590,7 @@
             <a:fld id="{6DDAE2C3-1A0B-474A-8CE8-AE55B8D9D4B1}" type="slidenum">
               <a:rPr lang="ko-KR" altLang="en-US" smtClean="0"/>
               <a:pPr/>
-              <a:t>35</a:t>
+              <a:t>22</a:t>
             </a:fld>
             <a:endParaRPr lang="ko-KR" altLang="en-US" dirty="0"/>
           </a:p>
@@ -8849,7 +6639,7 @@
 </p:sld>
 </file>
 
-<file path=ppt/slides/slide36.xml><?xml version="1.0" encoding="utf-8"?>
+<file path=ppt/slides/slide23.xml><?xml version="1.0" encoding="utf-8"?>
 <p:sld xmlns:a="http://schemas.openxmlformats.org/drawingml/2006/main" xmlns:r="http://schemas.openxmlformats.org/officeDocument/2006/relationships" xmlns:p="http://schemas.openxmlformats.org/presentationml/2006/main">
   <p:cSld>
     <p:spTree>
@@ -8944,7 +6734,7 @@
             <a:fld id="{6DDAE2C3-1A0B-474A-8CE8-AE55B8D9D4B1}" type="slidenum">
               <a:rPr lang="ko-KR" altLang="en-US" smtClean="0"/>
               <a:pPr/>
-              <a:t>36</a:t>
+              <a:t>23</a:t>
             </a:fld>
             <a:endParaRPr lang="ko-KR" altLang="en-US" dirty="0"/>
           </a:p>
@@ -8993,7 +6783,7 @@
 </p:sld>
 </file>
 
-<file path=ppt/slides/slide37.xml><?xml version="1.0" encoding="utf-8"?>
+<file path=ppt/slides/slide24.xml><?xml version="1.0" encoding="utf-8"?>
 <p:sld xmlns:a="http://schemas.openxmlformats.org/drawingml/2006/main" xmlns:r="http://schemas.openxmlformats.org/officeDocument/2006/relationships" xmlns:p="http://schemas.openxmlformats.org/presentationml/2006/main">
   <p:cSld>
     <p:spTree>
@@ -9081,7 +6871,7 @@
                 <a:latin typeface="Noto Sans CJK KR Black" pitchFamily="34" charset="-127"/>
                 <a:ea typeface="Noto Sans CJK KR Black" pitchFamily="34" charset="-127"/>
               </a:rPr>
-              <a:t>1. </a:t>
+              <a:t>1. F</a:t>
             </a:r>
             <a:r>
               <a:rPr lang="ko-KR" altLang="en-US" sz="2400" dirty="0">
@@ -9094,10 +6884,10 @@
                 <a:latin typeface="Noto Sans CJK KR Black" pitchFamily="34" charset="-127"/>
                 <a:ea typeface="Noto Sans CJK KR Black" pitchFamily="34" charset="-127"/>
               </a:rPr>
-              <a:t>회귀분석</a:t>
-            </a:r>
-            <a:r>
-              <a:rPr lang="en-US" altLang="ko-KR" sz="2400" dirty="0">
+              <a:t>검정의 </a:t>
+            </a:r>
+            <a:r>
+              <a:rPr lang="ko-KR" altLang="en-US" sz="2400" dirty="0" err="1">
                 <a:solidFill>
                   <a:schemeClr val="tx1">
                     <a:lumMod val="75000"/>
@@ -9107,7 +6897,7 @@
                 <a:latin typeface="Noto Sans CJK KR Black" pitchFamily="34" charset="-127"/>
                 <a:ea typeface="Noto Sans CJK KR Black" pitchFamily="34" charset="-127"/>
               </a:rPr>
-              <a:t>(Linear Model)</a:t>
+              <a:t>귀무가설과</a:t>
             </a:r>
             <a:r>
               <a:rPr lang="ko-KR" altLang="en-US" sz="2400" dirty="0">
@@ -9120,7 +6910,7 @@
                 <a:latin typeface="Noto Sans CJK KR Black" pitchFamily="34" charset="-127"/>
                 <a:ea typeface="Noto Sans CJK KR Black" pitchFamily="34" charset="-127"/>
               </a:rPr>
-              <a:t>과 신경망분석</a:t>
+              <a:t> 대립가설을 설명하라</a:t>
             </a:r>
             <a:r>
               <a:rPr lang="en-US" altLang="ko-KR" sz="2400" dirty="0">
@@ -9133,59 +6923,7 @@
                 <a:latin typeface="Noto Sans CJK KR Black" pitchFamily="34" charset="-127"/>
                 <a:ea typeface="Noto Sans CJK KR Black" pitchFamily="34" charset="-127"/>
               </a:rPr>
-              <a:t>(Neural Network)</a:t>
-            </a:r>
-            <a:r>
-              <a:rPr lang="ko-KR" altLang="en-US" sz="2400" dirty="0">
-                <a:solidFill>
-                  <a:schemeClr val="tx1">
-                    <a:lumMod val="75000"/>
-                    <a:lumOff val="25000"/>
-                  </a:schemeClr>
-                </a:solidFill>
-                <a:latin typeface="Noto Sans CJK KR Black" pitchFamily="34" charset="-127"/>
-                <a:ea typeface="Noto Sans CJK KR Black" pitchFamily="34" charset="-127"/>
-              </a:rPr>
-              <a:t>의 비용함수</a:t>
-            </a:r>
-            <a:r>
-              <a:rPr lang="en-US" altLang="ko-KR" sz="2400" dirty="0">
-                <a:solidFill>
-                  <a:schemeClr val="tx1">
-                    <a:lumMod val="75000"/>
-                    <a:lumOff val="25000"/>
-                  </a:schemeClr>
-                </a:solidFill>
-                <a:latin typeface="Noto Sans CJK KR Black" pitchFamily="34" charset="-127"/>
-                <a:ea typeface="Noto Sans CJK KR Black" pitchFamily="34" charset="-127"/>
-              </a:rPr>
-              <a:t>(Cost)</a:t>
-            </a:r>
-            <a:r>
-              <a:rPr lang="ko-KR" altLang="en-US" sz="2400" dirty="0">
-                <a:solidFill>
-                  <a:schemeClr val="tx1">
-                    <a:lumMod val="75000"/>
-                    <a:lumOff val="25000"/>
-                  </a:schemeClr>
-                </a:solidFill>
-                <a:latin typeface="Noto Sans CJK KR Black" pitchFamily="34" charset="-127"/>
-                <a:ea typeface="Noto Sans CJK KR Black" pitchFamily="34" charset="-127"/>
-              </a:rPr>
-              <a:t>는 각각 무엇이며 차이를 설명하라</a:t>
-            </a:r>
-            <a:r>
-              <a:rPr lang="en-US" altLang="ko-KR" sz="2400" dirty="0">
-                <a:solidFill>
-                  <a:schemeClr val="tx1">
-                    <a:lumMod val="75000"/>
-                    <a:lumOff val="25000"/>
-                  </a:schemeClr>
-                </a:solidFill>
-                <a:latin typeface="Noto Sans CJK KR Black" pitchFamily="34" charset="-127"/>
-                <a:ea typeface="Noto Sans CJK KR Black" pitchFamily="34" charset="-127"/>
-              </a:rPr>
-              <a:t>.</a:t>
+              <a:t>. </a:t>
             </a:r>
             <a:br>
               <a:rPr lang="en-US" altLang="ko-KR" sz="2400" dirty="0">
@@ -9211,7 +6949,7 @@
                 <a:ea typeface="Noto Sans CJK KR Black" pitchFamily="34" charset="-127"/>
               </a:rPr>
             </a:br>
-            <a:br>
+            <a:r>
               <a:rPr lang="en-US" altLang="ko-KR" sz="2400" dirty="0">
                 <a:solidFill>
                   <a:schemeClr val="tx1">
@@ -9222,9 +6960,10 @@
                 <a:latin typeface="Noto Sans CJK KR Black" pitchFamily="34" charset="-127"/>
                 <a:ea typeface="Noto Sans CJK KR Black" pitchFamily="34" charset="-127"/>
               </a:rPr>
-            </a:br>
-            <a:r>
-              <a:rPr lang="en-US" altLang="ko-KR" sz="2400" dirty="0">
+              <a:t>2. </a:t>
+            </a:r>
+            <a:r>
+              <a:rPr lang="ko-KR" altLang="en-US" sz="2400" dirty="0">
                 <a:solidFill>
                   <a:schemeClr val="tx1">
                     <a:lumMod val="75000"/>
@@ -9234,10 +6973,10 @@
                 <a:latin typeface="Noto Sans CJK KR Black" pitchFamily="34" charset="-127"/>
                 <a:ea typeface="Noto Sans CJK KR Black" pitchFamily="34" charset="-127"/>
               </a:rPr>
-              <a:t>2. </a:t>
-            </a:r>
-            <a:r>
-              <a:rPr lang="ko-KR" altLang="en-US" sz="2400" dirty="0">
+              <a:t>시계열데이터가 정상성이어야 하는 이유는 무엇인가</a:t>
+            </a:r>
+            <a:r>
+              <a:rPr lang="en-US" altLang="ko-KR" sz="2400" dirty="0">
                 <a:solidFill>
                   <a:schemeClr val="tx1">
                     <a:lumMod val="75000"/>
@@ -9247,10 +6986,10 @@
                 <a:latin typeface="Noto Sans CJK KR Black" pitchFamily="34" charset="-127"/>
                 <a:ea typeface="Noto Sans CJK KR Black" pitchFamily="34" charset="-127"/>
               </a:rPr>
-              <a:t>시계열데이터가 정상성이어야 하는 이유는 무엇인가</a:t>
-            </a:r>
-            <a:r>
-              <a:rPr lang="en-US" altLang="ko-KR" sz="2400" dirty="0">
+              <a:t>? </a:t>
+            </a:r>
+            <a:r>
+              <a:rPr lang="ko-KR" altLang="en-US" sz="2400" dirty="0">
                 <a:solidFill>
                   <a:schemeClr val="tx1">
                     <a:lumMod val="75000"/>
@@ -9260,202 +6999,10 @@
                 <a:latin typeface="Noto Sans CJK KR Black" pitchFamily="34" charset="-127"/>
                 <a:ea typeface="Noto Sans CJK KR Black" pitchFamily="34" charset="-127"/>
               </a:rPr>
-              <a:t>? </a:t>
-            </a:r>
-            <a:r>
-              <a:rPr lang="ko-KR" altLang="en-US" sz="2400" dirty="0">
-                <a:solidFill>
-                  <a:schemeClr val="tx1">
-                    <a:lumMod val="75000"/>
-                    <a:lumOff val="25000"/>
-                  </a:schemeClr>
-                </a:solidFill>
-                <a:latin typeface="Noto Sans CJK KR Black" pitchFamily="34" charset="-127"/>
-                <a:ea typeface="Noto Sans CJK KR Black" pitchFamily="34" charset="-127"/>
-              </a:rPr>
               <a:t>그리고 정상성을 테스트하는 통계방법론은 무엇이 있는가</a:t>
             </a:r>
             <a:r>
-              <a:rPr lang="en-US" altLang="ko-KR" sz="2400" dirty="0">
-                <a:solidFill>
-                  <a:schemeClr val="tx1">
-                    <a:lumMod val="75000"/>
-                    <a:lumOff val="25000"/>
-                  </a:schemeClr>
-                </a:solidFill>
-                <a:latin typeface="Noto Sans CJK KR Black" pitchFamily="34" charset="-127"/>
-                <a:ea typeface="Noto Sans CJK KR Black" pitchFamily="34" charset="-127"/>
-              </a:rPr>
-              <a:t>?</a:t>
-            </a:r>
-            <a:br>
-              <a:rPr lang="en-US" altLang="ko-KR" sz="2400" dirty="0">
-                <a:solidFill>
-                  <a:schemeClr val="tx1">
-                    <a:lumMod val="75000"/>
-                    <a:lumOff val="25000"/>
-                  </a:schemeClr>
-                </a:solidFill>
-                <a:latin typeface="Noto Sans CJK KR Black" pitchFamily="34" charset="-127"/>
-                <a:ea typeface="Noto Sans CJK KR Black" pitchFamily="34" charset="-127"/>
-              </a:rPr>
-            </a:br>
-            <a:br>
-              <a:rPr lang="en-US" altLang="ko-KR" sz="2400" dirty="0">
-                <a:solidFill>
-                  <a:schemeClr val="tx1">
-                    <a:lumMod val="75000"/>
-                    <a:lumOff val="25000"/>
-                  </a:schemeClr>
-                </a:solidFill>
-                <a:latin typeface="Noto Sans CJK KR Black" pitchFamily="34" charset="-127"/>
-                <a:ea typeface="Noto Sans CJK KR Black" pitchFamily="34" charset="-127"/>
-              </a:rPr>
-            </a:br>
-            <a:br>
-              <a:rPr lang="en-US" altLang="ko-KR" sz="2400" dirty="0">
-                <a:solidFill>
-                  <a:schemeClr val="tx1">
-                    <a:lumMod val="75000"/>
-                    <a:lumOff val="25000"/>
-                  </a:schemeClr>
-                </a:solidFill>
-                <a:latin typeface="Noto Sans CJK KR Black" pitchFamily="34" charset="-127"/>
-                <a:ea typeface="Noto Sans CJK KR Black" pitchFamily="34" charset="-127"/>
-              </a:rPr>
-            </a:br>
-            <a:r>
-              <a:rPr lang="en-US" altLang="ko-KR" sz="2400" dirty="0">
-                <a:solidFill>
-                  <a:schemeClr val="tx1">
-                    <a:lumMod val="75000"/>
-                    <a:lumOff val="25000"/>
-                  </a:schemeClr>
-                </a:solidFill>
-                <a:latin typeface="Noto Sans CJK KR Black" pitchFamily="34" charset="-127"/>
-                <a:ea typeface="Noto Sans CJK KR Black" pitchFamily="34" charset="-127"/>
-              </a:rPr>
-              <a:t>3. Bias</a:t>
-            </a:r>
-            <a:r>
-              <a:rPr lang="ko-KR" altLang="en-US" sz="2400" dirty="0">
-                <a:solidFill>
-                  <a:schemeClr val="tx1">
-                    <a:lumMod val="75000"/>
-                    <a:lumOff val="25000"/>
-                  </a:schemeClr>
-                </a:solidFill>
-                <a:latin typeface="Noto Sans CJK KR Black" pitchFamily="34" charset="-127"/>
-                <a:ea typeface="Noto Sans CJK KR Black" pitchFamily="34" charset="-127"/>
-              </a:rPr>
-              <a:t>와 </a:t>
-            </a:r>
-            <a:r>
-              <a:rPr lang="en-US" altLang="ko-KR" sz="2400" dirty="0">
-                <a:solidFill>
-                  <a:schemeClr val="tx1">
-                    <a:lumMod val="75000"/>
-                    <a:lumOff val="25000"/>
-                  </a:schemeClr>
-                </a:solidFill>
-                <a:latin typeface="Noto Sans CJK KR Black" pitchFamily="34" charset="-127"/>
-                <a:ea typeface="Noto Sans CJK KR Black" pitchFamily="34" charset="-127"/>
-              </a:rPr>
-              <a:t>Variance</a:t>
-            </a:r>
-            <a:r>
-              <a:rPr lang="ko-KR" altLang="en-US" sz="2400" dirty="0">
-                <a:solidFill>
-                  <a:schemeClr val="tx1">
-                    <a:lumMod val="75000"/>
-                    <a:lumOff val="25000"/>
-                  </a:schemeClr>
-                </a:solidFill>
-                <a:latin typeface="Noto Sans CJK KR Black" pitchFamily="34" charset="-127"/>
-                <a:ea typeface="Noto Sans CJK KR Black" pitchFamily="34" charset="-127"/>
-              </a:rPr>
-              <a:t>의 차이는 무엇인가</a:t>
-            </a:r>
-            <a:r>
-              <a:rPr lang="en-US" altLang="ko-KR" sz="2400" dirty="0">
-                <a:solidFill>
-                  <a:schemeClr val="tx1">
-                    <a:lumMod val="75000"/>
-                    <a:lumOff val="25000"/>
-                  </a:schemeClr>
-                </a:solidFill>
-                <a:latin typeface="Noto Sans CJK KR Black" pitchFamily="34" charset="-127"/>
-                <a:ea typeface="Noto Sans CJK KR Black" pitchFamily="34" charset="-127"/>
-              </a:rPr>
-              <a:t>? </a:t>
-            </a:r>
-            <a:r>
-              <a:rPr lang="ko-KR" altLang="en-US" sz="2400" dirty="0">
-                <a:solidFill>
-                  <a:schemeClr val="tx1">
-                    <a:lumMod val="75000"/>
-                    <a:lumOff val="25000"/>
-                  </a:schemeClr>
-                </a:solidFill>
-                <a:latin typeface="Noto Sans CJK KR Black" pitchFamily="34" charset="-127"/>
-                <a:ea typeface="Noto Sans CJK KR Black" pitchFamily="34" charset="-127"/>
-              </a:rPr>
-              <a:t>그리고 복잡한 모형을 사용하게 될 때 </a:t>
-            </a:r>
-            <a:r>
-              <a:rPr lang="en-US" altLang="ko-KR" sz="2400" dirty="0">
-                <a:solidFill>
-                  <a:schemeClr val="tx1">
-                    <a:lumMod val="75000"/>
-                    <a:lumOff val="25000"/>
-                  </a:schemeClr>
-                </a:solidFill>
-                <a:latin typeface="Noto Sans CJK KR Black" pitchFamily="34" charset="-127"/>
-                <a:ea typeface="Noto Sans CJK KR Black" pitchFamily="34" charset="-127"/>
-              </a:rPr>
-              <a:t>Train</a:t>
-            </a:r>
-            <a:r>
-              <a:rPr lang="ko-KR" altLang="en-US" sz="2400" dirty="0">
-                <a:solidFill>
-                  <a:schemeClr val="tx1">
-                    <a:lumMod val="75000"/>
-                    <a:lumOff val="25000"/>
-                  </a:schemeClr>
-                </a:solidFill>
-                <a:latin typeface="Noto Sans CJK KR Black" pitchFamily="34" charset="-127"/>
-                <a:ea typeface="Noto Sans CJK KR Black" pitchFamily="34" charset="-127"/>
-              </a:rPr>
-              <a:t>과 </a:t>
-            </a:r>
-            <a:r>
-              <a:rPr lang="en-US" altLang="ko-KR" sz="2400" dirty="0">
-                <a:solidFill>
-                  <a:schemeClr val="tx1">
-                    <a:lumMod val="75000"/>
-                    <a:lumOff val="25000"/>
-                  </a:schemeClr>
-                </a:solidFill>
-                <a:latin typeface="Noto Sans CJK KR Black" pitchFamily="34" charset="-127"/>
-                <a:ea typeface="Noto Sans CJK KR Black" pitchFamily="34" charset="-127"/>
-              </a:rPr>
-              <a:t>Test </a:t>
-            </a:r>
-            <a:r>
-              <a:rPr lang="ko-KR" altLang="en-US" sz="2400" dirty="0">
-                <a:solidFill>
-                  <a:schemeClr val="tx1">
-                    <a:lumMod val="75000"/>
-                    <a:lumOff val="25000"/>
-                  </a:schemeClr>
-                </a:solidFill>
-                <a:latin typeface="Noto Sans CJK KR Black" pitchFamily="34" charset="-127"/>
-                <a:ea typeface="Noto Sans CJK KR Black" pitchFamily="34" charset="-127"/>
-              </a:rPr>
-              <a:t>에러는 어떻게 되는가</a:t>
-            </a:r>
-            <a:r>
-              <a:rPr lang="en-US" altLang="ko-KR" sz="2400" dirty="0">
+              <a:rPr lang="en-US" altLang="ko-KR" sz="2400">
                 <a:solidFill>
                   <a:schemeClr val="tx1">
                     <a:lumMod val="75000"/>
@@ -9508,7 +7055,7 @@
             <a:fld id="{6DDAE2C3-1A0B-474A-8CE8-AE55B8D9D4B1}" type="slidenum">
               <a:rPr lang="ko-KR" altLang="en-US" smtClean="0"/>
               <a:pPr/>
-              <a:t>37</a:t>
+              <a:t>24</a:t>
             </a:fld>
             <a:endParaRPr lang="ko-KR" altLang="en-US" dirty="0"/>
           </a:p>
@@ -9527,7 +7074,7 @@
 </p:sld>
 </file>
 
-<file path=ppt/slides/slide38.xml><?xml version="1.0" encoding="utf-8"?>
+<file path=ppt/slides/slide25.xml><?xml version="1.0" encoding="utf-8"?>
 <p:sld xmlns:a="http://schemas.openxmlformats.org/drawingml/2006/main" xmlns:r="http://schemas.openxmlformats.org/officeDocument/2006/relationships" xmlns:p="http://schemas.openxmlformats.org/presentationml/2006/main">
   <p:cSld>
     <p:spTree>
@@ -9713,6 +7260,90 @@
 </p:sld>
 </file>
 
+<file path=ppt/slides/slide3.xml><?xml version="1.0" encoding="utf-8"?>
+<p:sld xmlns:a="http://schemas.openxmlformats.org/drawingml/2006/main" xmlns:r="http://schemas.openxmlformats.org/officeDocument/2006/relationships" xmlns:p="http://schemas.openxmlformats.org/presentationml/2006/main">
+  <p:cSld>
+    <p:spTree>
+      <p:nvGrpSpPr>
+        <p:cNvPr id="1" name=""/>
+        <p:cNvGrpSpPr/>
+        <p:nvPr/>
+      </p:nvGrpSpPr>
+      <p:grpSpPr>
+        <a:xfrm>
+          <a:off x="0" y="0"/>
+          <a:ext cx="0" cy="0"/>
+          <a:chOff x="0" y="0"/>
+          <a:chExt cx="0" cy="0"/>
+        </a:xfrm>
+      </p:grpSpPr>
+      <p:sp>
+        <p:nvSpPr>
+          <p:cNvPr id="3" name="슬라이드 번호 개체 틀 2"/>
+          <p:cNvSpPr>
+            <a:spLocks noGrp="1"/>
+          </p:cNvSpPr>
+          <p:nvPr>
+            <p:ph type="sldNum" sz="quarter" idx="12"/>
+          </p:nvPr>
+        </p:nvSpPr>
+        <p:spPr/>
+        <p:txBody>
+          <a:bodyPr/>
+          <a:lstStyle/>
+          <a:p>
+            <a:fld id="{6DDAE2C3-1A0B-474A-8CE8-AE55B8D9D4B1}" type="slidenum">
+              <a:rPr lang="ko-KR" altLang="en-US" smtClean="0"/>
+              <a:pPr/>
+              <a:t>3</a:t>
+            </a:fld>
+            <a:endParaRPr lang="ko-KR" altLang="en-US" dirty="0"/>
+          </a:p>
+        </p:txBody>
+      </p:sp>
+      <p:pic>
+        <p:nvPicPr>
+          <p:cNvPr id="7" name="그림 6">
+            <a:extLst>
+              <a:ext uri="{FF2B5EF4-FFF2-40B4-BE49-F238E27FC236}">
+                <a16:creationId xmlns:a16="http://schemas.microsoft.com/office/drawing/2014/main" id="{ED5E60AD-3679-49A6-B97E-160D1F6EEA32}"/>
+              </a:ext>
+            </a:extLst>
+          </p:cNvPr>
+          <p:cNvPicPr>
+            <a:picLocks noChangeAspect="1"/>
+          </p:cNvPicPr>
+          <p:nvPr/>
+        </p:nvPicPr>
+        <p:blipFill>
+          <a:blip r:embed="rId2"/>
+          <a:stretch>
+            <a:fillRect/>
+          </a:stretch>
+        </p:blipFill>
+        <p:spPr>
+          <a:xfrm>
+            <a:off x="4815141" y="0"/>
+            <a:ext cx="2529968" cy="6840538"/>
+          </a:xfrm>
+          <a:prstGeom prst="rect">
+            <a:avLst/>
+          </a:prstGeom>
+        </p:spPr>
+      </p:pic>
+    </p:spTree>
+    <p:extLst>
+      <p:ext uri="{BB962C8B-B14F-4D97-AF65-F5344CB8AC3E}">
+        <p14:creationId xmlns:p14="http://schemas.microsoft.com/office/powerpoint/2010/main" val="3958259854"/>
+      </p:ext>
+    </p:extLst>
+  </p:cSld>
+  <p:clrMapOvr>
+    <a:masterClrMapping/>
+  </p:clrMapOvr>
+</p:sld>
+</file>
+
 <file path=ppt/slides/slide4.xml><?xml version="1.0" encoding="utf-8"?>
 <p:sld xmlns:a="http://schemas.openxmlformats.org/drawingml/2006/main" xmlns:r="http://schemas.openxmlformats.org/officeDocument/2006/relationships" xmlns:p="http://schemas.openxmlformats.org/presentationml/2006/main">
   <p:cSld>
@@ -9764,7 +7395,7 @@
                 <a:latin typeface="Noto Sans CJK KR Black" pitchFamily="34" charset="-127"/>
                 <a:ea typeface="Noto Sans CJK KR Black" pitchFamily="34" charset="-127"/>
               </a:rPr>
-              <a:t>4. </a:t>
+              <a:t>3. (</a:t>
             </a:r>
             <a:r>
               <a:rPr lang="ko-KR" altLang="en-US" sz="4400" dirty="0">
@@ -9777,7 +7408,33 @@
                 <a:latin typeface="Noto Sans CJK KR Black" pitchFamily="34" charset="-127"/>
                 <a:ea typeface="Noto Sans CJK KR Black" pitchFamily="34" charset="-127"/>
               </a:rPr>
-              <a:t>시계열 분석</a:t>
+              <a:t>시계열</a:t>
+            </a:r>
+            <a:r>
+              <a:rPr lang="en-US" altLang="ko-KR" sz="4400" dirty="0">
+                <a:solidFill>
+                  <a:schemeClr val="tx1">
+                    <a:lumMod val="75000"/>
+                    <a:lumOff val="25000"/>
+                  </a:schemeClr>
+                </a:solidFill>
+                <a:latin typeface="Noto Sans CJK KR Black" pitchFamily="34" charset="-127"/>
+                <a:ea typeface="Noto Sans CJK KR Black" pitchFamily="34" charset="-127"/>
+              </a:rPr>
+              <a:t>) </a:t>
+            </a:r>
+            <a:r>
+              <a:rPr lang="ko-KR" altLang="en-US" sz="4400" dirty="0">
+                <a:solidFill>
+                  <a:schemeClr val="tx1">
+                    <a:lumMod val="75000"/>
+                    <a:lumOff val="25000"/>
+                  </a:schemeClr>
+                </a:solidFill>
+                <a:latin typeface="Noto Sans CJK KR Black" pitchFamily="34" charset="-127"/>
+                <a:ea typeface="Noto Sans CJK KR Black" pitchFamily="34" charset="-127"/>
+              </a:rPr>
+              <a:t>회귀분석 요약</a:t>
             </a:r>
             <a:endParaRPr lang="ko-KR" altLang="en-US" sz="4400" dirty="0">
               <a:solidFill>
@@ -9819,7 +7476,7 @@
           <p:cNvPr id="2" name="그림 1">
             <a:extLst>
               <a:ext uri="{FF2B5EF4-FFF2-40B4-BE49-F238E27FC236}">
-                <a16:creationId xmlns:a16="http://schemas.microsoft.com/office/drawing/2014/main" id="{E0AE5659-91C0-40FC-BAB3-7D900655732E}"/>
+                <a16:creationId xmlns:a16="http://schemas.microsoft.com/office/drawing/2014/main" id="{DD0B51FD-DAEC-4BDF-8EB8-BE7E2B1C8898}"/>
               </a:ext>
             </a:extLst>
           </p:cNvPr>
@@ -9836,8 +7493,8 @@
         </p:blipFill>
         <p:spPr>
           <a:xfrm>
-            <a:off x="1851024" y="1921293"/>
-            <a:ext cx="8458200" cy="4210050"/>
+            <a:off x="1841499" y="1795264"/>
+            <a:ext cx="8477250" cy="4505325"/>
           </a:xfrm>
           <a:prstGeom prst="rect">
             <a:avLst/>
@@ -9847,7 +7504,7 @@
     </p:spTree>
     <p:extLst>
       <p:ext uri="{BB962C8B-B14F-4D97-AF65-F5344CB8AC3E}">
-        <p14:creationId xmlns:p14="http://schemas.microsoft.com/office/powerpoint/2010/main" val="2891482321"/>
+        <p14:creationId xmlns:p14="http://schemas.microsoft.com/office/powerpoint/2010/main" val="2351917810"/>
       </p:ext>
     </p:extLst>
   </p:cSld>
@@ -9886,13 +7543,13 @@
         </p:nvSpPr>
         <p:spPr>
           <a:xfrm>
-            <a:off x="319485" y="683965"/>
+            <a:off x="608012" y="539949"/>
             <a:ext cx="10944225" cy="1140090"/>
           </a:xfrm>
         </p:spPr>
         <p:txBody>
           <a:bodyPr>
-            <a:normAutofit fontScale="90000"/>
+            <a:normAutofit/>
           </a:bodyPr>
           <a:lstStyle/>
           <a:p>
@@ -9908,7 +7565,7 @@
                 <a:latin typeface="Noto Sans CJK KR Black" pitchFamily="34" charset="-127"/>
                 <a:ea typeface="Noto Sans CJK KR Black" pitchFamily="34" charset="-127"/>
               </a:rPr>
-              <a:t>4. </a:t>
+              <a:t>3. (</a:t>
             </a:r>
             <a:r>
               <a:rPr lang="ko-KR" altLang="en-US" sz="4400" dirty="0">
@@ -9923,7 +7580,7 @@
               </a:rPr>
               <a:t>시계열</a:t>
             </a:r>
-            <a:br>
+            <a:r>
               <a:rPr lang="en-US" altLang="ko-KR" sz="4400" dirty="0">
                 <a:solidFill>
                   <a:schemeClr val="tx1">
@@ -9934,7 +7591,8 @@
                 <a:latin typeface="Noto Sans CJK KR Black" pitchFamily="34" charset="-127"/>
                 <a:ea typeface="Noto Sans CJK KR Black" pitchFamily="34" charset="-127"/>
               </a:rPr>
-            </a:br>
+              <a:t>) </a:t>
+            </a:r>
             <a:r>
               <a:rPr lang="ko-KR" altLang="en-US" sz="4400" dirty="0">
                 <a:solidFill>
@@ -9946,7 +7604,7 @@
                 <a:latin typeface="Noto Sans CJK KR Black" pitchFamily="34" charset="-127"/>
                 <a:ea typeface="Noto Sans CJK KR Black" pitchFamily="34" charset="-127"/>
               </a:rPr>
-              <a:t> 분석</a:t>
+              <a:t>회귀분석 요약</a:t>
             </a:r>
             <a:endParaRPr lang="ko-KR" altLang="en-US" sz="4400" dirty="0">
               <a:solidFill>
@@ -9988,7 +7646,7 @@
           <p:cNvPr id="2" name="그림 1">
             <a:extLst>
               <a:ext uri="{FF2B5EF4-FFF2-40B4-BE49-F238E27FC236}">
-                <a16:creationId xmlns:a16="http://schemas.microsoft.com/office/drawing/2014/main" id="{F16BA6CA-9C7E-497A-94E5-0C8F2E773E65}"/>
+                <a16:creationId xmlns:a16="http://schemas.microsoft.com/office/drawing/2014/main" id="{11319F4D-3C67-471E-9D18-54ED0D5C92C2}"/>
               </a:ext>
             </a:extLst>
           </p:cNvPr>
@@ -10005,8 +7663,8 @@
         </p:blipFill>
         <p:spPr>
           <a:xfrm>
-            <a:off x="2730500" y="252936"/>
-            <a:ext cx="9429750" cy="6286500"/>
+            <a:off x="2341587" y="1512893"/>
+            <a:ext cx="7477074" cy="5327645"/>
           </a:xfrm>
           <a:prstGeom prst="rect">
             <a:avLst/>
@@ -10016,7 +7674,7 @@
     </p:spTree>
     <p:extLst>
       <p:ext uri="{BB962C8B-B14F-4D97-AF65-F5344CB8AC3E}">
-        <p14:creationId xmlns:p14="http://schemas.microsoft.com/office/powerpoint/2010/main" val="2520880966"/>
+        <p14:creationId xmlns:p14="http://schemas.microsoft.com/office/powerpoint/2010/main" val="1599162959"/>
       </p:ext>
     </p:extLst>
   </p:cSld>
@@ -10077,7 +7735,7 @@
                 <a:latin typeface="Noto Sans CJK KR Black" pitchFamily="34" charset="-127"/>
                 <a:ea typeface="Noto Sans CJK KR Black" pitchFamily="34" charset="-127"/>
               </a:rPr>
-              <a:t>4. </a:t>
+              <a:t>3. (</a:t>
             </a:r>
             <a:r>
               <a:rPr lang="ko-KR" altLang="en-US" sz="4400" dirty="0">
@@ -10090,7 +7748,33 @@
                 <a:latin typeface="Noto Sans CJK KR Black" pitchFamily="34" charset="-127"/>
                 <a:ea typeface="Noto Sans CJK KR Black" pitchFamily="34" charset="-127"/>
               </a:rPr>
-              <a:t>시계열 분석</a:t>
+              <a:t>시계열</a:t>
+            </a:r>
+            <a:r>
+              <a:rPr lang="en-US" altLang="ko-KR" sz="4400" dirty="0">
+                <a:solidFill>
+                  <a:schemeClr val="tx1">
+                    <a:lumMod val="75000"/>
+                    <a:lumOff val="25000"/>
+                  </a:schemeClr>
+                </a:solidFill>
+                <a:latin typeface="Noto Sans CJK KR Black" pitchFamily="34" charset="-127"/>
+                <a:ea typeface="Noto Sans CJK KR Black" pitchFamily="34" charset="-127"/>
+              </a:rPr>
+              <a:t>) </a:t>
+            </a:r>
+            <a:r>
+              <a:rPr lang="ko-KR" altLang="en-US" sz="4400" dirty="0">
+                <a:solidFill>
+                  <a:schemeClr val="tx1">
+                    <a:lumMod val="75000"/>
+                    <a:lumOff val="25000"/>
+                  </a:schemeClr>
+                </a:solidFill>
+                <a:latin typeface="Noto Sans CJK KR Black" pitchFamily="34" charset="-127"/>
+                <a:ea typeface="Noto Sans CJK KR Black" pitchFamily="34" charset="-127"/>
+              </a:rPr>
+              <a:t>회귀분석 요약</a:t>
             </a:r>
             <a:endParaRPr lang="ko-KR" altLang="en-US" sz="4400" dirty="0">
               <a:solidFill>
@@ -10132,7 +7816,7 @@
           <p:cNvPr id="2" name="그림 1">
             <a:extLst>
               <a:ext uri="{FF2B5EF4-FFF2-40B4-BE49-F238E27FC236}">
-                <a16:creationId xmlns:a16="http://schemas.microsoft.com/office/drawing/2014/main" id="{0014DEB9-298D-43C9-849A-3CBA3225AAE1}"/>
+                <a16:creationId xmlns:a16="http://schemas.microsoft.com/office/drawing/2014/main" id="{453B9F90-88D0-482B-95CF-DE80D2FAF198}"/>
               </a:ext>
             </a:extLst>
           </p:cNvPr>
@@ -10149,8 +7833,8 @@
         </p:blipFill>
         <p:spPr>
           <a:xfrm>
-            <a:off x="5504061" y="0"/>
-            <a:ext cx="4936388" cy="6840538"/>
+            <a:off x="2236786" y="1836093"/>
+            <a:ext cx="7686675" cy="4133850"/>
           </a:xfrm>
           <a:prstGeom prst="rect">
             <a:avLst/>
@@ -10160,7 +7844,7 @@
     </p:spTree>
     <p:extLst>
       <p:ext uri="{BB962C8B-B14F-4D97-AF65-F5344CB8AC3E}">
-        <p14:creationId xmlns:p14="http://schemas.microsoft.com/office/powerpoint/2010/main" val="3164457100"/>
+        <p14:creationId xmlns:p14="http://schemas.microsoft.com/office/powerpoint/2010/main" val="3404132233"/>
       </p:ext>
     </p:extLst>
   </p:cSld>
@@ -10205,7 +7889,7 @@
         </p:spPr>
         <p:txBody>
           <a:bodyPr>
-            <a:normAutofit/>
+            <a:normAutofit fontScale="90000"/>
           </a:bodyPr>
           <a:lstStyle/>
           <a:p>
@@ -10221,7 +7905,7 @@
                 <a:latin typeface="Noto Sans CJK KR Black" pitchFamily="34" charset="-127"/>
                 <a:ea typeface="Noto Sans CJK KR Black" pitchFamily="34" charset="-127"/>
               </a:rPr>
-              <a:t>4. </a:t>
+              <a:t>3. (</a:t>
             </a:r>
             <a:r>
               <a:rPr lang="ko-KR" altLang="en-US" sz="4400" dirty="0">
@@ -10234,7 +7918,45 @@
                 <a:latin typeface="Noto Sans CJK KR Black" pitchFamily="34" charset="-127"/>
                 <a:ea typeface="Noto Sans CJK KR Black" pitchFamily="34" charset="-127"/>
               </a:rPr>
-              <a:t>시계열 분석</a:t>
+              <a:t>시계열</a:t>
+            </a:r>
+            <a:r>
+              <a:rPr lang="en-US" altLang="ko-KR" sz="4400" dirty="0">
+                <a:solidFill>
+                  <a:schemeClr val="tx1">
+                    <a:lumMod val="75000"/>
+                    <a:lumOff val="25000"/>
+                  </a:schemeClr>
+                </a:solidFill>
+                <a:latin typeface="Noto Sans CJK KR Black" pitchFamily="34" charset="-127"/>
+                <a:ea typeface="Noto Sans CJK KR Black" pitchFamily="34" charset="-127"/>
+              </a:rPr>
+              <a:t>) </a:t>
+            </a:r>
+            <a:br>
+              <a:rPr lang="en-US" altLang="ko-KR" sz="4400" dirty="0">
+                <a:solidFill>
+                  <a:schemeClr val="tx1">
+                    <a:lumMod val="75000"/>
+                    <a:lumOff val="25000"/>
+                  </a:schemeClr>
+                </a:solidFill>
+                <a:latin typeface="Noto Sans CJK KR Black" pitchFamily="34" charset="-127"/>
+                <a:ea typeface="Noto Sans CJK KR Black" pitchFamily="34" charset="-127"/>
+              </a:rPr>
+            </a:br>
+            <a:r>
+              <a:rPr lang="ko-KR" altLang="en-US" sz="4400" dirty="0">
+                <a:solidFill>
+                  <a:schemeClr val="tx1">
+                    <a:lumMod val="75000"/>
+                    <a:lumOff val="25000"/>
+                  </a:schemeClr>
+                </a:solidFill>
+                <a:latin typeface="Noto Sans CJK KR Black" pitchFamily="34" charset="-127"/>
+                <a:ea typeface="Noto Sans CJK KR Black" pitchFamily="34" charset="-127"/>
+              </a:rPr>
+              <a:t>회귀분석 요약</a:t>
             </a:r>
             <a:endParaRPr lang="ko-KR" altLang="en-US" sz="4400" dirty="0">
               <a:solidFill>
@@ -10276,7 +7998,7 @@
           <p:cNvPr id="2" name="그림 1">
             <a:extLst>
               <a:ext uri="{FF2B5EF4-FFF2-40B4-BE49-F238E27FC236}">
-                <a16:creationId xmlns:a16="http://schemas.microsoft.com/office/drawing/2014/main" id="{2A0D922B-2802-4818-8989-1A73692EE1E5}"/>
+                <a16:creationId xmlns:a16="http://schemas.microsoft.com/office/drawing/2014/main" id="{018A6E6E-FD76-4616-A3E7-21307114884C}"/>
               </a:ext>
             </a:extLst>
           </p:cNvPr>
@@ -10293,8 +8015,8 @@
         </p:blipFill>
         <p:spPr>
           <a:xfrm>
-            <a:off x="2151061" y="1665315"/>
-            <a:ext cx="7858125" cy="4667250"/>
+            <a:off x="4156998" y="0"/>
+            <a:ext cx="7981950" cy="6791325"/>
           </a:xfrm>
           <a:prstGeom prst="rect">
             <a:avLst/>
@@ -10304,7 +8026,7 @@
     </p:spTree>
     <p:extLst>
       <p:ext uri="{BB962C8B-B14F-4D97-AF65-F5344CB8AC3E}">
-        <p14:creationId xmlns:p14="http://schemas.microsoft.com/office/powerpoint/2010/main" val="3447290098"/>
+        <p14:creationId xmlns:p14="http://schemas.microsoft.com/office/powerpoint/2010/main" val="4004974619"/>
       </p:ext>
     </p:extLst>
   </p:cSld>
@@ -10343,13 +8065,13 @@
         </p:nvSpPr>
         <p:spPr>
           <a:xfrm>
-            <a:off x="608012" y="539949"/>
+            <a:off x="608012" y="899989"/>
             <a:ext cx="10944225" cy="1140090"/>
           </a:xfrm>
         </p:spPr>
         <p:txBody>
           <a:bodyPr>
-            <a:normAutofit/>
+            <a:normAutofit fontScale="90000"/>
           </a:bodyPr>
           <a:lstStyle/>
           <a:p>
@@ -10365,7 +8087,7 @@
                 <a:latin typeface="Noto Sans CJK KR Black" pitchFamily="34" charset="-127"/>
                 <a:ea typeface="Noto Sans CJK KR Black" pitchFamily="34" charset="-127"/>
               </a:rPr>
-              <a:t>4. </a:t>
+              <a:t>3. (</a:t>
             </a:r>
             <a:r>
               <a:rPr lang="ko-KR" altLang="en-US" sz="4400" dirty="0">
@@ -10378,7 +8100,70 @@
                 <a:latin typeface="Noto Sans CJK KR Black" pitchFamily="34" charset="-127"/>
                 <a:ea typeface="Noto Sans CJK KR Black" pitchFamily="34" charset="-127"/>
               </a:rPr>
-              <a:t>시계열 분석</a:t>
+              <a:t>시계열</a:t>
+            </a:r>
+            <a:r>
+              <a:rPr lang="en-US" altLang="ko-KR" sz="4400" dirty="0">
+                <a:solidFill>
+                  <a:schemeClr val="tx1">
+                    <a:lumMod val="75000"/>
+                    <a:lumOff val="25000"/>
+                  </a:schemeClr>
+                </a:solidFill>
+                <a:latin typeface="Noto Sans CJK KR Black" pitchFamily="34" charset="-127"/>
+                <a:ea typeface="Noto Sans CJK KR Black" pitchFamily="34" charset="-127"/>
+              </a:rPr>
+              <a:t>) </a:t>
+            </a:r>
+            <a:br>
+              <a:rPr lang="en-US" altLang="ko-KR" sz="4400" dirty="0">
+                <a:solidFill>
+                  <a:schemeClr val="tx1">
+                    <a:lumMod val="75000"/>
+                    <a:lumOff val="25000"/>
+                  </a:schemeClr>
+                </a:solidFill>
+                <a:latin typeface="Noto Sans CJK KR Black" pitchFamily="34" charset="-127"/>
+                <a:ea typeface="Noto Sans CJK KR Black" pitchFamily="34" charset="-127"/>
+              </a:rPr>
+            </a:br>
+            <a:r>
+              <a:rPr lang="ko-KR" altLang="en-US" sz="4400" dirty="0">
+                <a:solidFill>
+                  <a:schemeClr val="tx1">
+                    <a:lumMod val="75000"/>
+                    <a:lumOff val="25000"/>
+                  </a:schemeClr>
+                </a:solidFill>
+                <a:latin typeface="Noto Sans CJK KR Black" pitchFamily="34" charset="-127"/>
+                <a:ea typeface="Noto Sans CJK KR Black" pitchFamily="34" charset="-127"/>
+              </a:rPr>
+              <a:t>회귀분석 </a:t>
+            </a:r>
+            <a:br>
+              <a:rPr lang="en-US" altLang="ko-KR" sz="4400" dirty="0">
+                <a:solidFill>
+                  <a:schemeClr val="tx1">
+                    <a:lumMod val="75000"/>
+                    <a:lumOff val="25000"/>
+                  </a:schemeClr>
+                </a:solidFill>
+                <a:latin typeface="Noto Sans CJK KR Black" pitchFamily="34" charset="-127"/>
+                <a:ea typeface="Noto Sans CJK KR Black" pitchFamily="34" charset="-127"/>
+              </a:rPr>
+            </a:br>
+            <a:r>
+              <a:rPr lang="ko-KR" altLang="en-US" sz="4400" dirty="0">
+                <a:solidFill>
+                  <a:schemeClr val="tx1">
+                    <a:lumMod val="75000"/>
+                    <a:lumOff val="25000"/>
+                  </a:schemeClr>
+                </a:solidFill>
+                <a:latin typeface="Noto Sans CJK KR Black" pitchFamily="34" charset="-127"/>
+                <a:ea typeface="Noto Sans CJK KR Black" pitchFamily="34" charset="-127"/>
+              </a:rPr>
+              <a:t>요약</a:t>
             </a:r>
             <a:endParaRPr lang="ko-KR" altLang="en-US" sz="4400" dirty="0">
               <a:solidFill>
@@ -10417,10 +8202,10 @@
       </p:sp>
       <p:pic>
         <p:nvPicPr>
-          <p:cNvPr id="2" name="그림 1">
+          <p:cNvPr id="4" name="그림 3">
             <a:extLst>
               <a:ext uri="{FF2B5EF4-FFF2-40B4-BE49-F238E27FC236}">
-                <a16:creationId xmlns:a16="http://schemas.microsoft.com/office/drawing/2014/main" id="{0B1CFA12-79FE-4C89-9A90-7E66AC65F245}"/>
+                <a16:creationId xmlns:a16="http://schemas.microsoft.com/office/drawing/2014/main" id="{AD813B1A-B5A3-40EB-AB97-03BF7D698094}"/>
               </a:ext>
             </a:extLst>
           </p:cNvPr>
@@ -10437,8 +8222,8 @@
         </p:blipFill>
         <p:spPr>
           <a:xfrm>
-            <a:off x="2055811" y="1490976"/>
-            <a:ext cx="8048625" cy="5324475"/>
+            <a:off x="3635375" y="539949"/>
+            <a:ext cx="8524875" cy="5800725"/>
           </a:xfrm>
           <a:prstGeom prst="rect">
             <a:avLst/>
@@ -10448,7 +8233,7 @@
     </p:spTree>
     <p:extLst>
       <p:ext uri="{BB962C8B-B14F-4D97-AF65-F5344CB8AC3E}">
-        <p14:creationId xmlns:p14="http://schemas.microsoft.com/office/powerpoint/2010/main" val="4258336835"/>
+        <p14:creationId xmlns:p14="http://schemas.microsoft.com/office/powerpoint/2010/main" val="1417976488"/>
       </p:ext>
     </p:extLst>
   </p:cSld>
@@ -10487,7 +8272,7 @@
         </p:nvSpPr>
         <p:spPr>
           <a:xfrm>
-            <a:off x="608010" y="395933"/>
+            <a:off x="608012" y="539949"/>
             <a:ext cx="10944225" cy="1140090"/>
           </a:xfrm>
         </p:spPr>
@@ -10509,7 +8294,7 @@
                 <a:latin typeface="Noto Sans CJK KR Black" pitchFamily="34" charset="-127"/>
                 <a:ea typeface="Noto Sans CJK KR Black" pitchFamily="34" charset="-127"/>
               </a:rPr>
-              <a:t>4. </a:t>
+              <a:t>3. (</a:t>
             </a:r>
             <a:r>
               <a:rPr lang="ko-KR" altLang="en-US" sz="4400" dirty="0">
@@ -10522,7 +8307,33 @@
                 <a:latin typeface="Noto Sans CJK KR Black" pitchFamily="34" charset="-127"/>
                 <a:ea typeface="Noto Sans CJK KR Black" pitchFamily="34" charset="-127"/>
               </a:rPr>
-              <a:t>시계열 분석</a:t>
+              <a:t>시계열</a:t>
+            </a:r>
+            <a:r>
+              <a:rPr lang="en-US" altLang="ko-KR" sz="4400" dirty="0">
+                <a:solidFill>
+                  <a:schemeClr val="tx1">
+                    <a:lumMod val="75000"/>
+                    <a:lumOff val="25000"/>
+                  </a:schemeClr>
+                </a:solidFill>
+                <a:latin typeface="Noto Sans CJK KR Black" pitchFamily="34" charset="-127"/>
+                <a:ea typeface="Noto Sans CJK KR Black" pitchFamily="34" charset="-127"/>
+              </a:rPr>
+              <a:t>) </a:t>
+            </a:r>
+            <a:r>
+              <a:rPr lang="ko-KR" altLang="en-US" sz="4400" dirty="0">
+                <a:solidFill>
+                  <a:schemeClr val="tx1">
+                    <a:lumMod val="75000"/>
+                    <a:lumOff val="25000"/>
+                  </a:schemeClr>
+                </a:solidFill>
+                <a:latin typeface="Noto Sans CJK KR Black" pitchFamily="34" charset="-127"/>
+                <a:ea typeface="Noto Sans CJK KR Black" pitchFamily="34" charset="-127"/>
+              </a:rPr>
+              <a:t>회귀분석 요약</a:t>
             </a:r>
             <a:endParaRPr lang="ko-KR" altLang="en-US" sz="4400" dirty="0">
               <a:solidFill>
@@ -10561,10 +8372,10 @@
       </p:sp>
       <p:pic>
         <p:nvPicPr>
-          <p:cNvPr id="4" name="그림 3">
+          <p:cNvPr id="2" name="그림 1">
             <a:extLst>
               <a:ext uri="{FF2B5EF4-FFF2-40B4-BE49-F238E27FC236}">
-                <a16:creationId xmlns:a16="http://schemas.microsoft.com/office/drawing/2014/main" id="{1A92F210-FACF-45B5-9C7D-A87B658874A0}"/>
+                <a16:creationId xmlns:a16="http://schemas.microsoft.com/office/drawing/2014/main" id="{E39D56FB-A8CE-4564-AA63-2AB0A3D06C98}"/>
               </a:ext>
             </a:extLst>
           </p:cNvPr>
@@ -10581,8 +8392,8 @@
         </p:blipFill>
         <p:spPr>
           <a:xfrm>
-            <a:off x="1441447" y="1458924"/>
-            <a:ext cx="9277350" cy="5362575"/>
+            <a:off x="3965574" y="2268141"/>
+            <a:ext cx="4229100" cy="3028950"/>
           </a:xfrm>
           <a:prstGeom prst="rect">
             <a:avLst/>
@@ -10592,7 +8403,7 @@
     </p:spTree>
     <p:extLst>
       <p:ext uri="{BB962C8B-B14F-4D97-AF65-F5344CB8AC3E}">
-        <p14:creationId xmlns:p14="http://schemas.microsoft.com/office/powerpoint/2010/main" val="3857964066"/>
+        <p14:creationId xmlns:p14="http://schemas.microsoft.com/office/powerpoint/2010/main" val="869829343"/>
       </p:ext>
     </p:extLst>
   </p:cSld>
